--- a/120-Xamarin.Forms/[XAM120] Xamarin.Forms.pptx
+++ b/120-Xamarin.Forms/[XAM120] Xamarin.Forms.pptx
@@ -6,39 +6,36 @@
     <p:sldMasterId id="2147483660" r:id="rId2"/>
   </p:sldMasterIdLst>
   <p:notesMasterIdLst>
-    <p:notesMasterId r:id="rId33"/>
+    <p:notesMasterId r:id="rId30"/>
   </p:notesMasterIdLst>
   <p:sldIdLst>
     <p:sldId id="295" r:id="rId3"/>
-    <p:sldId id="294" r:id="rId4"/>
+    <p:sldId id="319" r:id="rId4"/>
     <p:sldId id="290" r:id="rId5"/>
     <p:sldId id="291" r:id="rId6"/>
     <p:sldId id="292" r:id="rId7"/>
-    <p:sldId id="293" r:id="rId8"/>
-    <p:sldId id="296" r:id="rId9"/>
-    <p:sldId id="297" r:id="rId10"/>
-    <p:sldId id="298" r:id="rId11"/>
-    <p:sldId id="299" r:id="rId12"/>
-    <p:sldId id="300" r:id="rId13"/>
-    <p:sldId id="301" r:id="rId14"/>
-    <p:sldId id="302" r:id="rId15"/>
+    <p:sldId id="296" r:id="rId8"/>
+    <p:sldId id="297" r:id="rId9"/>
+    <p:sldId id="298" r:id="rId10"/>
+    <p:sldId id="293" r:id="rId11"/>
+    <p:sldId id="321" r:id="rId12"/>
+    <p:sldId id="299" r:id="rId13"/>
+    <p:sldId id="300" r:id="rId14"/>
+    <p:sldId id="301" r:id="rId15"/>
     <p:sldId id="305" r:id="rId16"/>
     <p:sldId id="309" r:id="rId17"/>
     <p:sldId id="276" r:id="rId18"/>
     <p:sldId id="310" r:id="rId19"/>
-    <p:sldId id="306" r:id="rId20"/>
-    <p:sldId id="281" r:id="rId21"/>
-    <p:sldId id="282" r:id="rId22"/>
-    <p:sldId id="283" r:id="rId23"/>
-    <p:sldId id="284" r:id="rId24"/>
-    <p:sldId id="311" r:id="rId25"/>
-    <p:sldId id="312" r:id="rId26"/>
-    <p:sldId id="313" r:id="rId27"/>
-    <p:sldId id="314" r:id="rId28"/>
-    <p:sldId id="315" r:id="rId29"/>
-    <p:sldId id="316" r:id="rId30"/>
-    <p:sldId id="318" r:id="rId31"/>
-    <p:sldId id="317" r:id="rId32"/>
+    <p:sldId id="322" r:id="rId20"/>
+    <p:sldId id="306" r:id="rId21"/>
+    <p:sldId id="311" r:id="rId22"/>
+    <p:sldId id="312" r:id="rId23"/>
+    <p:sldId id="313" r:id="rId24"/>
+    <p:sldId id="314" r:id="rId25"/>
+    <p:sldId id="315" r:id="rId26"/>
+    <p:sldId id="316" r:id="rId27"/>
+    <p:sldId id="318" r:id="rId28"/>
+    <p:sldId id="317" r:id="rId29"/>
   </p:sldIdLst>
   <p:sldSz cx="12192000" cy="6858000"/>
   <p:notesSz cx="6858000" cy="9144000"/>
@@ -231,7 +228,7 @@
           <a:p>
             <a:fld id="{DEEA3CE9-A34F-4524-B7F8-A67B315DCB6B}" type="datetimeFigureOut">
               <a:rPr lang="ko-KR" altLang="en-US" smtClean="0"/>
-              <a:t>2017-03-25</a:t>
+              <a:t>2017-03-26</a:t>
             </a:fld>
             <a:endParaRPr lang="ko-KR" altLang="en-US"/>
           </a:p>
@@ -687,34 +684,10 @@
           <a:bodyPr/>
           <a:lstStyle/>
           <a:p>
-            <a:r>
-              <a:rPr lang="ko-KR" altLang="en-US" dirty="0"/>
-              <a:t>솔루션</a:t>
-            </a:r>
-            <a:r>
-              <a:rPr lang="en-US" altLang="ko-KR" dirty="0"/>
-              <a:t>, </a:t>
-            </a:r>
-            <a:r>
-              <a:rPr lang="ko-KR" altLang="en-US" dirty="0"/>
-              <a:t>윈도우 </a:t>
-            </a:r>
-            <a:r>
-              <a:rPr lang="en-US" altLang="ko-KR" dirty="0"/>
-              <a:t>iOS, </a:t>
-            </a:r>
-            <a:r>
-              <a:rPr lang="ko-KR" altLang="en-US" dirty="0"/>
-              <a:t>안드로이드</a:t>
-            </a:r>
-            <a:r>
-              <a:rPr lang="en-US" altLang="ko-KR" dirty="0"/>
-              <a:t>, </a:t>
-            </a:r>
-            <a:r>
-              <a:rPr lang="ko-KR" altLang="en-US" dirty="0"/>
-              <a:t>누겟패키지 다 포함하여 보여주기</a:t>
-            </a:r>
+            <a:pPr marL="228600" indent="-228600">
+              <a:buAutoNum type="arabicPeriod"/>
+            </a:pPr>
+            <a:endParaRPr lang="ko-KR" altLang="en-US" dirty="0"/>
           </a:p>
         </p:txBody>
       </p:sp>
@@ -782,7 +755,243 @@
                 <a:tabLst/>
                 <a:defRPr/>
               </a:pPr>
-              <a:t>29</a:t>
+              <a:t>18</a:t>
+            </a:fld>
+            <a:endParaRPr kumimoji="0" lang="ko-KR" altLang="en-US" sz="1200" b="0" i="0" u="none" strike="noStrike" kern="1200" cap="none" spc="0" normalizeH="0" baseline="0" noProof="0">
+              <a:ln>
+                <a:noFill/>
+              </a:ln>
+              <a:solidFill>
+                <a:prstClr val="black"/>
+              </a:solidFill>
+              <a:effectLst/>
+              <a:uLnTx/>
+              <a:uFillTx/>
+              <a:latin typeface="맑은 고딕" panose="020F0502020204030204"/>
+              <a:ea typeface="맑은 고딕" panose="020B0503020000020004" pitchFamily="50" charset="-127"/>
+              <a:cs typeface="+mn-cs"/>
+            </a:endParaRPr>
+          </a:p>
+        </p:txBody>
+      </p:sp>
+    </p:spTree>
+    <p:extLst>
+      <p:ext uri="{BB962C8B-B14F-4D97-AF65-F5344CB8AC3E}">
+        <p14:creationId xmlns:p14="http://schemas.microsoft.com/office/powerpoint/2010/main" val="1401055936"/>
+      </p:ext>
+    </p:extLst>
+  </p:cSld>
+  <p:clrMapOvr>
+    <a:masterClrMapping/>
+  </p:clrMapOvr>
+</p:notes>
+</file>
+
+<file path=ppt/notesSlides/notesSlide11.xml><?xml version="1.0" encoding="utf-8"?>
+<p:notes xmlns:a="http://schemas.openxmlformats.org/drawingml/2006/main" xmlns:r="http://schemas.openxmlformats.org/officeDocument/2006/relationships" xmlns:p="http://schemas.openxmlformats.org/presentationml/2006/main">
+  <p:cSld>
+    <p:spTree>
+      <p:nvGrpSpPr>
+        <p:cNvPr id="1" name=""/>
+        <p:cNvGrpSpPr/>
+        <p:nvPr/>
+      </p:nvGrpSpPr>
+      <p:grpSpPr>
+        <a:xfrm>
+          <a:off x="0" y="0"/>
+          <a:ext cx="0" cy="0"/>
+          <a:chOff x="0" y="0"/>
+          <a:chExt cx="0" cy="0"/>
+        </a:xfrm>
+      </p:grpSpPr>
+      <p:sp>
+        <p:nvSpPr>
+          <p:cNvPr id="2" name="Slide Image Placeholder 1"/>
+          <p:cNvSpPr>
+            <a:spLocks noGrp="1" noRot="1" noChangeAspect="1"/>
+          </p:cNvSpPr>
+          <p:nvPr>
+            <p:ph type="sldImg"/>
+          </p:nvPr>
+        </p:nvSpPr>
+        <p:spPr/>
+      </p:sp>
+      <p:sp>
+        <p:nvSpPr>
+          <p:cNvPr id="3" name="Notes Placeholder 2"/>
+          <p:cNvSpPr>
+            <a:spLocks noGrp="1"/>
+          </p:cNvSpPr>
+          <p:nvPr>
+            <p:ph type="body" idx="1"/>
+          </p:nvPr>
+        </p:nvSpPr>
+        <p:spPr/>
+        <p:txBody>
+          <a:bodyPr/>
+          <a:lstStyle/>
+          <a:p>
+            <a:r>
+              <a:rPr lang="en-US" altLang="ko-KR" dirty="0" err="1"/>
+              <a:t>Xam</a:t>
+            </a:r>
+            <a:r>
+              <a:rPr lang="en-US" altLang="ko-KR" dirty="0"/>
+              <a:t> 110, 300</a:t>
+            </a:r>
+            <a:endParaRPr lang="ko-KR" altLang="en-US" dirty="0"/>
+          </a:p>
+        </p:txBody>
+      </p:sp>
+      <p:sp>
+        <p:nvSpPr>
+          <p:cNvPr id="4" name="Slide Number Placeholder 3"/>
+          <p:cNvSpPr>
+            <a:spLocks noGrp="1"/>
+          </p:cNvSpPr>
+          <p:nvPr>
+            <p:ph type="sldNum" sz="quarter" idx="10"/>
+          </p:nvPr>
+        </p:nvSpPr>
+        <p:spPr/>
+        <p:txBody>
+          <a:bodyPr/>
+          <a:lstStyle/>
+          <a:p>
+            <a:fld id="{25881C45-759B-44A5-8C84-441FD31AAD5E}" type="slidenum">
+              <a:rPr lang="ko-KR" altLang="en-US" smtClean="0"/>
+              <a:t>20</a:t>
+            </a:fld>
+            <a:endParaRPr lang="ko-KR" altLang="en-US"/>
+          </a:p>
+        </p:txBody>
+      </p:sp>
+    </p:spTree>
+    <p:extLst>
+      <p:ext uri="{BB962C8B-B14F-4D97-AF65-F5344CB8AC3E}">
+        <p14:creationId xmlns:p14="http://schemas.microsoft.com/office/powerpoint/2010/main" val="1389566325"/>
+      </p:ext>
+    </p:extLst>
+  </p:cSld>
+  <p:clrMapOvr>
+    <a:masterClrMapping/>
+  </p:clrMapOvr>
+</p:notes>
+</file>
+
+<file path=ppt/notesSlides/notesSlide12.xml><?xml version="1.0" encoding="utf-8"?>
+<p:notes xmlns:a="http://schemas.openxmlformats.org/drawingml/2006/main" xmlns:r="http://schemas.openxmlformats.org/officeDocument/2006/relationships" xmlns:p="http://schemas.openxmlformats.org/presentationml/2006/main">
+  <p:cSld>
+    <p:spTree>
+      <p:nvGrpSpPr>
+        <p:cNvPr id="1" name=""/>
+        <p:cNvGrpSpPr/>
+        <p:nvPr/>
+      </p:nvGrpSpPr>
+      <p:grpSpPr>
+        <a:xfrm>
+          <a:off x="0" y="0"/>
+          <a:ext cx="0" cy="0"/>
+          <a:chOff x="0" y="0"/>
+          <a:chExt cx="0" cy="0"/>
+        </a:xfrm>
+      </p:grpSpPr>
+      <p:sp>
+        <p:nvSpPr>
+          <p:cNvPr id="2" name="Slide Image Placeholder 1"/>
+          <p:cNvSpPr>
+            <a:spLocks noGrp="1" noRot="1" noChangeAspect="1"/>
+          </p:cNvSpPr>
+          <p:nvPr>
+            <p:ph type="sldImg"/>
+          </p:nvPr>
+        </p:nvSpPr>
+        <p:spPr/>
+      </p:sp>
+      <p:sp>
+        <p:nvSpPr>
+          <p:cNvPr id="3" name="Notes Placeholder 2"/>
+          <p:cNvSpPr>
+            <a:spLocks noGrp="1"/>
+          </p:cNvSpPr>
+          <p:nvPr>
+            <p:ph type="body" idx="1"/>
+          </p:nvPr>
+        </p:nvSpPr>
+        <p:spPr/>
+        <p:txBody>
+          <a:bodyPr/>
+          <a:lstStyle/>
+          <a:p>
+            <a:endParaRPr lang="ko-KR" altLang="en-US" dirty="0"/>
+          </a:p>
+        </p:txBody>
+      </p:sp>
+      <p:sp>
+        <p:nvSpPr>
+          <p:cNvPr id="4" name="Slide Number Placeholder 3"/>
+          <p:cNvSpPr>
+            <a:spLocks noGrp="1"/>
+          </p:cNvSpPr>
+          <p:nvPr>
+            <p:ph type="sldNum" sz="quarter" idx="10"/>
+          </p:nvPr>
+        </p:nvSpPr>
+        <p:spPr/>
+        <p:txBody>
+          <a:bodyPr/>
+          <a:lstStyle/>
+          <a:p>
+            <a:pPr marL="0" marR="0" lvl="0" indent="0" algn="r" defTabSz="914400" rtl="0" eaLnBrk="1" fontAlgn="auto" latinLnBrk="1" hangingPunct="1">
+              <a:lnSpc>
+                <a:spcPct val="100000"/>
+              </a:lnSpc>
+              <a:spcBef>
+                <a:spcPts val="0"/>
+              </a:spcBef>
+              <a:spcAft>
+                <a:spcPts val="0"/>
+              </a:spcAft>
+              <a:buClrTx/>
+              <a:buSzTx/>
+              <a:buFontTx/>
+              <a:buNone/>
+              <a:tabLst/>
+              <a:defRPr/>
+            </a:pPr>
+            <a:fld id="{0DACA005-7098-44E7-9D9B-6670FD9D69A5}" type="slidenum">
+              <a:rPr kumimoji="0" lang="ko-KR" altLang="en-US" sz="1200" b="0" i="0" u="none" strike="noStrike" kern="1200" cap="none" spc="0" normalizeH="0" baseline="0" noProof="0" smtClean="0">
+                <a:ln>
+                  <a:noFill/>
+                </a:ln>
+                <a:solidFill>
+                  <a:prstClr val="black"/>
+                </a:solidFill>
+                <a:effectLst/>
+                <a:uLnTx/>
+                <a:uFillTx/>
+                <a:latin typeface="맑은 고딕" panose="020F0502020204030204"/>
+                <a:ea typeface="맑은 고딕" panose="020B0503020000020004" pitchFamily="50" charset="-127"/>
+                <a:cs typeface="+mn-cs"/>
+              </a:rPr>
+              <a:pPr marL="0" marR="0" lvl="0" indent="0" algn="r" defTabSz="914400" rtl="0" eaLnBrk="1" fontAlgn="auto" latinLnBrk="1" hangingPunct="1">
+                <a:lnSpc>
+                  <a:spcPct val="100000"/>
+                </a:lnSpc>
+                <a:spcBef>
+                  <a:spcPts val="0"/>
+                </a:spcBef>
+                <a:spcAft>
+                  <a:spcPts val="0"/>
+                </a:spcAft>
+                <a:buClrTx/>
+                <a:buSzTx/>
+                <a:buFontTx/>
+                <a:buNone/>
+                <a:tabLst/>
+                <a:defRPr/>
+              </a:pPr>
+              <a:t>26</a:t>
             </a:fld>
             <a:endParaRPr kumimoji="0" lang="ko-KR" altLang="en-US" sz="1200" b="0" i="0" u="none" strike="noStrike" kern="1200" cap="none" spc="0" normalizeH="0" baseline="0" noProof="0">
               <a:ln>
@@ -860,15 +1069,49 @@
           <a:p>
             <a:r>
               <a:rPr lang="ko-KR" altLang="en-US" dirty="0"/>
-              <a:t>그런데 </a:t>
+              <a:t>그래서 자마린 폼스에서는 몇 가지 </a:t>
             </a:r>
             <a:r>
               <a:rPr lang="en-US" altLang="ko-KR" dirty="0"/>
-              <a:t>Xamarin Forms</a:t>
+              <a:t>Page </a:t>
             </a:r>
             <a:r>
               <a:rPr lang="ko-KR" altLang="en-US" dirty="0"/>
-              <a:t>가 혜성처럼 등장했습니다</a:t>
+              <a:t>타입들</a:t>
+            </a:r>
+            <a:r>
+              <a:rPr lang="en-US" altLang="ko-KR" dirty="0"/>
+              <a:t>, </a:t>
+            </a:r>
+            <a:r>
+              <a:rPr lang="ko-KR" altLang="en-US" dirty="0"/>
+              <a:t>레이아웃</a:t>
+            </a:r>
+            <a:r>
+              <a:rPr lang="en-US" altLang="ko-KR" dirty="0"/>
+              <a:t>, </a:t>
+            </a:r>
+            <a:r>
+              <a:rPr lang="ko-KR" altLang="en-US" dirty="0"/>
+              <a:t>컨트롤들을 제공합니다</a:t>
+            </a:r>
+            <a:r>
+              <a:rPr lang="en-US" altLang="ko-KR" dirty="0"/>
+              <a:t>.</a:t>
+            </a:r>
+          </a:p>
+          <a:p>
+            <a:r>
+              <a:rPr lang="ko-KR" altLang="en-US" dirty="0"/>
+              <a:t>자마린 폼스를 이용해서 작성하면 </a:t>
+            </a:r>
+            <a:r>
+              <a:rPr lang="en-US" altLang="ko-KR" dirty="0"/>
+              <a:t>UI </a:t>
+            </a:r>
+            <a:r>
+              <a:rPr lang="ko-KR" altLang="en-US" dirty="0"/>
+              <a:t>까지 한방에 개발할 수 있는것이죠</a:t>
             </a:r>
             <a:r>
               <a:rPr lang="en-US" altLang="ko-KR" dirty="0"/>
@@ -876,41 +1119,23 @@
             </a:r>
             <a:r>
               <a:rPr lang="ko-KR" altLang="en-US" dirty="0"/>
-              <a:t>더 대박이죠</a:t>
+              <a:t>말 그대로 </a:t>
             </a:r>
             <a:r>
               <a:rPr lang="en-US" altLang="ko-KR" dirty="0"/>
-              <a:t>! </a:t>
+              <a:t>Write Ones Runs </a:t>
             </a:r>
-          </a:p>
-          <a:p>
             <a:r>
-              <a:rPr lang="ko-KR" altLang="en-US" dirty="0"/>
-              <a:t>이걸 이용하면 아까 말했던 데이터 베이스 주고받는 부분</a:t>
+              <a:rPr lang="en-US" altLang="ko-KR" dirty="0" err="1"/>
+              <a:t>EveryWhere</a:t>
             </a:r>
             <a:r>
               <a:rPr lang="en-US" altLang="ko-KR" dirty="0"/>
-              <a:t>.. </a:t>
+              <a:t> </a:t>
             </a:r>
             <a:r>
               <a:rPr lang="ko-KR" altLang="en-US" dirty="0"/>
-              <a:t>흔히들 이런 부분을 </a:t>
-            </a:r>
-            <a:r>
-              <a:rPr lang="en-US" altLang="ko-KR" dirty="0"/>
-              <a:t>Business logic</a:t>
-            </a:r>
-            <a:r>
-              <a:rPr lang="ko-KR" altLang="en-US" dirty="0"/>
-              <a:t> 이라고 표현하는데 요런 부분 뿐만아니라 </a:t>
-            </a:r>
-            <a:r>
-              <a:rPr lang="en-US" altLang="ko-KR" dirty="0"/>
-              <a:t>UI</a:t>
-            </a:r>
-            <a:r>
-              <a:rPr lang="ko-KR" altLang="en-US" dirty="0"/>
-              <a:t>까지 한방에 작업할 수 있게 됩니다</a:t>
+              <a:t>가 되는 셈이죠</a:t>
             </a:r>
             <a:r>
               <a:rPr lang="en-US" altLang="ko-KR" dirty="0"/>
@@ -920,239 +1145,15 @@
           <a:p>
             <a:r>
               <a:rPr lang="ko-KR" altLang="en-US" dirty="0"/>
-              <a:t>공유할 수 있는 부분이 더욱 많아진 거죠</a:t>
-            </a:r>
-            <a:r>
-              <a:rPr lang="en-US" altLang="ko-KR" dirty="0"/>
-              <a:t>!! </a:t>
-            </a:r>
-          </a:p>
-          <a:p>
-            <a:r>
-              <a:rPr lang="ko-KR" altLang="en-US" dirty="0"/>
-              <a:t>정말 말그대로 한번만 작성해서 </a:t>
-            </a:r>
-            <a:r>
-              <a:rPr lang="en-US" altLang="ko-KR" dirty="0"/>
-              <a:t>3</a:t>
-            </a:r>
-            <a:r>
-              <a:rPr lang="ko-KR" altLang="en-US" dirty="0"/>
-              <a:t>가지 플랫폼을 지원할수가 있게 된거죠</a:t>
-            </a:r>
-            <a:r>
-              <a:rPr lang="en-US" altLang="ko-KR" dirty="0"/>
-              <a:t>. 2+1 </a:t>
-            </a:r>
-            <a:r>
-              <a:rPr lang="ko-KR" altLang="en-US" dirty="0"/>
-              <a:t>상품이라고나 할까요</a:t>
+              <a:t>가끔가다 자마린 소개 영상에서 보면 헬로우 월드나 같은 애플리케이션이 세 폰에서 다돌아가는 영상 데모 나오잖아요</a:t>
             </a:r>
             <a:r>
               <a:rPr lang="en-US" altLang="ko-KR" dirty="0"/>
               <a:t>? </a:t>
             </a:r>
-          </a:p>
-          <a:p>
-            <a:r>
-              <a:rPr lang="en-US" altLang="ko-KR" dirty="0"/>
-              <a:t>iOS, </a:t>
-            </a:r>
             <a:r>
               <a:rPr lang="ko-KR" altLang="en-US" dirty="0"/>
-              <a:t>안드로이드만 생각하고 개발했는데 내가 필사적으로 삭제버튼 누르지 않는 이상 윈도우도 개발어느순간 되어있는</a:t>
-            </a:r>
-            <a:r>
-              <a:rPr lang="en-US" altLang="ko-KR" dirty="0"/>
-              <a:t>?</a:t>
-            </a:r>
-          </a:p>
-          <a:p>
-            <a:r>
-              <a:rPr lang="ko-KR" altLang="en-US" dirty="0"/>
-              <a:t>참고로 윈도우라고 하면 실제로 자마린 폼즈  프로젝트 생성 하시고 확인해보면 </a:t>
-            </a:r>
-            <a:r>
-              <a:rPr lang="en-US" altLang="ko-KR" dirty="0"/>
-              <a:t>UWP</a:t>
-            </a:r>
-            <a:r>
-              <a:rPr lang="ko-KR" altLang="en-US" dirty="0"/>
-              <a:t>로 끝나는 프로젝트가 생성이 됩니다</a:t>
-            </a:r>
-            <a:r>
-              <a:rPr lang="en-US" altLang="ko-KR" dirty="0"/>
-              <a:t>. </a:t>
-            </a:r>
-            <a:r>
-              <a:rPr lang="ko-KR" altLang="en-US" dirty="0"/>
-              <a:t>이게 뭐냐면 </a:t>
-            </a:r>
-            <a:r>
-              <a:rPr lang="en-US" altLang="ko-KR" dirty="0" err="1"/>
-              <a:t>Universial</a:t>
-            </a:r>
-            <a:r>
-              <a:rPr lang="en-US" altLang="ko-KR" dirty="0"/>
-              <a:t> Windows Platform</a:t>
-            </a:r>
-            <a:r>
-              <a:rPr lang="ko-KR" altLang="en-US" dirty="0"/>
-              <a:t>이라고 쉽게 생각하면  </a:t>
-            </a:r>
-            <a:r>
-              <a:rPr lang="en-US" altLang="ko-KR" dirty="0"/>
-              <a:t>Windows 10 </a:t>
-            </a:r>
-            <a:r>
-              <a:rPr lang="ko-KR" altLang="en-US" dirty="0"/>
-              <a:t>이에요</a:t>
-            </a:r>
-            <a:r>
-              <a:rPr lang="en-US" altLang="ko-KR" dirty="0"/>
-              <a:t>. </a:t>
-            </a:r>
-            <a:r>
-              <a:rPr lang="ko-KR" altLang="en-US" dirty="0"/>
-              <a:t>전에는 윈도우 폰이랑 윈도우 </a:t>
-            </a:r>
-            <a:r>
-              <a:rPr lang="en-US" altLang="ko-KR" dirty="0"/>
-              <a:t>PC</a:t>
-            </a:r>
-            <a:r>
-              <a:rPr lang="ko-KR" altLang="en-US" dirty="0"/>
-              <a:t>용 애플리케이션 개발 따로 해줬어야 했는데 이제 이게 통합되가지고</a:t>
-            </a:r>
-            <a:r>
-              <a:rPr lang="en-US" altLang="ko-KR" dirty="0"/>
-              <a:t>, </a:t>
-            </a:r>
-            <a:r>
-              <a:rPr lang="ko-KR" altLang="en-US" dirty="0"/>
-              <a:t>스토어도 하나로 사용하고요</a:t>
-            </a:r>
-            <a:r>
-              <a:rPr lang="en-US" altLang="ko-KR" dirty="0"/>
-              <a:t>, </a:t>
-            </a:r>
-            <a:r>
-              <a:rPr lang="ko-KR" altLang="en-US" dirty="0"/>
-              <a:t>애플리케이션도 하나로 개발해요</a:t>
-            </a:r>
-            <a:r>
-              <a:rPr lang="en-US" altLang="ko-KR" dirty="0"/>
-              <a:t>. </a:t>
-            </a:r>
-            <a:r>
-              <a:rPr lang="ko-KR" altLang="en-US" dirty="0"/>
-              <a:t>그니까 윈도우 폰 뿐만아니라 윈도우 </a:t>
-            </a:r>
-            <a:r>
-              <a:rPr lang="en-US" altLang="ko-KR" dirty="0"/>
-              <a:t>10</a:t>
-            </a:r>
-            <a:r>
-              <a:rPr lang="ko-KR" altLang="en-US" dirty="0"/>
-              <a:t>이 깔린 모든 </a:t>
-            </a:r>
-            <a:r>
-              <a:rPr lang="en-US" altLang="ko-KR" dirty="0"/>
-              <a:t>PC</a:t>
-            </a:r>
-            <a:r>
-              <a:rPr lang="ko-KR" altLang="en-US" dirty="0"/>
-              <a:t>에서 사용할 수 있는 어플리캐이션인거죠 </a:t>
-            </a:r>
-            <a:endParaRPr lang="en-US" altLang="ko-KR" dirty="0"/>
-          </a:p>
-          <a:p>
-            <a:endParaRPr lang="en-US" altLang="ko-KR" dirty="0"/>
-          </a:p>
-          <a:p>
-            <a:r>
-              <a:rPr lang="ko-KR" altLang="en-US" dirty="0"/>
-              <a:t>자마린 폼즈로 개발하면 유리한 경우가</a:t>
-            </a:r>
-            <a:r>
-              <a:rPr lang="en-US" altLang="ko-KR" dirty="0"/>
-              <a:t>, </a:t>
-            </a:r>
-            <a:r>
-              <a:rPr lang="ko-KR" altLang="en-US" dirty="0"/>
-              <a:t>간단한 프로토 타입용 애플리케이션을 개발하고 싶을때 컨셉만 보여주고 싶을때 </a:t>
-            </a:r>
-            <a:r>
-              <a:rPr lang="en-US" altLang="ko-KR" dirty="0"/>
-              <a:t>UI </a:t>
-            </a:r>
-            <a:r>
-              <a:rPr lang="ko-KR" altLang="en-US" dirty="0"/>
-              <a:t>따로 다 안건드리고 폼즈로만 거의 개발해가지구 애플리케이션 개발하는 거죠 </a:t>
-            </a:r>
-            <a:endParaRPr lang="en-US" altLang="ko-KR" dirty="0"/>
-          </a:p>
-          <a:p>
-            <a:r>
-              <a:rPr lang="ko-KR" altLang="en-US" dirty="0"/>
-              <a:t>그럼 각자 따로 작업해줘야 하는 부분이 거의 없으니까 시간이 단축되겠죠</a:t>
-            </a:r>
-            <a:endParaRPr lang="en-US" altLang="ko-KR" dirty="0"/>
-          </a:p>
-          <a:p>
-            <a:endParaRPr lang="en-US" altLang="ko-KR" dirty="0"/>
-          </a:p>
-          <a:p>
-            <a:r>
-              <a:rPr lang="ko-KR" altLang="en-US" dirty="0"/>
-              <a:t>또 데이터 중심 비즈니스 로직 즉 </a:t>
-            </a:r>
-            <a:r>
-              <a:rPr lang="en-US" altLang="ko-KR" dirty="0"/>
-              <a:t>C# </a:t>
-            </a:r>
-            <a:r>
-              <a:rPr lang="ko-KR" altLang="en-US" dirty="0"/>
-              <a:t>백앤드 위주의 애플리케이션</a:t>
-            </a:r>
-            <a:r>
-              <a:rPr lang="en-US" altLang="ko-KR" dirty="0"/>
-              <a:t>.  UI </a:t>
-            </a:r>
-            <a:r>
-              <a:rPr lang="ko-KR" altLang="en-US" dirty="0"/>
-              <a:t>많이 신경쓸필요 없는 애플리케이션들 이요</a:t>
-            </a:r>
-            <a:endParaRPr lang="en-US" altLang="ko-KR" dirty="0"/>
-          </a:p>
-          <a:p>
-            <a:r>
-              <a:rPr lang="ko-KR" altLang="en-US" dirty="0"/>
-              <a:t>그렇다구 </a:t>
-            </a:r>
-            <a:r>
-              <a:rPr lang="en-US" altLang="ko-KR" dirty="0"/>
-              <a:t>UI</a:t>
-            </a:r>
-            <a:r>
-              <a:rPr lang="ko-KR" altLang="en-US" dirty="0"/>
-              <a:t>가 안예쁜게 아닙니다</a:t>
-            </a:r>
-            <a:r>
-              <a:rPr lang="en-US" altLang="ko-KR" dirty="0"/>
-              <a:t> </a:t>
-            </a:r>
-            <a:r>
-              <a:rPr lang="ko-KR" altLang="en-US" dirty="0"/>
-              <a:t>꽤 쓸만해요</a:t>
-            </a:r>
-            <a:r>
-              <a:rPr lang="en-US" altLang="ko-KR" dirty="0"/>
-              <a:t>!! </a:t>
-            </a:r>
-            <a:r>
-              <a:rPr lang="ko-KR" altLang="en-US" dirty="0"/>
-              <a:t>다음 장에서 보여드리겠습니다</a:t>
+              <a:t>그게 바로 자마린 폼스 입니다</a:t>
             </a:r>
             <a:r>
               <a:rPr lang="en-US" altLang="ko-KR" dirty="0"/>
@@ -1160,21 +1161,18 @@
             </a:r>
           </a:p>
           <a:p>
-            <a:endParaRPr lang="en-US" altLang="ko-KR" dirty="0"/>
-          </a:p>
-          <a:p>
-            <a:endParaRPr lang="en-US" altLang="ko-KR" dirty="0"/>
+            <a:endParaRPr lang="ko-KR" altLang="en-US" dirty="0"/>
           </a:p>
         </p:txBody>
       </p:sp>
       <p:sp>
         <p:nvSpPr>
-          <p:cNvPr id="4" name="Slide Number Placeholder 3"/>
+          <p:cNvPr id="4" name="Header Placeholder 3"/>
           <p:cNvSpPr>
             <a:spLocks noGrp="1"/>
           </p:cNvSpPr>
           <p:nvPr>
-            <p:ph type="sldNum" sz="quarter" idx="10"/>
+            <p:ph type="hdr" sz="quarter" idx="10"/>
           </p:nvPr>
         </p:nvSpPr>
         <p:spPr/>
@@ -1182,18 +1180,292 @@
           <a:bodyPr/>
           <a:lstStyle/>
           <a:p>
-            <a:fld id="{0DACA005-7098-44E7-9D9B-6670FD9D69A5}" type="slidenum">
-              <a:rPr lang="ko-KR" altLang="en-US" smtClean="0"/>
+            <a:pPr marL="0" marR="0" lvl="0" indent="0" algn="l" defTabSz="932742" rtl="0" eaLnBrk="1" fontAlgn="auto" latinLnBrk="0" hangingPunct="1">
+              <a:lnSpc>
+                <a:spcPct val="100000"/>
+              </a:lnSpc>
+              <a:spcBef>
+                <a:spcPts val="0"/>
+              </a:spcBef>
+              <a:spcAft>
+                <a:spcPts val="0"/>
+              </a:spcAft>
+              <a:buClrTx/>
+              <a:buSzTx/>
+              <a:buFontTx/>
+              <a:buNone/>
+              <a:tabLst/>
+              <a:defRPr/>
+            </a:pPr>
+            <a:endParaRPr kumimoji="0" lang="en-US" sz="1200" b="0" i="0" u="none" strike="noStrike" kern="1200" cap="none" spc="0" normalizeH="0" baseline="0" noProof="0" dirty="0">
+              <a:ln>
+                <a:noFill/>
+              </a:ln>
+              <a:solidFill>
+                <a:prstClr val="black"/>
+              </a:solidFill>
+              <a:effectLst/>
+              <a:uLnTx/>
+              <a:uFillTx/>
+              <a:latin typeface="Segoe UI" pitchFamily="34" charset="0"/>
+              <a:ea typeface="+mn-ea"/>
+              <a:cs typeface="+mn-cs"/>
+            </a:endParaRPr>
+          </a:p>
+        </p:txBody>
+      </p:sp>
+      <p:sp>
+        <p:nvSpPr>
+          <p:cNvPr id="5" name="Footer Placeholder 4"/>
+          <p:cNvSpPr>
+            <a:spLocks noGrp="1"/>
+          </p:cNvSpPr>
+          <p:nvPr>
+            <p:ph type="ftr" sz="quarter" idx="11"/>
+          </p:nvPr>
+        </p:nvSpPr>
+        <p:spPr/>
+        <p:txBody>
+          <a:bodyPr/>
+          <a:lstStyle/>
+          <a:p>
+            <a:pPr marL="571500" marR="0" lvl="0" indent="0" algn="l" defTabSz="914099" rtl="0" eaLnBrk="0" fontAlgn="auto" latinLnBrk="0" hangingPunct="0">
+              <a:lnSpc>
+                <a:spcPct val="100000"/>
+              </a:lnSpc>
+              <a:spcBef>
+                <a:spcPts val="0"/>
+              </a:spcBef>
+              <a:spcAft>
+                <a:spcPts val="0"/>
+              </a:spcAft>
+              <a:buClrTx/>
+              <a:buSzTx/>
+              <a:buFontTx/>
+              <a:buNone/>
+              <a:tabLst/>
+              <a:defRPr/>
+            </a:pPr>
+            <a:r>
+              <a:rPr kumimoji="0" lang="en-US" sz="400" b="0" i="0" u="none" strike="noStrike" kern="1200" cap="none" spc="0" normalizeH="0" baseline="0" noProof="0">
+                <a:ln>
+                  <a:noFill/>
+                </a:ln>
+                <a:gradFill>
+                  <a:gsLst>
+                    <a:gs pos="0">
+                      <a:prstClr val="black"/>
+                    </a:gs>
+                    <a:gs pos="100000">
+                      <a:prstClr val="black"/>
+                    </a:gs>
+                  </a:gsLst>
+                  <a:lin ang="5400000" scaled="0"/>
+                </a:gradFill>
+                <a:effectLst/>
+                <a:uLnTx/>
+                <a:uFillTx/>
+                <a:latin typeface="Segoe UI" pitchFamily="34" charset="0"/>
+                <a:ea typeface="Segoe UI" pitchFamily="34" charset="0"/>
+                <a:cs typeface="Segoe UI" pitchFamily="34" charset="0"/>
+              </a:rPr>
+              <a:t>© 2014 Microsoft Corporation. All rights reserved. MICROSOFT MAKES NO WARRANTIES, EXPRESS, IMPLIED OR STATUTORY, AS TO THE INFORMATION IN THIS PRESENTATION.</a:t>
+            </a:r>
+            <a:endParaRPr kumimoji="0" lang="en-US" sz="400" b="0" i="0" u="none" strike="noStrike" kern="1200" cap="none" spc="0" normalizeH="0" baseline="0" noProof="0" dirty="0">
+              <a:ln>
+                <a:noFill/>
+              </a:ln>
+              <a:gradFill>
+                <a:gsLst>
+                  <a:gs pos="0">
+                    <a:prstClr val="black"/>
+                  </a:gs>
+                  <a:gs pos="100000">
+                    <a:prstClr val="black"/>
+                  </a:gs>
+                </a:gsLst>
+                <a:lin ang="5400000" scaled="0"/>
+              </a:gradFill>
+              <a:effectLst/>
+              <a:uLnTx/>
+              <a:uFillTx/>
+              <a:latin typeface="Segoe UI" pitchFamily="34" charset="0"/>
+              <a:ea typeface="Segoe UI" pitchFamily="34" charset="0"/>
+              <a:cs typeface="Segoe UI" pitchFamily="34" charset="0"/>
+            </a:endParaRPr>
+          </a:p>
+        </p:txBody>
+      </p:sp>
+      <p:sp>
+        <p:nvSpPr>
+          <p:cNvPr id="6" name="Date Placeholder 5"/>
+          <p:cNvSpPr>
+            <a:spLocks noGrp="1"/>
+          </p:cNvSpPr>
+          <p:nvPr>
+            <p:ph type="dt" idx="12"/>
+          </p:nvPr>
+        </p:nvSpPr>
+        <p:spPr/>
+        <p:txBody>
+          <a:bodyPr/>
+          <a:lstStyle/>
+          <a:p>
+            <a:pPr marL="0" marR="0" lvl="0" indent="0" algn="r" defTabSz="932742" rtl="0" eaLnBrk="1" fontAlgn="auto" latinLnBrk="0" hangingPunct="1">
+              <a:lnSpc>
+                <a:spcPct val="100000"/>
+              </a:lnSpc>
+              <a:spcBef>
+                <a:spcPts val="0"/>
+              </a:spcBef>
+              <a:spcAft>
+                <a:spcPts val="0"/>
+              </a:spcAft>
+              <a:buClrTx/>
+              <a:buSzTx/>
+              <a:buFontTx/>
+              <a:buNone/>
+              <a:tabLst/>
+              <a:defRPr/>
+            </a:pPr>
+            <a:fld id="{38EEC551-8CDA-4EB6-89BB-2A86C9F091C8}" type="datetime8">
+              <a:rPr kumimoji="0" lang="en-US" sz="1200" b="0" i="0" u="none" strike="noStrike" kern="1200" cap="none" spc="0" normalizeH="0" baseline="0" noProof="0" smtClean="0">
+                <a:ln>
+                  <a:noFill/>
+                </a:ln>
+                <a:solidFill>
+                  <a:prstClr val="black"/>
+                </a:solidFill>
+                <a:effectLst/>
+                <a:uLnTx/>
+                <a:uFillTx/>
+                <a:latin typeface="Segoe UI" pitchFamily="34" charset="0"/>
+                <a:ea typeface="+mn-ea"/>
+                <a:cs typeface="+mn-cs"/>
+              </a:rPr>
+              <a:pPr marL="0" marR="0" lvl="0" indent="0" algn="r" defTabSz="932742" rtl="0" eaLnBrk="1" fontAlgn="auto" latinLnBrk="0" hangingPunct="1">
+                <a:lnSpc>
+                  <a:spcPct val="100000"/>
+                </a:lnSpc>
+                <a:spcBef>
+                  <a:spcPts val="0"/>
+                </a:spcBef>
+                <a:spcAft>
+                  <a:spcPts val="0"/>
+                </a:spcAft>
+                <a:buClrTx/>
+                <a:buSzTx/>
+                <a:buFontTx/>
+                <a:buNone/>
+                <a:tabLst/>
+                <a:defRPr/>
+              </a:pPr>
+              <a:t>3/26/2017 7:08 PM</a:t>
+            </a:fld>
+            <a:endParaRPr kumimoji="0" lang="en-US" sz="1200" b="0" i="0" u="none" strike="noStrike" kern="1200" cap="none" spc="0" normalizeH="0" baseline="0" noProof="0" dirty="0">
+              <a:ln>
+                <a:noFill/>
+              </a:ln>
+              <a:solidFill>
+                <a:prstClr val="black"/>
+              </a:solidFill>
+              <a:effectLst/>
+              <a:uLnTx/>
+              <a:uFillTx/>
+              <a:latin typeface="Segoe UI" pitchFamily="34" charset="0"/>
+              <a:ea typeface="+mn-ea"/>
+              <a:cs typeface="+mn-cs"/>
+            </a:endParaRPr>
+          </a:p>
+        </p:txBody>
+      </p:sp>
+      <p:sp>
+        <p:nvSpPr>
+          <p:cNvPr id="7" name="Slide Number Placeholder 6"/>
+          <p:cNvSpPr>
+            <a:spLocks noGrp="1"/>
+          </p:cNvSpPr>
+          <p:nvPr>
+            <p:ph type="sldNum" sz="quarter" idx="13"/>
+          </p:nvPr>
+        </p:nvSpPr>
+        <p:spPr/>
+        <p:txBody>
+          <a:bodyPr/>
+          <a:lstStyle/>
+          <a:p>
+            <a:pPr marL="0" marR="0" lvl="0" indent="0" algn="r" defTabSz="932742" rtl="0" eaLnBrk="1" fontAlgn="auto" latinLnBrk="0" hangingPunct="1">
+              <a:lnSpc>
+                <a:spcPct val="100000"/>
+              </a:lnSpc>
+              <a:spcBef>
+                <a:spcPts val="0"/>
+              </a:spcBef>
+              <a:spcAft>
+                <a:spcPts val="0"/>
+              </a:spcAft>
+              <a:buClrTx/>
+              <a:buSzTx/>
+              <a:buFontTx/>
+              <a:buNone/>
+              <a:tabLst/>
+              <a:defRPr/>
+            </a:pPr>
+            <a:fld id="{B4008EB6-D09E-4580-8CD6-DDB14511944F}" type="slidenum">
+              <a:rPr kumimoji="0" lang="en-US" sz="1200" b="0" i="0" u="none" strike="noStrike" kern="1200" cap="none" spc="0" normalizeH="0" baseline="0" noProof="0" smtClean="0">
+                <a:ln>
+                  <a:noFill/>
+                </a:ln>
+                <a:solidFill>
+                  <a:prstClr val="black"/>
+                </a:solidFill>
+                <a:effectLst/>
+                <a:uLnTx/>
+                <a:uFillTx/>
+                <a:latin typeface="Segoe UI" pitchFamily="34" charset="0"/>
+                <a:ea typeface="+mn-ea"/>
+                <a:cs typeface="+mn-cs"/>
+              </a:rPr>
+              <a:pPr marL="0" marR="0" lvl="0" indent="0" algn="r" defTabSz="932742" rtl="0" eaLnBrk="1" fontAlgn="auto" latinLnBrk="0" hangingPunct="1">
+                <a:lnSpc>
+                  <a:spcPct val="100000"/>
+                </a:lnSpc>
+                <a:spcBef>
+                  <a:spcPts val="0"/>
+                </a:spcBef>
+                <a:spcAft>
+                  <a:spcPts val="0"/>
+                </a:spcAft>
+                <a:buClrTx/>
+                <a:buSzTx/>
+                <a:buFontTx/>
+                <a:buNone/>
+                <a:tabLst/>
+                <a:defRPr/>
+              </a:pPr>
               <a:t>2</a:t>
             </a:fld>
-            <a:endParaRPr lang="ko-KR" altLang="en-US"/>
+            <a:endParaRPr kumimoji="0" lang="en-US" sz="1200" b="0" i="0" u="none" strike="noStrike" kern="1200" cap="none" spc="0" normalizeH="0" baseline="0" noProof="0" dirty="0">
+              <a:ln>
+                <a:noFill/>
+              </a:ln>
+              <a:solidFill>
+                <a:prstClr val="black"/>
+              </a:solidFill>
+              <a:effectLst/>
+              <a:uLnTx/>
+              <a:uFillTx/>
+              <a:latin typeface="Segoe UI" pitchFamily="34" charset="0"/>
+              <a:ea typeface="+mn-ea"/>
+              <a:cs typeface="+mn-cs"/>
+            </a:endParaRPr>
           </a:p>
         </p:txBody>
       </p:sp>
     </p:spTree>
     <p:extLst>
       <p:ext uri="{BB962C8B-B14F-4D97-AF65-F5344CB8AC3E}">
-        <p14:creationId xmlns:p14="http://schemas.microsoft.com/office/powerpoint/2010/main" val="3470830652"/>
+        <p14:creationId xmlns:p14="http://schemas.microsoft.com/office/powerpoint/2010/main" val="1065487646"/>
       </p:ext>
     </p:extLst>
   </p:cSld>
@@ -1415,33 +1687,186 @@
           <a:bodyPr/>
           <a:lstStyle/>
           <a:p>
+            <a:endParaRPr lang="ko-KR" altLang="en-US" dirty="0"/>
+          </a:p>
+        </p:txBody>
+      </p:sp>
+      <p:sp>
+        <p:nvSpPr>
+          <p:cNvPr id="4" name="Slide Number Placeholder 3"/>
+          <p:cNvSpPr>
+            <a:spLocks noGrp="1"/>
+          </p:cNvSpPr>
+          <p:nvPr>
+            <p:ph type="sldNum" sz="quarter" idx="10"/>
+          </p:nvPr>
+        </p:nvSpPr>
+        <p:spPr/>
+        <p:txBody>
+          <a:bodyPr/>
+          <a:lstStyle/>
+          <a:p>
+            <a:fld id="{25881C45-759B-44A5-8C84-441FD31AAD5E}" type="slidenum">
+              <a:rPr lang="ko-KR" altLang="en-US" smtClean="0"/>
+              <a:t>5</a:t>
+            </a:fld>
+            <a:endParaRPr lang="ko-KR" altLang="en-US"/>
+          </a:p>
+        </p:txBody>
+      </p:sp>
+    </p:spTree>
+    <p:extLst>
+      <p:ext uri="{BB962C8B-B14F-4D97-AF65-F5344CB8AC3E}">
+        <p14:creationId xmlns:p14="http://schemas.microsoft.com/office/powerpoint/2010/main" val="4148886068"/>
+      </p:ext>
+    </p:extLst>
+  </p:cSld>
+  <p:clrMapOvr>
+    <a:masterClrMapping/>
+  </p:clrMapOvr>
+</p:notes>
+</file>
+
+<file path=ppt/notesSlides/notesSlide6.xml><?xml version="1.0" encoding="utf-8"?>
+<p:notes xmlns:a="http://schemas.openxmlformats.org/drawingml/2006/main" xmlns:r="http://schemas.openxmlformats.org/officeDocument/2006/relationships" xmlns:p="http://schemas.openxmlformats.org/presentationml/2006/main">
+  <p:cSld>
+    <p:spTree>
+      <p:nvGrpSpPr>
+        <p:cNvPr id="1" name=""/>
+        <p:cNvGrpSpPr/>
+        <p:nvPr/>
+      </p:nvGrpSpPr>
+      <p:grpSpPr>
+        <a:xfrm>
+          <a:off x="0" y="0"/>
+          <a:ext cx="0" cy="0"/>
+          <a:chOff x="0" y="0"/>
+          <a:chExt cx="0" cy="0"/>
+        </a:xfrm>
+      </p:grpSpPr>
+      <p:sp>
+        <p:nvSpPr>
+          <p:cNvPr id="2" name="Slide Image Placeholder 1"/>
+          <p:cNvSpPr>
+            <a:spLocks noGrp="1" noRot="1" noChangeAspect="1"/>
+          </p:cNvSpPr>
+          <p:nvPr>
+            <p:ph type="sldImg"/>
+          </p:nvPr>
+        </p:nvSpPr>
+        <p:spPr/>
+      </p:sp>
+      <p:sp>
+        <p:nvSpPr>
+          <p:cNvPr id="3" name="Notes Placeholder 2"/>
+          <p:cNvSpPr>
+            <a:spLocks noGrp="1"/>
+          </p:cNvSpPr>
+          <p:nvPr>
+            <p:ph type="body" idx="1"/>
+          </p:nvPr>
+        </p:nvSpPr>
+        <p:spPr/>
+        <p:txBody>
+          <a:bodyPr/>
+          <a:lstStyle/>
+          <a:p>
+            <a:pPr marL="228600" indent="-228600">
+              <a:buAutoNum type="arabicPeriod"/>
+            </a:pPr>
             <a:r>
               <a:rPr lang="ko-KR" altLang="en-US" dirty="0"/>
-              <a:t>솔루션</a:t>
+              <a:t>솔루션 및 프로젝트 보여주기</a:t>
+            </a:r>
+            <a:endParaRPr lang="en-US" altLang="ko-KR" dirty="0"/>
+          </a:p>
+          <a:p>
+            <a:pPr marL="228600" indent="-228600">
+              <a:buAutoNum type="arabicPeriod"/>
+            </a:pPr>
+            <a:r>
+              <a:rPr lang="en-US" altLang="ko-KR" dirty="0"/>
+              <a:t>Dependency </a:t>
+            </a:r>
+            <a:r>
+              <a:rPr lang="ko-KR" altLang="en-US" dirty="0"/>
+              <a:t>확인시켜 주기</a:t>
+            </a:r>
+            <a:endParaRPr lang="en-US" altLang="ko-KR" dirty="0"/>
+          </a:p>
+          <a:p>
+            <a:pPr marL="228600" indent="-228600">
+              <a:buAutoNum type="arabicPeriod"/>
+            </a:pPr>
+            <a:r>
+              <a:rPr lang="en-US" altLang="ko-KR" dirty="0" err="1"/>
+              <a:t>App.cs</a:t>
             </a:r>
             <a:r>
               <a:rPr lang="en-US" altLang="ko-KR" dirty="0"/>
-              <a:t>, </a:t>
+              <a:t> </a:t>
             </a:r>
             <a:r>
               <a:rPr lang="ko-KR" altLang="en-US" dirty="0"/>
-              <a:t>윈도우 </a:t>
+              <a:t>파일 열어서 구경시켜주기 </a:t>
+            </a:r>
+            <a:endParaRPr lang="en-US" altLang="ko-KR" dirty="0"/>
+          </a:p>
+          <a:p>
+            <a:pPr marL="228600" indent="-228600">
+              <a:buAutoNum type="arabicPeriod"/>
+            </a:pPr>
+            <a:r>
+              <a:rPr lang="ko-KR" altLang="en-US" dirty="0"/>
+              <a:t>화면 하나 추가해가지고 다른 화면 참조하게 만들기 </a:t>
+            </a:r>
+            <a:endParaRPr lang="en-US" altLang="ko-KR" dirty="0"/>
+          </a:p>
+          <a:p>
+            <a:pPr marL="228600" indent="-228600">
+              <a:buAutoNum type="arabicPeriod"/>
+            </a:pPr>
+            <a:r>
+              <a:rPr lang="en-US" altLang="ko-KR" dirty="0" err="1"/>
+              <a:t>Nuget</a:t>
             </a:r>
             <a:r>
               <a:rPr lang="en-US" altLang="ko-KR" dirty="0"/>
-              <a:t>iOS, </a:t>
+              <a:t> </a:t>
             </a:r>
             <a:r>
               <a:rPr lang="ko-KR" altLang="en-US" dirty="0"/>
-              <a:t>안드로이드</a:t>
+              <a:t>패키지 관리자 확인시키기 </a:t>
             </a:r>
             <a:r>
               <a:rPr lang="en-US" altLang="ko-KR" dirty="0"/>
-              <a:t>, </a:t>
+              <a:t>/10</a:t>
             </a:r>
             <a:r>
               <a:rPr lang="ko-KR" altLang="en-US" dirty="0"/>
-              <a:t>누겟패키지 다 포함하여 보여주기</a:t>
+              <a:t>분 </a:t>
+            </a:r>
+            <a:r>
+              <a:rPr lang="en-US" altLang="ko-KR" dirty="0"/>
+              <a:t>30</a:t>
+            </a:r>
+            <a:r>
+              <a:rPr lang="ko-KR" altLang="en-US" dirty="0"/>
+              <a:t>초</a:t>
+            </a:r>
+            <a:endParaRPr lang="en-US" altLang="ko-KR" dirty="0"/>
+          </a:p>
+          <a:p>
+            <a:pPr marL="228600" indent="-228600">
+              <a:buAutoNum type="arabicPeriod"/>
+            </a:pPr>
+            <a:r>
+              <a:rPr lang="en-US" altLang="ko-KR" dirty="0"/>
+              <a:t>Application</a:t>
+            </a:r>
+            <a:r>
+              <a:rPr lang="ko-KR" altLang="en-US" dirty="0"/>
+              <a:t> 상태 로그 찍어보기</a:t>
             </a:r>
           </a:p>
         </p:txBody>
@@ -1510,7 +1935,7 @@
                 <a:tabLst/>
                 <a:defRPr/>
               </a:pPr>
-              <a:t>6</a:t>
+              <a:t>9</a:t>
             </a:fld>
             <a:endParaRPr kumimoji="0" lang="ko-KR" altLang="en-US" sz="1200" b="0" i="0" u="none" strike="noStrike" kern="1200" cap="none" spc="0" normalizeH="0" baseline="0" noProof="0">
               <a:ln>
@@ -1542,7 +1967,7 @@
 </p:notes>
 </file>
 
-<file path=ppt/notesSlides/notesSlide6.xml><?xml version="1.0" encoding="utf-8"?>
+<file path=ppt/notesSlides/notesSlide7.xml><?xml version="1.0" encoding="utf-8"?>
 <p:notes xmlns:a="http://schemas.openxmlformats.org/drawingml/2006/main" xmlns:r="http://schemas.openxmlformats.org/officeDocument/2006/relationships" xmlns:p="http://schemas.openxmlformats.org/presentationml/2006/main">
   <p:cSld>
     <p:spTree>
@@ -1586,34 +2011,10 @@
           <a:bodyPr/>
           <a:lstStyle/>
           <a:p>
-            <a:r>
-              <a:rPr lang="ko-KR" altLang="en-US" dirty="0"/>
-              <a:t>솔루션</a:t>
-            </a:r>
-            <a:r>
-              <a:rPr lang="en-US" altLang="ko-KR" dirty="0"/>
-              <a:t>, </a:t>
-            </a:r>
-            <a:r>
-              <a:rPr lang="ko-KR" altLang="en-US" dirty="0"/>
-              <a:t>윈도우 </a:t>
-            </a:r>
-            <a:r>
-              <a:rPr lang="en-US" altLang="ko-KR" dirty="0"/>
-              <a:t>iOS, </a:t>
-            </a:r>
-            <a:r>
-              <a:rPr lang="ko-KR" altLang="en-US" dirty="0"/>
-              <a:t>안드로이드</a:t>
-            </a:r>
-            <a:r>
-              <a:rPr lang="en-US" altLang="ko-KR" dirty="0"/>
-              <a:t>, </a:t>
-            </a:r>
-            <a:r>
-              <a:rPr lang="ko-KR" altLang="en-US" dirty="0"/>
-              <a:t>누겟패키지 다 포함하여 보여주기</a:t>
-            </a:r>
+            <a:pPr marL="228600" indent="-228600">
+              <a:buAutoNum type="arabicPeriod"/>
+            </a:pPr>
+            <a:endParaRPr lang="ko-KR" altLang="en-US" dirty="0"/>
           </a:p>
         </p:txBody>
       </p:sp>
@@ -1681,7 +2082,7 @@
                 <a:tabLst/>
                 <a:defRPr/>
               </a:pPr>
-              <a:t>13</a:t>
+              <a:t>10</a:t>
             </a:fld>
             <a:endParaRPr kumimoji="0" lang="ko-KR" altLang="en-US" sz="1200" b="0" i="0" u="none" strike="noStrike" kern="1200" cap="none" spc="0" normalizeH="0" baseline="0" noProof="0">
               <a:ln>
@@ -1703,7 +2104,7 @@
     </p:spTree>
     <p:extLst>
       <p:ext uri="{BB962C8B-B14F-4D97-AF65-F5344CB8AC3E}">
-        <p14:creationId xmlns:p14="http://schemas.microsoft.com/office/powerpoint/2010/main" val="71265524"/>
+        <p14:creationId xmlns:p14="http://schemas.microsoft.com/office/powerpoint/2010/main" val="1876973510"/>
       </p:ext>
     </p:extLst>
   </p:cSld>
@@ -1713,7 +2114,7 @@
 </p:notes>
 </file>
 
-<file path=ppt/notesSlides/notesSlide7.xml><?xml version="1.0" encoding="utf-8"?>
+<file path=ppt/notesSlides/notesSlide8.xml><?xml version="1.0" encoding="utf-8"?>
 <p:notes xmlns:a="http://schemas.openxmlformats.org/drawingml/2006/main" xmlns:r="http://schemas.openxmlformats.org/officeDocument/2006/relationships" xmlns:p="http://schemas.openxmlformats.org/presentationml/2006/main">
   <p:cSld>
     <p:spTree>
@@ -1801,7 +2202,7 @@
 </p:notes>
 </file>
 
-<file path=ppt/notesSlides/notesSlide8.xml><?xml version="1.0" encoding="utf-8"?>
+<file path=ppt/notesSlides/notesSlide9.xml><?xml version="1.0" encoding="utf-8"?>
 <p:notes xmlns:a="http://schemas.openxmlformats.org/drawingml/2006/main" xmlns:r="http://schemas.openxmlformats.org/officeDocument/2006/relationships" xmlns:p="http://schemas.openxmlformats.org/presentationml/2006/main">
   <p:cSld>
     <p:spTree>
@@ -1972,98 +2373,6 @@
 </p:notes>
 </file>
 
-<file path=ppt/notesSlides/notesSlide9.xml><?xml version="1.0" encoding="utf-8"?>
-<p:notes xmlns:a="http://schemas.openxmlformats.org/drawingml/2006/main" xmlns:r="http://schemas.openxmlformats.org/officeDocument/2006/relationships" xmlns:p="http://schemas.openxmlformats.org/presentationml/2006/main">
-  <p:cSld>
-    <p:spTree>
-      <p:nvGrpSpPr>
-        <p:cNvPr id="1" name=""/>
-        <p:cNvGrpSpPr/>
-        <p:nvPr/>
-      </p:nvGrpSpPr>
-      <p:grpSpPr>
-        <a:xfrm>
-          <a:off x="0" y="0"/>
-          <a:ext cx="0" cy="0"/>
-          <a:chOff x="0" y="0"/>
-          <a:chExt cx="0" cy="0"/>
-        </a:xfrm>
-      </p:grpSpPr>
-      <p:sp>
-        <p:nvSpPr>
-          <p:cNvPr id="2" name="Slide Image Placeholder 1"/>
-          <p:cNvSpPr>
-            <a:spLocks noGrp="1" noRot="1" noChangeAspect="1"/>
-          </p:cNvSpPr>
-          <p:nvPr>
-            <p:ph type="sldImg"/>
-          </p:nvPr>
-        </p:nvSpPr>
-        <p:spPr/>
-      </p:sp>
-      <p:sp>
-        <p:nvSpPr>
-          <p:cNvPr id="3" name="Notes Placeholder 2"/>
-          <p:cNvSpPr>
-            <a:spLocks noGrp="1"/>
-          </p:cNvSpPr>
-          <p:nvPr>
-            <p:ph type="body" idx="1"/>
-          </p:nvPr>
-        </p:nvSpPr>
-        <p:spPr/>
-        <p:txBody>
-          <a:bodyPr/>
-          <a:lstStyle/>
-          <a:p>
-            <a:r>
-              <a:rPr lang="en-US" altLang="ko-KR" dirty="0" err="1"/>
-              <a:t>Xam</a:t>
-            </a:r>
-            <a:r>
-              <a:rPr lang="en-US" altLang="ko-KR" dirty="0"/>
-              <a:t> 110, 300</a:t>
-            </a:r>
-            <a:endParaRPr lang="ko-KR" altLang="en-US" dirty="0"/>
-          </a:p>
-        </p:txBody>
-      </p:sp>
-      <p:sp>
-        <p:nvSpPr>
-          <p:cNvPr id="4" name="Slide Number Placeholder 3"/>
-          <p:cNvSpPr>
-            <a:spLocks noGrp="1"/>
-          </p:cNvSpPr>
-          <p:nvPr>
-            <p:ph type="sldNum" sz="quarter" idx="10"/>
-          </p:nvPr>
-        </p:nvSpPr>
-        <p:spPr/>
-        <p:txBody>
-          <a:bodyPr/>
-          <a:lstStyle/>
-          <a:p>
-            <a:fld id="{25881C45-759B-44A5-8C84-441FD31AAD5E}" type="slidenum">
-              <a:rPr lang="ko-KR" altLang="en-US" smtClean="0"/>
-              <a:t>23</a:t>
-            </a:fld>
-            <a:endParaRPr lang="ko-KR" altLang="en-US"/>
-          </a:p>
-        </p:txBody>
-      </p:sp>
-    </p:spTree>
-    <p:extLst>
-      <p:ext uri="{BB962C8B-B14F-4D97-AF65-F5344CB8AC3E}">
-        <p14:creationId xmlns:p14="http://schemas.microsoft.com/office/powerpoint/2010/main" val="1389566325"/>
-      </p:ext>
-    </p:extLst>
-  </p:cSld>
-  <p:clrMapOvr>
-    <a:masterClrMapping/>
-  </p:clrMapOvr>
-</p:notes>
-</file>
-
 <file path=ppt/slideLayouts/slideLayout1.xml><?xml version="1.0" encoding="utf-8"?>
 <p:sldLayout xmlns:a="http://schemas.openxmlformats.org/drawingml/2006/main" xmlns:r="http://schemas.openxmlformats.org/officeDocument/2006/relationships" xmlns:p="http://schemas.openxmlformats.org/presentationml/2006/main" type="title" preserve="1">
   <p:cSld name="Title Slide">
@@ -2213,7 +2522,7 @@
           <a:p>
             <a:fld id="{1654ACF3-E943-4A23-A21B-2BBF8F7FF799}" type="datetimeFigureOut">
               <a:rPr lang="ko-KR" altLang="en-US" smtClean="0"/>
-              <a:t>2017-03-25</a:t>
+              <a:t>2017-03-26</a:t>
             </a:fld>
             <a:endParaRPr lang="ko-KR" altLang="en-US"/>
           </a:p>
@@ -2413,7 +2722,7 @@
           <a:p>
             <a:fld id="{1654ACF3-E943-4A23-A21B-2BBF8F7FF799}" type="datetimeFigureOut">
               <a:rPr lang="ko-KR" altLang="en-US" smtClean="0"/>
-              <a:t>2017-03-25</a:t>
+              <a:t>2017-03-26</a:t>
             </a:fld>
             <a:endParaRPr lang="ko-KR" altLang="en-US"/>
           </a:p>
@@ -2623,7 +2932,7 @@
           <a:p>
             <a:fld id="{1654ACF3-E943-4A23-A21B-2BBF8F7FF799}" type="datetimeFigureOut">
               <a:rPr lang="ko-KR" altLang="en-US" smtClean="0"/>
-              <a:t>2017-03-25</a:t>
+              <a:t>2017-03-26</a:t>
             </a:fld>
             <a:endParaRPr lang="ko-KR" altLang="en-US"/>
           </a:p>
@@ -27084,7 +27393,7 @@
           <a:p>
             <a:fld id="{1654ACF3-E943-4A23-A21B-2BBF8F7FF799}" type="datetimeFigureOut">
               <a:rPr lang="ko-KR" altLang="en-US" smtClean="0"/>
-              <a:t>2017-03-25</a:t>
+              <a:t>2017-03-26</a:t>
             </a:fld>
             <a:endParaRPr lang="ko-KR" altLang="en-US"/>
           </a:p>
@@ -28718,7 +29027,7 @@
           <a:p>
             <a:fld id="{1654ACF3-E943-4A23-A21B-2BBF8F7FF799}" type="datetimeFigureOut">
               <a:rPr lang="ko-KR" altLang="en-US" smtClean="0"/>
-              <a:t>2017-03-25</a:t>
+              <a:t>2017-03-26</a:t>
             </a:fld>
             <a:endParaRPr lang="ko-KR" altLang="en-US"/>
           </a:p>
@@ -28986,7 +29295,7 @@
           <a:p>
             <a:fld id="{1654ACF3-E943-4A23-A21B-2BBF8F7FF799}" type="datetimeFigureOut">
               <a:rPr lang="ko-KR" altLang="en-US" smtClean="0"/>
-              <a:t>2017-03-25</a:t>
+              <a:t>2017-03-26</a:t>
             </a:fld>
             <a:endParaRPr lang="ko-KR" altLang="en-US"/>
           </a:p>
@@ -29401,7 +29710,7 @@
           <a:p>
             <a:fld id="{1654ACF3-E943-4A23-A21B-2BBF8F7FF799}" type="datetimeFigureOut">
               <a:rPr lang="ko-KR" altLang="en-US" smtClean="0"/>
-              <a:t>2017-03-25</a:t>
+              <a:t>2017-03-26</a:t>
             </a:fld>
             <a:endParaRPr lang="ko-KR" altLang="en-US"/>
           </a:p>
@@ -29543,7 +29852,7 @@
           <a:p>
             <a:fld id="{1654ACF3-E943-4A23-A21B-2BBF8F7FF799}" type="datetimeFigureOut">
               <a:rPr lang="ko-KR" altLang="en-US" smtClean="0"/>
-              <a:t>2017-03-25</a:t>
+              <a:t>2017-03-26</a:t>
             </a:fld>
             <a:endParaRPr lang="ko-KR" altLang="en-US"/>
           </a:p>
@@ -29656,7 +29965,7 @@
           <a:p>
             <a:fld id="{1654ACF3-E943-4A23-A21B-2BBF8F7FF799}" type="datetimeFigureOut">
               <a:rPr lang="ko-KR" altLang="en-US" smtClean="0"/>
-              <a:t>2017-03-25</a:t>
+              <a:t>2017-03-26</a:t>
             </a:fld>
             <a:endParaRPr lang="ko-KR" altLang="en-US"/>
           </a:p>
@@ -29969,7 +30278,7 @@
           <a:p>
             <a:fld id="{1654ACF3-E943-4A23-A21B-2BBF8F7FF799}" type="datetimeFigureOut">
               <a:rPr lang="ko-KR" altLang="en-US" smtClean="0"/>
-              <a:t>2017-03-25</a:t>
+              <a:t>2017-03-26</a:t>
             </a:fld>
             <a:endParaRPr lang="ko-KR" altLang="en-US"/>
           </a:p>
@@ -30258,7 +30567,7 @@
           <a:p>
             <a:fld id="{1654ACF3-E943-4A23-A21B-2BBF8F7FF799}" type="datetimeFigureOut">
               <a:rPr lang="ko-KR" altLang="en-US" smtClean="0"/>
-              <a:t>2017-03-25</a:t>
+              <a:t>2017-03-26</a:t>
             </a:fld>
             <a:endParaRPr lang="ko-KR" altLang="en-US"/>
           </a:p>
@@ -30501,7 +30810,7 @@
           <a:p>
             <a:fld id="{1654ACF3-E943-4A23-A21B-2BBF8F7FF799}" type="datetimeFigureOut">
               <a:rPr lang="ko-KR" altLang="en-US" smtClean="0"/>
-              <a:t>2017-03-25</a:t>
+              <a:t>2017-03-26</a:t>
             </a:fld>
             <a:endParaRPr lang="ko-KR" altLang="en-US"/>
           </a:p>
@@ -31595,7 +31904,12 @@
             <p:ph type="title"/>
           </p:nvPr>
         </p:nvSpPr>
-        <p:spPr/>
+        <p:spPr>
+          <a:xfrm>
+            <a:off x="269302" y="2084187"/>
+            <a:ext cx="10845486" cy="1793090"/>
+          </a:xfrm>
+        </p:spPr>
         <p:txBody>
           <a:bodyPr/>
           <a:lstStyle/>
@@ -31605,7 +31919,7 @@
                 <a:latin typeface="청소년서체" panose="02020603020101020101" pitchFamily="18" charset="-127"/>
                 <a:ea typeface="청소년서체" panose="02020603020101020101" pitchFamily="18" charset="-127"/>
               </a:rPr>
-              <a:t>XAM 120 – </a:t>
+              <a:t>[XAM 120] </a:t>
             </a:r>
             <a:r>
               <a:rPr lang="en-US" altLang="ko-KR" dirty="0" err="1">
@@ -31614,10 +31928,20 @@
               </a:rPr>
               <a:t>Xamarin.Forms</a:t>
             </a:r>
-            <a:endParaRPr lang="ko-KR" altLang="en-US" dirty="0">
-              <a:latin typeface="청소년서체" panose="02020603020101020101" pitchFamily="18" charset="-127"/>
-              <a:ea typeface="청소년서체" panose="02020603020101020101" pitchFamily="18" charset="-127"/>
-            </a:endParaRPr>
+            <a:r>
+              <a:rPr lang="en-US" altLang="ko-KR" dirty="0">
+                <a:latin typeface="청소년서체" panose="02020603020101020101" pitchFamily="18" charset="-127"/>
+                <a:ea typeface="청소년서체" panose="02020603020101020101" pitchFamily="18" charset="-127"/>
+              </a:rPr>
+              <a:t> </a:t>
+            </a:r>
+            <a:r>
+              <a:rPr lang="ko-KR" altLang="en-US" dirty="0">
+                <a:latin typeface="청소년서체" panose="02020603020101020101" pitchFamily="18" charset="-127"/>
+                <a:ea typeface="청소년서체" panose="02020603020101020101" pitchFamily="18" charset="-127"/>
+              </a:rPr>
+              <a:t>소개</a:t>
+            </a:r>
           </a:p>
         </p:txBody>
       </p:sp>
@@ -31710,6 +32034,177 @@
 </file>
 
 <file path=ppt/slides/slide10.xml><?xml version="1.0" encoding="utf-8"?>
+<p:sld xmlns:a="http://schemas.openxmlformats.org/drawingml/2006/main" xmlns:r="http://schemas.openxmlformats.org/officeDocument/2006/relationships" xmlns:p="http://schemas.openxmlformats.org/presentationml/2006/main">
+  <p:cSld>
+    <p:bg>
+      <p:bgPr>
+        <a:solidFill>
+          <a:srgbClr val="349FE7"/>
+        </a:solidFill>
+        <a:effectLst/>
+      </p:bgPr>
+    </p:bg>
+    <p:spTree>
+      <p:nvGrpSpPr>
+        <p:cNvPr id="1" name=""/>
+        <p:cNvGrpSpPr/>
+        <p:nvPr/>
+      </p:nvGrpSpPr>
+      <p:grpSpPr>
+        <a:xfrm>
+          <a:off x="0" y="0"/>
+          <a:ext cx="0" cy="0"/>
+          <a:chOff x="0" y="0"/>
+          <a:chExt cx="0" cy="0"/>
+        </a:xfrm>
+      </p:grpSpPr>
+      <p:sp>
+        <p:nvSpPr>
+          <p:cNvPr id="3" name="Title 2">
+            <a:extLst>
+              <a:ext uri="{FF2B5EF4-FFF2-40B4-BE49-F238E27FC236}">
+                <a16:creationId xmlns:a16="http://schemas.microsoft.com/office/drawing/2014/main" id="{E039260B-0DF6-4325-9D90-32DF1F8419A2}"/>
+              </a:ext>
+            </a:extLst>
+          </p:cNvPr>
+          <p:cNvSpPr>
+            <a:spLocks noGrp="1"/>
+          </p:cNvSpPr>
+          <p:nvPr>
+            <p:ph type="title"/>
+          </p:nvPr>
+        </p:nvSpPr>
+        <p:spPr/>
+        <p:txBody>
+          <a:bodyPr/>
+          <a:lstStyle/>
+          <a:p>
+            <a:r>
+              <a:rPr lang="ko-KR" altLang="en-US" dirty="0">
+                <a:solidFill>
+                  <a:schemeClr val="bg1"/>
+                </a:solidFill>
+              </a:rPr>
+              <a:t>실습</a:t>
+            </a:r>
+            <a:r>
+              <a:rPr lang="en-US" altLang="ko-KR" dirty="0">
+                <a:solidFill>
+                  <a:schemeClr val="bg1"/>
+                </a:solidFill>
+              </a:rPr>
+              <a:t> 120 – Lab1</a:t>
+            </a:r>
+            <a:endParaRPr lang="ko-KR" altLang="en-US" dirty="0">
+              <a:solidFill>
+                <a:schemeClr val="bg1"/>
+              </a:solidFill>
+            </a:endParaRPr>
+          </a:p>
+        </p:txBody>
+      </p:sp>
+      <p:sp>
+        <p:nvSpPr>
+          <p:cNvPr id="6" name="Text Placeholder 5">
+            <a:extLst>
+              <a:ext uri="{FF2B5EF4-FFF2-40B4-BE49-F238E27FC236}">
+                <a16:creationId xmlns:a16="http://schemas.microsoft.com/office/drawing/2014/main" id="{4538CE48-6EED-4A89-8809-CE48D975C22B}"/>
+              </a:ext>
+            </a:extLst>
+          </p:cNvPr>
+          <p:cNvSpPr>
+            <a:spLocks noGrp="1"/>
+          </p:cNvSpPr>
+          <p:nvPr>
+            <p:ph type="body" idx="1"/>
+          </p:nvPr>
+        </p:nvSpPr>
+        <p:spPr/>
+        <p:txBody>
+          <a:bodyPr/>
+          <a:lstStyle/>
+          <a:p>
+            <a:r>
+              <a:rPr lang="en-US" altLang="ko-KR" dirty="0">
+                <a:solidFill>
+                  <a:schemeClr val="bg1"/>
+                </a:solidFill>
+              </a:rPr>
+              <a:t>Alert </a:t>
+            </a:r>
+            <a:r>
+              <a:rPr lang="ko-KR" altLang="en-US" dirty="0">
+                <a:solidFill>
+                  <a:schemeClr val="bg1"/>
+                </a:solidFill>
+              </a:rPr>
+              <a:t>플랫폼 별로 실행해보기</a:t>
+            </a:r>
+            <a:r>
+              <a:rPr lang="en-US" altLang="ko-KR" dirty="0">
+                <a:solidFill>
+                  <a:schemeClr val="bg1"/>
+                </a:solidFill>
+              </a:rPr>
+              <a:t> (</a:t>
+            </a:r>
+            <a:r>
+              <a:rPr lang="ko-KR" altLang="en-US" dirty="0">
+                <a:solidFill>
+                  <a:schemeClr val="bg1"/>
+                </a:solidFill>
+              </a:rPr>
+              <a:t>가능하면</a:t>
+            </a:r>
+            <a:r>
+              <a:rPr lang="en-US" altLang="ko-KR" dirty="0">
+                <a:solidFill>
+                  <a:schemeClr val="bg1"/>
+                </a:solidFill>
+              </a:rPr>
+              <a:t> 2</a:t>
+            </a:r>
+            <a:r>
+              <a:rPr lang="ko-KR" altLang="en-US" dirty="0">
+                <a:solidFill>
+                  <a:schemeClr val="bg1"/>
+                </a:solidFill>
+              </a:rPr>
+              <a:t>개 이상</a:t>
+            </a:r>
+            <a:r>
+              <a:rPr lang="en-US" altLang="ko-KR" dirty="0">
+                <a:solidFill>
+                  <a:schemeClr val="bg1"/>
+                </a:solidFill>
+              </a:rPr>
+              <a:t>)</a:t>
+            </a:r>
+            <a:r>
+              <a:rPr lang="ko-KR" altLang="en-US" dirty="0">
+                <a:solidFill>
+                  <a:schemeClr val="bg1"/>
+                </a:solidFill>
+              </a:rPr>
+              <a:t> </a:t>
+            </a:r>
+          </a:p>
+        </p:txBody>
+      </p:sp>
+    </p:spTree>
+    <p:extLst>
+      <p:ext uri="{BB962C8B-B14F-4D97-AF65-F5344CB8AC3E}">
+        <p14:creationId xmlns:p14="http://schemas.microsoft.com/office/powerpoint/2010/main" val="4240643883"/>
+      </p:ext>
+    </p:extLst>
+  </p:cSld>
+  <p:clrMapOvr>
+    <a:masterClrMapping/>
+  </p:clrMapOvr>
+</p:sld>
+</file>
+
+<file path=ppt/slides/slide11.xml><?xml version="1.0" encoding="utf-8"?>
 <p:sld xmlns:a="http://schemas.openxmlformats.org/drawingml/2006/main" xmlns:r="http://schemas.openxmlformats.org/officeDocument/2006/relationships" xmlns:p="http://schemas.openxmlformats.org/presentationml/2006/main">
   <p:cSld>
     <p:spTree>
@@ -31951,7 +32446,7 @@
 </p:sld>
 </file>
 
-<file path=ppt/slides/slide11.xml><?xml version="1.0" encoding="utf-8"?>
+<file path=ppt/slides/slide12.xml><?xml version="1.0" encoding="utf-8"?>
 <p:sld xmlns:a="http://schemas.openxmlformats.org/drawingml/2006/main" xmlns:r="http://schemas.openxmlformats.org/officeDocument/2006/relationships" xmlns:p="http://schemas.openxmlformats.org/presentationml/2006/main">
   <p:cSld>
     <p:spTree>
@@ -32097,7 +32592,7 @@
 </p:sld>
 </file>
 
-<file path=ppt/slides/slide12.xml><?xml version="1.0" encoding="utf-8"?>
+<file path=ppt/slides/slide13.xml><?xml version="1.0" encoding="utf-8"?>
 <p:sld xmlns:a="http://schemas.openxmlformats.org/drawingml/2006/main" xmlns:r="http://schemas.openxmlformats.org/officeDocument/2006/relationships" xmlns:p="http://schemas.openxmlformats.org/presentationml/2006/main">
   <p:cSld>
     <p:spTree>
@@ -32253,129 +32748,6 @@
     <p:extLst>
       <p:ext uri="{BB962C8B-B14F-4D97-AF65-F5344CB8AC3E}">
         <p14:creationId xmlns:p14="http://schemas.microsoft.com/office/powerpoint/2010/main" val="823945653"/>
-      </p:ext>
-    </p:extLst>
-  </p:cSld>
-  <p:clrMapOvr>
-    <a:masterClrMapping/>
-  </p:clrMapOvr>
-</p:sld>
-</file>
-
-<file path=ppt/slides/slide13.xml><?xml version="1.0" encoding="utf-8"?>
-<p:sld xmlns:a="http://schemas.openxmlformats.org/drawingml/2006/main" xmlns:r="http://schemas.openxmlformats.org/officeDocument/2006/relationships" xmlns:p="http://schemas.openxmlformats.org/presentationml/2006/main">
-  <p:cSld>
-    <p:bg>
-      <p:bgPr>
-        <a:solidFill>
-          <a:srgbClr val="349FE7"/>
-        </a:solidFill>
-        <a:effectLst/>
-      </p:bgPr>
-    </p:bg>
-    <p:spTree>
-      <p:nvGrpSpPr>
-        <p:cNvPr id="1" name=""/>
-        <p:cNvGrpSpPr/>
-        <p:nvPr/>
-      </p:nvGrpSpPr>
-      <p:grpSpPr>
-        <a:xfrm>
-          <a:off x="0" y="0"/>
-          <a:ext cx="0" cy="0"/>
-          <a:chOff x="0" y="0"/>
-          <a:chExt cx="0" cy="0"/>
-        </a:xfrm>
-      </p:grpSpPr>
-      <p:sp>
-        <p:nvSpPr>
-          <p:cNvPr id="3" name="Title 2">
-            <a:extLst>
-              <a:ext uri="{FF2B5EF4-FFF2-40B4-BE49-F238E27FC236}">
-                <a16:creationId xmlns:a16="http://schemas.microsoft.com/office/drawing/2014/main" id="{E039260B-0DF6-4325-9D90-32DF1F8419A2}"/>
-              </a:ext>
-            </a:extLst>
-          </p:cNvPr>
-          <p:cNvSpPr>
-            <a:spLocks noGrp="1"/>
-          </p:cNvSpPr>
-          <p:nvPr>
-            <p:ph type="title"/>
-          </p:nvPr>
-        </p:nvSpPr>
-        <p:spPr/>
-        <p:txBody>
-          <a:bodyPr/>
-          <a:lstStyle/>
-          <a:p>
-            <a:r>
-              <a:rPr lang="en-US" altLang="ko-KR" dirty="0">
-                <a:solidFill>
-                  <a:schemeClr val="bg1"/>
-                </a:solidFill>
-              </a:rPr>
-              <a:t>Demo #4</a:t>
-            </a:r>
-            <a:endParaRPr lang="ko-KR" altLang="en-US" dirty="0">
-              <a:solidFill>
-                <a:schemeClr val="bg1"/>
-              </a:solidFill>
-            </a:endParaRPr>
-          </a:p>
-        </p:txBody>
-      </p:sp>
-      <p:sp>
-        <p:nvSpPr>
-          <p:cNvPr id="6" name="Text Placeholder 5">
-            <a:extLst>
-              <a:ext uri="{FF2B5EF4-FFF2-40B4-BE49-F238E27FC236}">
-                <a16:creationId xmlns:a16="http://schemas.microsoft.com/office/drawing/2014/main" id="{4538CE48-6EED-4A89-8809-CE48D975C22B}"/>
-              </a:ext>
-            </a:extLst>
-          </p:cNvPr>
-          <p:cNvSpPr>
-            <a:spLocks noGrp="1"/>
-          </p:cNvSpPr>
-          <p:nvPr>
-            <p:ph type="body" idx="1"/>
-          </p:nvPr>
-        </p:nvSpPr>
-        <p:spPr/>
-        <p:txBody>
-          <a:bodyPr/>
-          <a:lstStyle/>
-          <a:p>
-            <a:r>
-              <a:rPr lang="en-US" altLang="ko-KR" dirty="0" err="1">
-                <a:solidFill>
-                  <a:schemeClr val="bg1"/>
-                </a:solidFill>
-              </a:rPr>
-              <a:t>Xamarin.Forms</a:t>
-            </a:r>
-            <a:r>
-              <a:rPr lang="en-US" altLang="ko-KR" dirty="0">
-                <a:solidFill>
-                  <a:schemeClr val="bg1"/>
-                </a:solidFill>
-              </a:rPr>
-              <a:t> </a:t>
-            </a:r>
-            <a:r>
-              <a:rPr lang="ko-KR" altLang="en-US" dirty="0">
-                <a:solidFill>
-                  <a:schemeClr val="bg1"/>
-                </a:solidFill>
-              </a:rPr>
-              <a:t>구성요소 살펴보기</a:t>
-            </a:r>
-          </a:p>
-        </p:txBody>
-      </p:sp>
-    </p:spTree>
-    <p:extLst>
-      <p:ext uri="{BB962C8B-B14F-4D97-AF65-F5344CB8AC3E}">
-        <p14:creationId xmlns:p14="http://schemas.microsoft.com/office/powerpoint/2010/main" val="2956419876"/>
       </p:ext>
     </p:extLst>
   </p:cSld>
@@ -32967,7 +33339,7 @@
                   <a:schemeClr val="bg1"/>
                 </a:solidFill>
               </a:rPr>
-              <a:t>Demo #5</a:t>
+              <a:t>Demo #4</a:t>
             </a:r>
             <a:endParaRPr lang="ko-KR" altLang="en-US" dirty="0">
               <a:solidFill>
@@ -33044,6 +33416,137 @@
 </file>
 
 <file path=ppt/slides/slide18.xml><?xml version="1.0" encoding="utf-8"?>
+<p:sld xmlns:a="http://schemas.openxmlformats.org/drawingml/2006/main" xmlns:r="http://schemas.openxmlformats.org/officeDocument/2006/relationships" xmlns:p="http://schemas.openxmlformats.org/presentationml/2006/main">
+  <p:cSld>
+    <p:bg>
+      <p:bgPr>
+        <a:solidFill>
+          <a:srgbClr val="349FE7"/>
+        </a:solidFill>
+        <a:effectLst/>
+      </p:bgPr>
+    </p:bg>
+    <p:spTree>
+      <p:nvGrpSpPr>
+        <p:cNvPr id="1" name=""/>
+        <p:cNvGrpSpPr/>
+        <p:nvPr/>
+      </p:nvGrpSpPr>
+      <p:grpSpPr>
+        <a:xfrm>
+          <a:off x="0" y="0"/>
+          <a:ext cx="0" cy="0"/>
+          <a:chOff x="0" y="0"/>
+          <a:chExt cx="0" cy="0"/>
+        </a:xfrm>
+      </p:grpSpPr>
+      <p:sp>
+        <p:nvSpPr>
+          <p:cNvPr id="3" name="Title 2">
+            <a:extLst>
+              <a:ext uri="{FF2B5EF4-FFF2-40B4-BE49-F238E27FC236}">
+                <a16:creationId xmlns:a16="http://schemas.microsoft.com/office/drawing/2014/main" id="{E039260B-0DF6-4325-9D90-32DF1F8419A2}"/>
+              </a:ext>
+            </a:extLst>
+          </p:cNvPr>
+          <p:cNvSpPr>
+            <a:spLocks noGrp="1"/>
+          </p:cNvSpPr>
+          <p:nvPr>
+            <p:ph type="title"/>
+          </p:nvPr>
+        </p:nvSpPr>
+        <p:spPr/>
+        <p:txBody>
+          <a:bodyPr/>
+          <a:lstStyle/>
+          <a:p>
+            <a:r>
+              <a:rPr lang="ko-KR" altLang="en-US" dirty="0">
+                <a:solidFill>
+                  <a:schemeClr val="bg1"/>
+                </a:solidFill>
+              </a:rPr>
+              <a:t>실습</a:t>
+            </a:r>
+            <a:r>
+              <a:rPr lang="en-US" altLang="ko-KR" dirty="0">
+                <a:solidFill>
+                  <a:schemeClr val="bg1"/>
+                </a:solidFill>
+              </a:rPr>
+              <a:t> 120 – Lab2</a:t>
+            </a:r>
+            <a:endParaRPr lang="ko-KR" altLang="en-US" dirty="0">
+              <a:solidFill>
+                <a:schemeClr val="bg1"/>
+              </a:solidFill>
+            </a:endParaRPr>
+          </a:p>
+        </p:txBody>
+      </p:sp>
+      <p:sp>
+        <p:nvSpPr>
+          <p:cNvPr id="6" name="Text Placeholder 5">
+            <a:extLst>
+              <a:ext uri="{FF2B5EF4-FFF2-40B4-BE49-F238E27FC236}">
+                <a16:creationId xmlns:a16="http://schemas.microsoft.com/office/drawing/2014/main" id="{4538CE48-6EED-4A89-8809-CE48D975C22B}"/>
+              </a:ext>
+            </a:extLst>
+          </p:cNvPr>
+          <p:cNvSpPr>
+            <a:spLocks noGrp="1"/>
+          </p:cNvSpPr>
+          <p:nvPr>
+            <p:ph type="body" idx="1"/>
+          </p:nvPr>
+        </p:nvSpPr>
+        <p:spPr/>
+        <p:txBody>
+          <a:bodyPr/>
+          <a:lstStyle/>
+          <a:p>
+            <a:r>
+              <a:rPr lang="ko-KR" altLang="en-US" dirty="0">
+                <a:solidFill>
+                  <a:schemeClr val="bg1"/>
+                </a:solidFill>
+              </a:rPr>
+              <a:t>전화걸기 </a:t>
+            </a:r>
+            <a:r>
+              <a:rPr lang="en-US" altLang="ko-KR" dirty="0">
+                <a:solidFill>
+                  <a:schemeClr val="bg1"/>
+                </a:solidFill>
+              </a:rPr>
+              <a:t>UI </a:t>
+            </a:r>
+            <a:r>
+              <a:rPr lang="ko-KR" altLang="en-US" dirty="0">
+                <a:solidFill>
+                  <a:schemeClr val="bg1"/>
+                </a:solidFill>
+              </a:rPr>
+              <a:t>만들기</a:t>
+            </a:r>
+          </a:p>
+        </p:txBody>
+      </p:sp>
+    </p:spTree>
+    <p:extLst>
+      <p:ext uri="{BB962C8B-B14F-4D97-AF65-F5344CB8AC3E}">
+        <p14:creationId xmlns:p14="http://schemas.microsoft.com/office/powerpoint/2010/main" val="1370872124"/>
+      </p:ext>
+    </p:extLst>
+  </p:cSld>
+  <p:clrMapOvr>
+    <a:masterClrMapping/>
+  </p:clrMapOvr>
+</p:sld>
+</file>
+
+<file path=ppt/slides/slide19.xml><?xml version="1.0" encoding="utf-8"?>
 <p:sld xmlns:a="http://schemas.openxmlformats.org/drawingml/2006/main" xmlns:r="http://schemas.openxmlformats.org/officeDocument/2006/relationships" xmlns:p="http://schemas.openxmlformats.org/presentationml/2006/main">
   <p:cSld>
     <p:spTree>
@@ -33167,66 +33670,6 @@
 </p:sld>
 </file>
 
-<file path=ppt/slides/slide19.xml><?xml version="1.0" encoding="utf-8"?>
-<p:sld xmlns:a="http://schemas.openxmlformats.org/drawingml/2006/main" xmlns:r="http://schemas.openxmlformats.org/officeDocument/2006/relationships" xmlns:p="http://schemas.openxmlformats.org/presentationml/2006/main">
-  <p:cSld>
-    <p:spTree>
-      <p:nvGrpSpPr>
-        <p:cNvPr id="1" name=""/>
-        <p:cNvGrpSpPr/>
-        <p:nvPr/>
-      </p:nvGrpSpPr>
-      <p:grpSpPr>
-        <a:xfrm>
-          <a:off x="0" y="0"/>
-          <a:ext cx="0" cy="0"/>
-          <a:chOff x="0" y="0"/>
-          <a:chExt cx="0" cy="0"/>
-        </a:xfrm>
-      </p:grpSpPr>
-      <p:pic>
-        <p:nvPicPr>
-          <p:cNvPr id="2" name="Picture 1">
-            <a:extLst>
-              <a:ext uri="{FF2B5EF4-FFF2-40B4-BE49-F238E27FC236}">
-                <a16:creationId xmlns:a16="http://schemas.microsoft.com/office/drawing/2014/main" id="{EC868583-15DB-426B-AF6A-E662D34AF74F}"/>
-              </a:ext>
-            </a:extLst>
-          </p:cNvPr>
-          <p:cNvPicPr>
-            <a:picLocks noChangeAspect="1"/>
-          </p:cNvPicPr>
-          <p:nvPr/>
-        </p:nvPicPr>
-        <p:blipFill>
-          <a:blip r:embed="rId2"/>
-          <a:stretch>
-            <a:fillRect/>
-          </a:stretch>
-        </p:blipFill>
-        <p:spPr>
-          <a:xfrm>
-            <a:off x="0" y="170793"/>
-            <a:ext cx="12192000" cy="6516414"/>
-          </a:xfrm>
-          <a:prstGeom prst="rect">
-            <a:avLst/>
-          </a:prstGeom>
-        </p:spPr>
-      </p:pic>
-    </p:spTree>
-    <p:extLst>
-      <p:ext uri="{BB962C8B-B14F-4D97-AF65-F5344CB8AC3E}">
-        <p14:creationId xmlns:p14="http://schemas.microsoft.com/office/powerpoint/2010/main" val="1712116411"/>
-      </p:ext>
-    </p:extLst>
-  </p:cSld>
-  <p:clrMapOvr>
-    <a:masterClrMapping/>
-  </p:clrMapOvr>
-</p:sld>
-</file>
-
 <file path=ppt/slides/slide2.xml><?xml version="1.0" encoding="utf-8"?>
 <p:sld xmlns:a="http://schemas.openxmlformats.org/drawingml/2006/main" xmlns:r="http://schemas.openxmlformats.org/officeDocument/2006/relationships" xmlns:p="http://schemas.openxmlformats.org/presentationml/2006/main">
   <p:cSld>
@@ -33246,179 +33689,924 @@
       </p:grpSpPr>
       <p:sp>
         <p:nvSpPr>
-          <p:cNvPr id="2" name="Title 1">
-            <a:extLst>
-              <a:ext uri="{FF2B5EF4-FFF2-40B4-BE49-F238E27FC236}">
-                <a16:creationId xmlns:a16="http://schemas.microsoft.com/office/drawing/2014/main" id="{E806E6C6-32AF-40A6-B272-E1B1B7091CAC}"/>
-              </a:ext>
-            </a:extLst>
-          </p:cNvPr>
+          <p:cNvPr id="3" name="Text Placeholder 2"/>
           <p:cNvSpPr>
             <a:spLocks noGrp="1"/>
           </p:cNvSpPr>
           <p:nvPr>
-            <p:ph type="title"/>
+            <p:ph type="body" sz="quarter" idx="4294967295"/>
           </p:nvPr>
         </p:nvSpPr>
         <p:spPr>
           <a:xfrm>
-            <a:off x="838200" y="365125"/>
-            <a:ext cx="10515600" cy="1325563"/>
+            <a:off x="546971" y="4761771"/>
+            <a:ext cx="5332968" cy="663797"/>
           </a:xfrm>
         </p:spPr>
         <p:txBody>
           <a:bodyPr/>
           <a:lstStyle/>
           <a:p>
+            <a:pPr marL="0" indent="0" algn="ctr">
+              <a:lnSpc>
+                <a:spcPct val="100000"/>
+              </a:lnSpc>
+              <a:buNone/>
+            </a:pPr>
             <a:r>
-              <a:rPr lang="ko-KR" altLang="en-US" dirty="0">
+              <a:rPr lang="ko-KR" altLang="en-US" sz="3137" dirty="0">
                 <a:latin typeface="청소년서체" panose="02020603020101020101" pitchFamily="18" charset="-127"/>
                 <a:ea typeface="청소년서체" panose="02020603020101020101" pitchFamily="18" charset="-127"/>
+                <a:cs typeface="Segoe UI Light" charset="0"/>
               </a:rPr>
-              <a:t>그럼</a:t>
+              <a:t>기존의 </a:t>
             </a:r>
             <a:r>
-              <a:rPr lang="en-US" altLang="ko-KR" dirty="0">
+              <a:rPr lang="en-US" sz="3137" dirty="0">
                 <a:latin typeface="청소년서체" panose="02020603020101020101" pitchFamily="18" charset="-127"/>
                 <a:ea typeface="청소년서체" panose="02020603020101020101" pitchFamily="18" charset="-127"/>
+                <a:cs typeface="Segoe UI Light" charset="0"/>
               </a:rPr>
-              <a:t>, </a:t>
+              <a:t>Xamarin </a:t>
             </a:r>
             <a:r>
-              <a:rPr lang="en-US" altLang="ko-KR" dirty="0" err="1">
+              <a:rPr lang="ko-KR" altLang="en-US" sz="3137" dirty="0">
                 <a:latin typeface="청소년서체" panose="02020603020101020101" pitchFamily="18" charset="-127"/>
                 <a:ea typeface="청소년서체" panose="02020603020101020101" pitchFamily="18" charset="-127"/>
+                <a:cs typeface="Segoe UI Light" charset="0"/>
               </a:rPr>
-              <a:t>Xamarin.Forms</a:t>
+              <a:t>개발 방식</a:t>
             </a:r>
-            <a:r>
-              <a:rPr lang="en-US" altLang="ko-KR" dirty="0">
-                <a:latin typeface="청소년서체" panose="02020603020101020101" pitchFamily="18" charset="-127"/>
-                <a:ea typeface="청소년서체" panose="02020603020101020101" pitchFamily="18" charset="-127"/>
-              </a:rPr>
-              <a:t> </a:t>
-            </a:r>
-            <a:r>
-              <a:rPr lang="ko-KR" altLang="en-US" dirty="0">
-                <a:latin typeface="청소년서체" panose="02020603020101020101" pitchFamily="18" charset="-127"/>
-                <a:ea typeface="청소년서체" panose="02020603020101020101" pitchFamily="18" charset="-127"/>
-              </a:rPr>
-              <a:t>는</a:t>
-            </a:r>
-            <a:r>
-              <a:rPr lang="en-US" altLang="ko-KR" dirty="0">
-                <a:latin typeface="청소년서체" panose="02020603020101020101" pitchFamily="18" charset="-127"/>
-                <a:ea typeface="청소년서체" panose="02020603020101020101" pitchFamily="18" charset="-127"/>
-              </a:rPr>
-              <a:t>?</a:t>
-            </a:r>
-            <a:endParaRPr lang="ko-KR" altLang="en-US" dirty="0">
+            <a:endParaRPr lang="en-US" sz="3137" dirty="0">
               <a:latin typeface="청소년서체" panose="02020603020101020101" pitchFamily="18" charset="-127"/>
               <a:ea typeface="청소년서체" panose="02020603020101020101" pitchFamily="18" charset="-127"/>
+              <a:cs typeface="Segoe UI Light" charset="0"/>
             </a:endParaRPr>
           </a:p>
         </p:txBody>
       </p:sp>
       <p:sp>
         <p:nvSpPr>
-          <p:cNvPr id="3" name="Content Placeholder 2">
-            <a:extLst>
-              <a:ext uri="{FF2B5EF4-FFF2-40B4-BE49-F238E27FC236}">
-                <a16:creationId xmlns:a16="http://schemas.microsoft.com/office/drawing/2014/main" id="{A0887FBB-1BFC-42DD-8246-436806AC47F0}"/>
-              </a:ext>
-            </a:extLst>
-          </p:cNvPr>
+          <p:cNvPr id="4" name="Text Placeholder 3"/>
           <p:cNvSpPr>
             <a:spLocks noGrp="1"/>
           </p:cNvSpPr>
           <p:nvPr>
-            <p:ph idx="1"/>
+            <p:ph type="body" sz="quarter" idx="4294967295"/>
           </p:nvPr>
         </p:nvSpPr>
         <p:spPr>
           <a:xfrm>
-            <a:off x="929878" y="1827125"/>
-            <a:ext cx="10525680" cy="1694167"/>
+            <a:off x="6259781" y="4761772"/>
+            <a:ext cx="5332968" cy="1146560"/>
           </a:xfrm>
         </p:spPr>
         <p:txBody>
-          <a:bodyPr/>
+          <a:bodyPr vert="horz" wrap="square" lIns="143428" tIns="89642" rIns="143428" bIns="89642" rtlCol="0">
+            <a:spAutoFit/>
+          </a:bodyPr>
           <a:lstStyle/>
           <a:p>
-            <a:pPr>
+            <a:pPr marL="0" indent="0" algn="ctr">
               <a:lnSpc>
                 <a:spcPct val="100000"/>
               </a:lnSpc>
+              <a:buNone/>
             </a:pPr>
             <a:r>
-              <a:rPr lang="en-US" altLang="ko-KR" dirty="0">
+              <a:rPr lang="en-US" sz="3137" dirty="0" err="1">
                 <a:latin typeface="청소년서체" panose="02020603020101020101" pitchFamily="18" charset="-127"/>
                 <a:ea typeface="청소년서체" panose="02020603020101020101" pitchFamily="18" charset="-127"/>
+                <a:cs typeface="Segoe UI Light" charset="0"/>
               </a:rPr>
-              <a:t>Business Logic </a:t>
+              <a:t>Xamarin.Forms</a:t>
+            </a:r>
+            <a:br>
+              <a:rPr lang="en-US" sz="3137" dirty="0">
+                <a:latin typeface="청소년서체" panose="02020603020101020101" pitchFamily="18" charset="-127"/>
+                <a:ea typeface="청소년서체" panose="02020603020101020101" pitchFamily="18" charset="-127"/>
+                <a:cs typeface="Segoe UI Light" charset="0"/>
+              </a:rPr>
+            </a:br>
+            <a:r>
+              <a:rPr lang="en-US" sz="3137" dirty="0">
+                <a:latin typeface="청소년서체" panose="02020603020101020101" pitchFamily="18" charset="-127"/>
+                <a:ea typeface="청소년서체" panose="02020603020101020101" pitchFamily="18" charset="-127"/>
+                <a:cs typeface="Segoe UI Light" charset="0"/>
+              </a:rPr>
+              <a:t>:</a:t>
             </a:r>
             <a:r>
-              <a:rPr lang="ko-KR" altLang="en-US" dirty="0">
+              <a:rPr lang="ko-KR" altLang="en-US" sz="3137" dirty="0">
                 <a:latin typeface="청소년서체" panose="02020603020101020101" pitchFamily="18" charset="-127"/>
                 <a:ea typeface="청소년서체" panose="02020603020101020101" pitchFamily="18" charset="-127"/>
+                <a:cs typeface="Segoe UI Light" charset="0"/>
               </a:rPr>
-              <a:t>뿐만 아니라</a:t>
+              <a:t>더욱 많은 부분을 공유</a:t>
             </a:r>
             <a:r>
-              <a:rPr lang="en-US" altLang="ko-KR" dirty="0">
+              <a:rPr lang="en-US" altLang="ko-KR" sz="3137" dirty="0">
                 <a:latin typeface="청소년서체" panose="02020603020101020101" pitchFamily="18" charset="-127"/>
                 <a:ea typeface="청소년서체" panose="02020603020101020101" pitchFamily="18" charset="-127"/>
+                <a:cs typeface="Segoe UI Light" charset="0"/>
               </a:rPr>
-              <a:t>, UI</a:t>
+              <a:t>!</a:t>
             </a:r>
-            <a:r>
-              <a:rPr lang="ko-KR" altLang="en-US" dirty="0">
-                <a:latin typeface="청소년서체" panose="02020603020101020101" pitchFamily="18" charset="-127"/>
-                <a:ea typeface="청소년서체" panose="02020603020101020101" pitchFamily="18" charset="-127"/>
-              </a:rPr>
-              <a:t>도 한번에 작업 가능</a:t>
-            </a:r>
-            <a:endParaRPr lang="en-US" altLang="ko-KR" dirty="0">
+            <a:endParaRPr lang="en-US" sz="3137" dirty="0">
               <a:latin typeface="청소년서체" panose="02020603020101020101" pitchFamily="18" charset="-127"/>
               <a:ea typeface="청소년서체" panose="02020603020101020101" pitchFamily="18" charset="-127"/>
+              <a:cs typeface="Segoe UI Light" charset="0"/>
             </a:endParaRPr>
           </a:p>
+        </p:txBody>
+      </p:sp>
+      <p:sp>
+        <p:nvSpPr>
+          <p:cNvPr id="88" name="Rectangle 87"/>
+          <p:cNvSpPr/>
+          <p:nvPr/>
+        </p:nvSpPr>
+        <p:spPr bwMode="auto">
+          <a:xfrm>
+            <a:off x="558775" y="2550076"/>
+            <a:ext cx="1757833" cy="671066"/>
+          </a:xfrm>
+          <a:prstGeom prst="rect">
+            <a:avLst/>
+          </a:prstGeom>
+          <a:solidFill>
+            <a:srgbClr val="693F9A"/>
+          </a:solidFill>
+          <a:ln>
+            <a:noFill/>
+            <a:headEnd type="none" w="med" len="med"/>
+            <a:tailEnd type="none" w="med" len="med"/>
+          </a:ln>
+          <a:effectLst/>
+        </p:spPr>
+        <p:style>
+          <a:lnRef idx="1">
+            <a:schemeClr val="accent2"/>
+          </a:lnRef>
+          <a:fillRef idx="3">
+            <a:schemeClr val="accent2"/>
+          </a:fillRef>
+          <a:effectRef idx="2">
+            <a:schemeClr val="accent2"/>
+          </a:effectRef>
+          <a:fontRef idx="minor">
+            <a:schemeClr val="lt1"/>
+          </a:fontRef>
+        </p:style>
+        <p:txBody>
+          <a:bodyPr lIns="89630" tIns="89630" rIns="33615" bIns="33615" rtlCol="0" anchor="b" anchorCtr="0"/>
+          <a:lstStyle/>
           <a:p>
-            <a:pPr>
+            <a:pPr marL="0" marR="0" lvl="0" indent="0" algn="ctr" defTabSz="913964" rtl="0" eaLnBrk="1" fontAlgn="auto" latinLnBrk="0" hangingPunct="1">
               <a:lnSpc>
                 <a:spcPct val="100000"/>
               </a:lnSpc>
+              <a:spcBef>
+                <a:spcPts val="0"/>
+              </a:spcBef>
+              <a:spcAft>
+                <a:spcPts val="0"/>
+              </a:spcAft>
+              <a:buClrTx/>
+              <a:buSzTx/>
+              <a:buFontTx/>
+              <a:buNone/>
+              <a:tabLst/>
+              <a:defRPr/>
             </a:pPr>
             <a:r>
-              <a:rPr lang="ko-KR" altLang="en-US" dirty="0">
-                <a:latin typeface="청소년서체" panose="02020603020101020101" pitchFamily="18" charset="-127"/>
-                <a:ea typeface="청소년서체" panose="02020603020101020101" pitchFamily="18" charset="-127"/>
+              <a:rPr kumimoji="0" lang="en-US" sz="784" b="0" i="0" u="none" strike="noStrike" kern="1200" cap="none" spc="0" normalizeH="0" baseline="0" noProof="0" dirty="0">
+                <a:ln>
+                  <a:noFill/>
+                </a:ln>
+                <a:gradFill>
+                  <a:gsLst>
+                    <a:gs pos="0">
+                      <a:srgbClr val="FFFFFF"/>
+                    </a:gs>
+                    <a:gs pos="100000">
+                      <a:srgbClr val="FFFFFF"/>
+                    </a:gs>
+                  </a:gsLst>
+                  <a:lin ang="5400000" scaled="0"/>
+                </a:gradFill>
+                <a:effectLst/>
+                <a:uLnTx/>
+                <a:uFillTx/>
+                <a:latin typeface="Segoe UI Semilight"/>
+                <a:ea typeface="Segoe UI" pitchFamily="34" charset="0"/>
+                <a:cs typeface="Segoe UI" pitchFamily="34" charset="0"/>
               </a:rPr>
-              <a:t>공유할 수 있는 부분이 더 많아지겠죠</a:t>
+              <a:t> </a:t>
             </a:r>
+          </a:p>
+        </p:txBody>
+      </p:sp>
+      <p:sp>
+        <p:nvSpPr>
+          <p:cNvPr id="89" name="TextBox 88"/>
+          <p:cNvSpPr txBox="1"/>
+          <p:nvPr/>
+        </p:nvSpPr>
+        <p:spPr>
+          <a:xfrm>
+            <a:off x="558775" y="2610369"/>
+            <a:ext cx="1750328" cy="535837"/>
+          </a:xfrm>
+          <a:prstGeom prst="rect">
+            <a:avLst/>
+          </a:prstGeom>
+          <a:noFill/>
+        </p:spPr>
+        <p:txBody>
+          <a:bodyPr wrap="square" lIns="179260" tIns="143407" rIns="179260" bIns="143407" rtlCol="0">
+            <a:spAutoFit/>
+          </a:bodyPr>
+          <a:lstStyle/>
+          <a:p>
+            <a:pPr marL="0" marR="0" lvl="0" indent="0" algn="ctr" defTabSz="914028" rtl="0" eaLnBrk="1" fontAlgn="auto" latinLnBrk="0" hangingPunct="1">
+              <a:lnSpc>
+                <a:spcPct val="100000"/>
+              </a:lnSpc>
+              <a:spcBef>
+                <a:spcPts val="0"/>
+              </a:spcBef>
+              <a:spcAft>
+                <a:spcPts val="0"/>
+              </a:spcAft>
+              <a:buClrTx/>
+              <a:buSzTx/>
+              <a:buFontTx/>
+              <a:buNone/>
+              <a:tabLst/>
+              <a:defRPr/>
+            </a:pPr>
             <a:r>
-              <a:rPr lang="en-US" altLang="ko-KR" dirty="0">
-                <a:latin typeface="청소년서체" panose="02020603020101020101" pitchFamily="18" charset="-127"/>
-                <a:ea typeface="청소년서체" panose="02020603020101020101" pitchFamily="18" charset="-127"/>
+              <a:rPr kumimoji="0" lang="en-US" sz="1600" b="0" i="0" u="none" strike="noStrike" kern="1200" cap="none" spc="0" normalizeH="0" baseline="0" noProof="0" dirty="0">
+                <a:ln>
+                  <a:noFill/>
+                </a:ln>
+                <a:gradFill>
+                  <a:gsLst>
+                    <a:gs pos="1250">
+                      <a:srgbClr val="FFFFFF"/>
+                    </a:gs>
+                    <a:gs pos="100000">
+                      <a:srgbClr val="FFFFFF"/>
+                    </a:gs>
+                  </a:gsLst>
+                  <a:lin ang="5400000" scaled="0"/>
+                </a:gradFill>
+                <a:effectLst/>
+                <a:uLnTx/>
+                <a:uFillTx/>
+                <a:latin typeface="Segoe UI Semibold" panose="020B0702040204020203" pitchFamily="34" charset="0"/>
+                <a:ea typeface="+mn-ea"/>
+                <a:cs typeface="+mn-cs"/>
               </a:rPr>
-              <a:t>!</a:t>
+              <a:t>iOS C# UI</a:t>
             </a:r>
-            <a:endParaRPr lang="ko-KR" altLang="en-US" dirty="0">
-              <a:latin typeface="청소년서체" panose="02020603020101020101" pitchFamily="18" charset="-127"/>
-              <a:ea typeface="청소년서체" panose="02020603020101020101" pitchFamily="18" charset="-127"/>
+          </a:p>
+        </p:txBody>
+      </p:sp>
+      <p:sp>
+        <p:nvSpPr>
+          <p:cNvPr id="86" name="Rectangle 85"/>
+          <p:cNvSpPr/>
+          <p:nvPr/>
+        </p:nvSpPr>
+        <p:spPr bwMode="auto">
+          <a:xfrm>
+            <a:off x="4118291" y="2550076"/>
+            <a:ext cx="1761622" cy="671066"/>
+          </a:xfrm>
+          <a:prstGeom prst="rect">
+            <a:avLst/>
+          </a:prstGeom>
+          <a:solidFill>
+            <a:schemeClr val="tx2"/>
+          </a:solidFill>
+          <a:ln>
+            <a:noFill/>
+            <a:headEnd type="none" w="med" len="med"/>
+            <a:tailEnd type="none" w="med" len="med"/>
+          </a:ln>
+          <a:effectLst/>
+        </p:spPr>
+        <p:style>
+          <a:lnRef idx="1">
+            <a:schemeClr val="accent2"/>
+          </a:lnRef>
+          <a:fillRef idx="3">
+            <a:schemeClr val="accent2"/>
+          </a:fillRef>
+          <a:effectRef idx="2">
+            <a:schemeClr val="accent2"/>
+          </a:effectRef>
+          <a:fontRef idx="minor">
+            <a:schemeClr val="lt1"/>
+          </a:fontRef>
+        </p:style>
+        <p:txBody>
+          <a:bodyPr lIns="89630" tIns="89630" rIns="33615" bIns="33615" rtlCol="0" anchor="b" anchorCtr="0"/>
+          <a:lstStyle/>
+          <a:p>
+            <a:pPr marL="0" marR="0" lvl="0" indent="0" algn="ctr" defTabSz="913964" rtl="0" eaLnBrk="1" fontAlgn="auto" latinLnBrk="0" hangingPunct="1">
+              <a:lnSpc>
+                <a:spcPct val="100000"/>
+              </a:lnSpc>
+              <a:spcBef>
+                <a:spcPts val="0"/>
+              </a:spcBef>
+              <a:spcAft>
+                <a:spcPts val="0"/>
+              </a:spcAft>
+              <a:buClrTx/>
+              <a:buSzTx/>
+              <a:buFontTx/>
+              <a:buNone/>
+              <a:tabLst/>
+              <a:defRPr/>
+            </a:pPr>
+            <a:r>
+              <a:rPr kumimoji="0" lang="en-US" sz="784" b="0" i="0" u="none" strike="noStrike" kern="1200" cap="none" spc="0" normalizeH="0" baseline="0" noProof="0" dirty="0">
+                <a:ln>
+                  <a:noFill/>
+                </a:ln>
+                <a:gradFill>
+                  <a:gsLst>
+                    <a:gs pos="0">
+                      <a:srgbClr val="FFFFFF"/>
+                    </a:gs>
+                    <a:gs pos="100000">
+                      <a:srgbClr val="FFFFFF"/>
+                    </a:gs>
+                  </a:gsLst>
+                  <a:lin ang="5400000" scaled="0"/>
+                </a:gradFill>
+                <a:effectLst/>
+                <a:uLnTx/>
+                <a:uFillTx/>
+                <a:latin typeface="Segoe UI Semilight"/>
+                <a:ea typeface="Segoe UI" pitchFamily="34" charset="0"/>
+                <a:cs typeface="Segoe UI" pitchFamily="34" charset="0"/>
+              </a:rPr>
+              <a:t> </a:t>
+            </a:r>
+          </a:p>
+        </p:txBody>
+      </p:sp>
+      <p:sp>
+        <p:nvSpPr>
+          <p:cNvPr id="90" name="TextBox 89"/>
+          <p:cNvSpPr txBox="1"/>
+          <p:nvPr/>
+        </p:nvSpPr>
+        <p:spPr>
+          <a:xfrm>
+            <a:off x="4106664" y="2620727"/>
+            <a:ext cx="1785598" cy="535837"/>
+          </a:xfrm>
+          <a:prstGeom prst="rect">
+            <a:avLst/>
+          </a:prstGeom>
+          <a:noFill/>
+        </p:spPr>
+        <p:txBody>
+          <a:bodyPr wrap="square" lIns="179260" tIns="143407" rIns="179260" bIns="143407" rtlCol="0">
+            <a:spAutoFit/>
+          </a:bodyPr>
+          <a:lstStyle/>
+          <a:p>
+            <a:pPr marL="0" marR="0" lvl="0" indent="0" algn="ctr" defTabSz="914028" rtl="0" eaLnBrk="1" fontAlgn="auto" latinLnBrk="0" hangingPunct="1">
+              <a:lnSpc>
+                <a:spcPct val="100000"/>
+              </a:lnSpc>
+              <a:spcBef>
+                <a:spcPts val="0"/>
+              </a:spcBef>
+              <a:spcAft>
+                <a:spcPts val="0"/>
+              </a:spcAft>
+              <a:buClrTx/>
+              <a:buSzTx/>
+              <a:buFontTx/>
+              <a:buNone/>
+              <a:tabLst/>
+              <a:defRPr/>
+            </a:pPr>
+            <a:r>
+              <a:rPr kumimoji="0" lang="en-US" sz="1600" b="0" i="0" u="none" strike="noStrike" kern="1200" cap="none" spc="0" normalizeH="0" baseline="0" noProof="0" dirty="0">
+                <a:ln>
+                  <a:noFill/>
+                </a:ln>
+                <a:gradFill>
+                  <a:gsLst>
+                    <a:gs pos="1250">
+                      <a:srgbClr val="FFFFFF"/>
+                    </a:gs>
+                    <a:gs pos="100000">
+                      <a:srgbClr val="FFFFFF"/>
+                    </a:gs>
+                  </a:gsLst>
+                  <a:lin ang="5400000" scaled="0"/>
+                </a:gradFill>
+                <a:effectLst/>
+                <a:uLnTx/>
+                <a:uFillTx/>
+                <a:latin typeface="Segoe UI Semibold" panose="020B0702040204020203" pitchFamily="34" charset="0"/>
+                <a:ea typeface="+mn-ea"/>
+                <a:cs typeface="+mn-cs"/>
+              </a:rPr>
+              <a:t>Windows C# UI</a:t>
+            </a:r>
+          </a:p>
+        </p:txBody>
+      </p:sp>
+      <p:sp>
+        <p:nvSpPr>
+          <p:cNvPr id="87" name="Rectangle 86"/>
+          <p:cNvSpPr/>
+          <p:nvPr/>
+        </p:nvSpPr>
+        <p:spPr bwMode="auto">
+          <a:xfrm>
+            <a:off x="2342982" y="2550076"/>
+            <a:ext cx="1754115" cy="671066"/>
+          </a:xfrm>
+          <a:prstGeom prst="rect">
+            <a:avLst/>
+          </a:prstGeom>
+          <a:solidFill>
+            <a:srgbClr val="018172"/>
+          </a:solidFill>
+          <a:ln>
+            <a:noFill/>
+            <a:headEnd type="none" w="med" len="med"/>
+            <a:tailEnd type="none" w="med" len="med"/>
+          </a:ln>
+          <a:effectLst/>
+        </p:spPr>
+        <p:style>
+          <a:lnRef idx="1">
+            <a:schemeClr val="accent2"/>
+          </a:lnRef>
+          <a:fillRef idx="3">
+            <a:schemeClr val="accent2"/>
+          </a:fillRef>
+          <a:effectRef idx="2">
+            <a:schemeClr val="accent2"/>
+          </a:effectRef>
+          <a:fontRef idx="minor">
+            <a:schemeClr val="lt1"/>
+          </a:fontRef>
+        </p:style>
+        <p:txBody>
+          <a:bodyPr lIns="89630" tIns="89630" rIns="33615" bIns="33615" rtlCol="0" anchor="b" anchorCtr="0"/>
+          <a:lstStyle/>
+          <a:p>
+            <a:pPr marL="0" marR="0" lvl="0" indent="0" algn="ctr" defTabSz="913964" rtl="0" eaLnBrk="1" fontAlgn="auto" latinLnBrk="0" hangingPunct="1">
+              <a:lnSpc>
+                <a:spcPct val="100000"/>
+              </a:lnSpc>
+              <a:spcBef>
+                <a:spcPts val="0"/>
+              </a:spcBef>
+              <a:spcAft>
+                <a:spcPts val="0"/>
+              </a:spcAft>
+              <a:buClrTx/>
+              <a:buSzTx/>
+              <a:buFontTx/>
+              <a:buNone/>
+              <a:tabLst/>
+              <a:defRPr/>
+            </a:pPr>
+            <a:r>
+              <a:rPr kumimoji="0" lang="en-US" sz="784" b="0" i="0" u="none" strike="noStrike" kern="1200" cap="none" spc="0" normalizeH="0" baseline="0" noProof="0" dirty="0">
+                <a:ln>
+                  <a:noFill/>
+                </a:ln>
+                <a:gradFill>
+                  <a:gsLst>
+                    <a:gs pos="0">
+                      <a:srgbClr val="FFFFFF"/>
+                    </a:gs>
+                    <a:gs pos="100000">
+                      <a:srgbClr val="FFFFFF"/>
+                    </a:gs>
+                  </a:gsLst>
+                  <a:lin ang="5400000" scaled="0"/>
+                </a:gradFill>
+                <a:effectLst/>
+                <a:uLnTx/>
+                <a:uFillTx/>
+                <a:latin typeface="Segoe UI Semilight"/>
+                <a:ea typeface="Segoe UI" pitchFamily="34" charset="0"/>
+                <a:cs typeface="Segoe UI" pitchFamily="34" charset="0"/>
+              </a:rPr>
+              <a:t> </a:t>
+            </a:r>
+          </a:p>
+        </p:txBody>
+      </p:sp>
+      <p:sp>
+        <p:nvSpPr>
+          <p:cNvPr id="91" name="TextBox 90"/>
+          <p:cNvSpPr txBox="1"/>
+          <p:nvPr/>
+        </p:nvSpPr>
+        <p:spPr>
+          <a:xfrm>
+            <a:off x="2342980" y="2620727"/>
+            <a:ext cx="1750328" cy="535837"/>
+          </a:xfrm>
+          <a:prstGeom prst="rect">
+            <a:avLst/>
+          </a:prstGeom>
+          <a:noFill/>
+        </p:spPr>
+        <p:txBody>
+          <a:bodyPr wrap="square" lIns="179260" tIns="143407" rIns="179260" bIns="143407" rtlCol="0">
+            <a:spAutoFit/>
+          </a:bodyPr>
+          <a:lstStyle/>
+          <a:p>
+            <a:pPr marL="0" marR="0" lvl="0" indent="0" algn="ctr" defTabSz="914028" rtl="0" eaLnBrk="1" fontAlgn="auto" latinLnBrk="0" hangingPunct="1">
+              <a:lnSpc>
+                <a:spcPct val="100000"/>
+              </a:lnSpc>
+              <a:spcBef>
+                <a:spcPts val="0"/>
+              </a:spcBef>
+              <a:spcAft>
+                <a:spcPts val="0"/>
+              </a:spcAft>
+              <a:buClrTx/>
+              <a:buSzTx/>
+              <a:buFontTx/>
+              <a:buNone/>
+              <a:tabLst/>
+              <a:defRPr/>
+            </a:pPr>
+            <a:r>
+              <a:rPr kumimoji="0" lang="en-US" sz="1600" b="0" i="0" u="none" strike="noStrike" kern="1200" cap="none" spc="0" normalizeH="0" baseline="0" noProof="0" dirty="0">
+                <a:ln>
+                  <a:noFill/>
+                </a:ln>
+                <a:gradFill>
+                  <a:gsLst>
+                    <a:gs pos="1250">
+                      <a:srgbClr val="FFFFFF"/>
+                    </a:gs>
+                    <a:gs pos="100000">
+                      <a:srgbClr val="FFFFFF"/>
+                    </a:gs>
+                  </a:gsLst>
+                  <a:lin ang="5400000" scaled="0"/>
+                </a:gradFill>
+                <a:effectLst/>
+                <a:uLnTx/>
+                <a:uFillTx/>
+                <a:latin typeface="Segoe UI Semibold" panose="020B0702040204020203" pitchFamily="34" charset="0"/>
+                <a:ea typeface="+mn-ea"/>
+                <a:cs typeface="+mn-cs"/>
+              </a:rPr>
+              <a:t>Android C# UI</a:t>
+            </a:r>
+          </a:p>
+        </p:txBody>
+      </p:sp>
+      <p:sp>
+        <p:nvSpPr>
+          <p:cNvPr id="85" name="Rectangle 84"/>
+          <p:cNvSpPr/>
+          <p:nvPr/>
+        </p:nvSpPr>
+        <p:spPr bwMode="auto">
+          <a:xfrm>
+            <a:off x="558775" y="3248713"/>
+            <a:ext cx="5323534" cy="1418362"/>
+          </a:xfrm>
+          <a:prstGeom prst="rect">
+            <a:avLst/>
+          </a:prstGeom>
+          <a:solidFill>
+            <a:srgbClr val="737373"/>
+          </a:solidFill>
+          <a:ln>
+            <a:noFill/>
+            <a:headEnd type="none" w="med" len="med"/>
+            <a:tailEnd type="none" w="med" len="med"/>
+          </a:ln>
+          <a:effectLst/>
+        </p:spPr>
+        <p:style>
+          <a:lnRef idx="1">
+            <a:schemeClr val="accent2"/>
+          </a:lnRef>
+          <a:fillRef idx="3">
+            <a:schemeClr val="accent2"/>
+          </a:fillRef>
+          <a:effectRef idx="2">
+            <a:schemeClr val="accent2"/>
+          </a:effectRef>
+          <a:fontRef idx="minor">
+            <a:schemeClr val="lt1"/>
+          </a:fontRef>
+        </p:style>
+        <p:txBody>
+          <a:bodyPr lIns="89630" tIns="89630" rIns="33615" bIns="33615" rtlCol="0" anchor="b" anchorCtr="0"/>
+          <a:lstStyle/>
+          <a:p>
+            <a:pPr marL="0" marR="0" lvl="0" indent="0" algn="ctr" defTabSz="913964" rtl="0" eaLnBrk="1" fontAlgn="auto" latinLnBrk="0" hangingPunct="1">
+              <a:lnSpc>
+                <a:spcPct val="100000"/>
+              </a:lnSpc>
+              <a:spcBef>
+                <a:spcPts val="0"/>
+              </a:spcBef>
+              <a:spcAft>
+                <a:spcPts val="0"/>
+              </a:spcAft>
+              <a:buClrTx/>
+              <a:buSzTx/>
+              <a:buFontTx/>
+              <a:buNone/>
+              <a:tabLst/>
+              <a:defRPr/>
+            </a:pPr>
+            <a:r>
+              <a:rPr kumimoji="0" lang="en-US" sz="784" b="0" i="0" u="none" strike="noStrike" kern="1200" cap="none" spc="0" normalizeH="0" baseline="0" noProof="0" dirty="0">
+                <a:ln>
+                  <a:noFill/>
+                </a:ln>
+                <a:gradFill>
+                  <a:gsLst>
+                    <a:gs pos="0">
+                      <a:srgbClr val="FFFFFF"/>
+                    </a:gs>
+                    <a:gs pos="100000">
+                      <a:srgbClr val="FFFFFF"/>
+                    </a:gs>
+                  </a:gsLst>
+                  <a:lin ang="5400000" scaled="0"/>
+                </a:gradFill>
+                <a:effectLst/>
+                <a:uLnTx/>
+                <a:uFillTx/>
+                <a:latin typeface="Segoe UI Semilight"/>
+                <a:ea typeface="Segoe UI" pitchFamily="34" charset="0"/>
+                <a:cs typeface="Segoe UI" pitchFamily="34" charset="0"/>
+              </a:rPr>
+              <a:t> </a:t>
+            </a:r>
+          </a:p>
+        </p:txBody>
+      </p:sp>
+      <p:sp>
+        <p:nvSpPr>
+          <p:cNvPr id="92" name="TextBox 91"/>
+          <p:cNvSpPr txBox="1"/>
+          <p:nvPr/>
+        </p:nvSpPr>
+        <p:spPr>
+          <a:xfrm>
+            <a:off x="539266" y="3537543"/>
+            <a:ext cx="5364237" cy="797396"/>
+          </a:xfrm>
+          <a:prstGeom prst="rect">
+            <a:avLst/>
+          </a:prstGeom>
+          <a:noFill/>
+        </p:spPr>
+        <p:txBody>
+          <a:bodyPr wrap="square" lIns="179260" tIns="143407" rIns="179260" bIns="143407" rtlCol="0">
+            <a:spAutoFit/>
+          </a:bodyPr>
+          <a:lstStyle/>
+          <a:p>
+            <a:pPr marL="0" marR="0" lvl="0" indent="0" algn="ctr" defTabSz="914028" rtl="0" eaLnBrk="1" fontAlgn="auto" latinLnBrk="0" hangingPunct="1">
+              <a:lnSpc>
+                <a:spcPct val="100000"/>
+              </a:lnSpc>
+              <a:spcBef>
+                <a:spcPts val="0"/>
+              </a:spcBef>
+              <a:spcAft>
+                <a:spcPts val="0"/>
+              </a:spcAft>
+              <a:buClrTx/>
+              <a:buSzTx/>
+              <a:buFontTx/>
+              <a:buNone/>
+              <a:tabLst/>
+              <a:defRPr/>
+            </a:pPr>
+            <a:r>
+              <a:rPr kumimoji="0" lang="en-US" sz="3300" b="0" i="0" u="none" strike="noStrike" kern="1200" cap="none" spc="0" normalizeH="0" baseline="0" noProof="0" dirty="0">
+                <a:ln>
+                  <a:noFill/>
+                </a:ln>
+                <a:gradFill>
+                  <a:gsLst>
+                    <a:gs pos="1250">
+                      <a:srgbClr val="FFFFFF"/>
+                    </a:gs>
+                    <a:gs pos="100000">
+                      <a:srgbClr val="FFFFFF"/>
+                    </a:gs>
+                  </a:gsLst>
+                  <a:lin ang="5400000" scaled="0"/>
+                </a:gradFill>
+                <a:effectLst/>
+                <a:uLnTx/>
+                <a:uFillTx/>
+                <a:latin typeface="Segoe UI Semibold" panose="020B0702040204020203" pitchFamily="34" charset="0"/>
+                <a:ea typeface="+mn-ea"/>
+                <a:cs typeface="+mn-cs"/>
+              </a:rPr>
+              <a:t>Shared C# Logic</a:t>
+            </a:r>
+          </a:p>
+        </p:txBody>
+      </p:sp>
+      <p:sp>
+        <p:nvSpPr>
+          <p:cNvPr id="94" name="Oval 93"/>
+          <p:cNvSpPr/>
+          <p:nvPr/>
+        </p:nvSpPr>
+        <p:spPr bwMode="auto">
+          <a:xfrm>
+            <a:off x="1111759" y="1741693"/>
+            <a:ext cx="654953" cy="654953"/>
+          </a:xfrm>
+          <a:prstGeom prst="ellipse">
+            <a:avLst/>
+          </a:prstGeom>
+          <a:solidFill>
+            <a:srgbClr val="693F9A"/>
+          </a:solidFill>
+          <a:ln>
+            <a:noFill/>
+            <a:headEnd type="none" w="med" len="med"/>
+            <a:tailEnd type="none" w="med" len="med"/>
+          </a:ln>
+          <a:effectLst/>
+        </p:spPr>
+        <p:style>
+          <a:lnRef idx="1">
+            <a:schemeClr val="accent2"/>
+          </a:lnRef>
+          <a:fillRef idx="3">
+            <a:schemeClr val="accent2"/>
+          </a:fillRef>
+          <a:effectRef idx="2">
+            <a:schemeClr val="accent2"/>
+          </a:effectRef>
+          <a:fontRef idx="minor">
+            <a:schemeClr val="lt1"/>
+          </a:fontRef>
+        </p:style>
+        <p:txBody>
+          <a:bodyPr lIns="89630" tIns="89630" rIns="33615" bIns="33615" rtlCol="0" anchor="b" anchorCtr="0"/>
+          <a:lstStyle/>
+          <a:p>
+            <a:pPr marL="0" marR="0" lvl="0" indent="0" algn="ctr" defTabSz="913964" rtl="0" eaLnBrk="1" fontAlgn="auto" latinLnBrk="0" hangingPunct="1">
+              <a:lnSpc>
+                <a:spcPct val="100000"/>
+              </a:lnSpc>
+              <a:spcBef>
+                <a:spcPts val="0"/>
+              </a:spcBef>
+              <a:spcAft>
+                <a:spcPts val="0"/>
+              </a:spcAft>
+              <a:buClrTx/>
+              <a:buSzTx/>
+              <a:buFontTx/>
+              <a:buNone/>
+              <a:tabLst/>
+              <a:defRPr/>
+            </a:pPr>
+            <a:endParaRPr kumimoji="0" lang="en-US" sz="784" b="0" i="0" u="none" strike="noStrike" kern="1200" cap="none" spc="0" normalizeH="0" baseline="0" noProof="0" dirty="0">
+              <a:ln>
+                <a:noFill/>
+              </a:ln>
+              <a:gradFill>
+                <a:gsLst>
+                  <a:gs pos="0">
+                    <a:srgbClr val="FFFFFF"/>
+                  </a:gs>
+                  <a:gs pos="100000">
+                    <a:srgbClr val="FFFFFF"/>
+                  </a:gs>
+                </a:gsLst>
+                <a:lin ang="5400000" scaled="0"/>
+              </a:gradFill>
+              <a:effectLst/>
+              <a:uLnTx/>
+              <a:uFillTx/>
+              <a:latin typeface="Segoe UI Semilight"/>
+              <a:ea typeface="Segoe UI" pitchFamily="34" charset="0"/>
+              <a:cs typeface="Segoe UI" pitchFamily="34" charset="0"/>
+            </a:endParaRPr>
+          </a:p>
+        </p:txBody>
+      </p:sp>
+      <p:sp>
+        <p:nvSpPr>
+          <p:cNvPr id="97" name="Oval 96"/>
+          <p:cNvSpPr/>
+          <p:nvPr/>
+        </p:nvSpPr>
+        <p:spPr bwMode="auto">
+          <a:xfrm>
+            <a:off x="2899753" y="1739240"/>
+            <a:ext cx="654953" cy="654953"/>
+          </a:xfrm>
+          <a:prstGeom prst="ellipse">
+            <a:avLst/>
+          </a:prstGeom>
+          <a:solidFill>
+            <a:srgbClr val="018172"/>
+          </a:solidFill>
+          <a:ln>
+            <a:noFill/>
+            <a:headEnd type="none" w="med" len="med"/>
+            <a:tailEnd type="none" w="med" len="med"/>
+          </a:ln>
+          <a:effectLst/>
+        </p:spPr>
+        <p:style>
+          <a:lnRef idx="1">
+            <a:schemeClr val="accent2"/>
+          </a:lnRef>
+          <a:fillRef idx="3">
+            <a:schemeClr val="accent2"/>
+          </a:fillRef>
+          <a:effectRef idx="2">
+            <a:schemeClr val="accent2"/>
+          </a:effectRef>
+          <a:fontRef idx="minor">
+            <a:schemeClr val="lt1"/>
+          </a:fontRef>
+        </p:style>
+        <p:txBody>
+          <a:bodyPr lIns="89630" tIns="89630" rIns="33615" bIns="33615" rtlCol="0" anchor="b" anchorCtr="0"/>
+          <a:lstStyle/>
+          <a:p>
+            <a:pPr marL="0" marR="0" lvl="0" indent="0" algn="ctr" defTabSz="913964" rtl="0" eaLnBrk="1" fontAlgn="auto" latinLnBrk="0" hangingPunct="1">
+              <a:lnSpc>
+                <a:spcPct val="100000"/>
+              </a:lnSpc>
+              <a:spcBef>
+                <a:spcPts val="0"/>
+              </a:spcBef>
+              <a:spcAft>
+                <a:spcPts val="0"/>
+              </a:spcAft>
+              <a:buClrTx/>
+              <a:buSzTx/>
+              <a:buFontTx/>
+              <a:buNone/>
+              <a:tabLst/>
+              <a:defRPr/>
+            </a:pPr>
+            <a:endParaRPr kumimoji="0" lang="en-US" sz="784" b="0" i="0" u="none" strike="noStrike" kern="1200" cap="none" spc="0" normalizeH="0" baseline="0" noProof="0" dirty="0">
+              <a:ln>
+                <a:noFill/>
+              </a:ln>
+              <a:gradFill>
+                <a:gsLst>
+                  <a:gs pos="0">
+                    <a:srgbClr val="FFFFFF"/>
+                  </a:gs>
+                  <a:gs pos="100000">
+                    <a:srgbClr val="FFFFFF"/>
+                  </a:gs>
+                </a:gsLst>
+                <a:lin ang="5400000" scaled="0"/>
+              </a:gradFill>
+              <a:effectLst/>
+              <a:uLnTx/>
+              <a:uFillTx/>
+              <a:latin typeface="Segoe UI Semilight"/>
+              <a:ea typeface="Segoe UI" pitchFamily="34" charset="0"/>
+              <a:cs typeface="Segoe UI" pitchFamily="34" charset="0"/>
             </a:endParaRPr>
           </a:p>
         </p:txBody>
       </p:sp>
       <p:pic>
         <p:nvPicPr>
-          <p:cNvPr id="5" name="Picture 4">
-            <a:extLst>
-              <a:ext uri="{FF2B5EF4-FFF2-40B4-BE49-F238E27FC236}">
-                <a16:creationId xmlns:a16="http://schemas.microsoft.com/office/drawing/2014/main" id="{4F580DD2-BEEE-434F-848A-AD06DB0A55AE}"/>
-              </a:ext>
-            </a:extLst>
-          </p:cNvPr>
+          <p:cNvPr id="98" name="Picture 97"/>
           <p:cNvPicPr>
             <a:picLocks noChangeAspect="1"/>
           </p:cNvPicPr>
@@ -33432,39 +34620,871 @@
         </p:blipFill>
         <p:spPr>
           <a:xfrm>
-            <a:off x="929878" y="3122281"/>
-            <a:ext cx="9673501" cy="3039041"/>
+            <a:off x="3087029" y="1892034"/>
+            <a:ext cx="280402" cy="337273"/>
           </a:xfrm>
           <a:prstGeom prst="rect">
             <a:avLst/>
           </a:prstGeom>
+          <a:solidFill>
+            <a:srgbClr val="018172"/>
+          </a:solidFill>
         </p:spPr>
       </p:pic>
       <p:sp>
         <p:nvSpPr>
-          <p:cNvPr id="7" name="Rectangle 6">
-            <a:extLst>
-              <a:ext uri="{FF2B5EF4-FFF2-40B4-BE49-F238E27FC236}">
-                <a16:creationId xmlns:a16="http://schemas.microsoft.com/office/drawing/2014/main" id="{531A6E7D-A61A-4776-8B81-65B20D5DEE68}"/>
-              </a:ext>
-            </a:extLst>
-          </p:cNvPr>
+          <p:cNvPr id="100" name="Oval 99"/>
+          <p:cNvSpPr/>
+          <p:nvPr/>
+        </p:nvSpPr>
+        <p:spPr bwMode="auto">
+          <a:xfrm>
+            <a:off x="4682569" y="1749596"/>
+            <a:ext cx="654953" cy="654953"/>
+          </a:xfrm>
+          <a:prstGeom prst="ellipse">
+            <a:avLst/>
+          </a:prstGeom>
+          <a:solidFill>
+            <a:schemeClr val="tx2"/>
+          </a:solidFill>
+          <a:ln>
+            <a:noFill/>
+            <a:headEnd type="none" w="med" len="med"/>
+            <a:tailEnd type="none" w="med" len="med"/>
+          </a:ln>
+          <a:effectLst/>
+        </p:spPr>
+        <p:style>
+          <a:lnRef idx="1">
+            <a:schemeClr val="accent2"/>
+          </a:lnRef>
+          <a:fillRef idx="3">
+            <a:schemeClr val="accent2"/>
+          </a:fillRef>
+          <a:effectRef idx="2">
+            <a:schemeClr val="accent2"/>
+          </a:effectRef>
+          <a:fontRef idx="minor">
+            <a:schemeClr val="lt1"/>
+          </a:fontRef>
+        </p:style>
+        <p:txBody>
+          <a:bodyPr lIns="89630" tIns="89630" rIns="33615" bIns="33615" rtlCol="0" anchor="b" anchorCtr="0"/>
+          <a:lstStyle/>
+          <a:p>
+            <a:pPr marL="0" marR="0" lvl="0" indent="0" algn="ctr" defTabSz="913964" rtl="0" eaLnBrk="1" fontAlgn="auto" latinLnBrk="0" hangingPunct="1">
+              <a:lnSpc>
+                <a:spcPct val="100000"/>
+              </a:lnSpc>
+              <a:spcBef>
+                <a:spcPts val="0"/>
+              </a:spcBef>
+              <a:spcAft>
+                <a:spcPts val="0"/>
+              </a:spcAft>
+              <a:buClrTx/>
+              <a:buSzTx/>
+              <a:buFontTx/>
+              <a:buNone/>
+              <a:tabLst/>
+              <a:defRPr/>
+            </a:pPr>
+            <a:endParaRPr kumimoji="0" lang="en-US" sz="784" b="0" i="0" u="none" strike="noStrike" kern="1200" cap="none" spc="0" normalizeH="0" baseline="0" noProof="0" dirty="0">
+              <a:ln>
+                <a:noFill/>
+              </a:ln>
+              <a:gradFill>
+                <a:gsLst>
+                  <a:gs pos="0">
+                    <a:srgbClr val="FFFFFF"/>
+                  </a:gs>
+                  <a:gs pos="100000">
+                    <a:srgbClr val="FFFFFF"/>
+                  </a:gs>
+                </a:gsLst>
+                <a:lin ang="5400000" scaled="0"/>
+              </a:gradFill>
+              <a:effectLst/>
+              <a:uLnTx/>
+              <a:uFillTx/>
+              <a:latin typeface="Segoe UI Semilight"/>
+              <a:ea typeface="Segoe UI" pitchFamily="34" charset="0"/>
+              <a:cs typeface="Segoe UI" pitchFamily="34" charset="0"/>
+            </a:endParaRPr>
+          </a:p>
+        </p:txBody>
+      </p:sp>
+      <p:pic>
+        <p:nvPicPr>
+          <p:cNvPr id="101" name="Picture 100"/>
+          <p:cNvPicPr>
+            <a:picLocks noChangeAspect="1"/>
+          </p:cNvPicPr>
+          <p:nvPr/>
+        </p:nvPicPr>
+        <p:blipFill>
+          <a:blip r:embed="rId4"/>
+          <a:stretch>
+            <a:fillRect/>
+          </a:stretch>
+        </p:blipFill>
+        <p:spPr>
+          <a:xfrm>
+            <a:off x="4864368" y="1942609"/>
+            <a:ext cx="273668" cy="273588"/>
+          </a:xfrm>
+          <a:prstGeom prst="rect">
+            <a:avLst/>
+          </a:prstGeom>
+          <a:solidFill>
+            <a:schemeClr val="tx2"/>
+          </a:solidFill>
+        </p:spPr>
+      </p:pic>
+      <p:sp>
+        <p:nvSpPr>
+          <p:cNvPr id="125" name="Rectangle 124"/>
+          <p:cNvSpPr/>
+          <p:nvPr/>
+        </p:nvSpPr>
+        <p:spPr bwMode="auto">
+          <a:xfrm>
+            <a:off x="6264887" y="2550077"/>
+            <a:ext cx="1757832" cy="132947"/>
+          </a:xfrm>
+          <a:prstGeom prst="rect">
+            <a:avLst/>
+          </a:prstGeom>
+          <a:solidFill>
+            <a:srgbClr val="693F9A"/>
+          </a:solidFill>
+          <a:ln>
+            <a:noFill/>
+            <a:headEnd type="none" w="med" len="med"/>
+            <a:tailEnd type="none" w="med" len="med"/>
+          </a:ln>
+          <a:effectLst/>
+        </p:spPr>
+        <p:style>
+          <a:lnRef idx="1">
+            <a:schemeClr val="accent2"/>
+          </a:lnRef>
+          <a:fillRef idx="3">
+            <a:schemeClr val="accent2"/>
+          </a:fillRef>
+          <a:effectRef idx="2">
+            <a:schemeClr val="accent2"/>
+          </a:effectRef>
+          <a:fontRef idx="minor">
+            <a:schemeClr val="lt1"/>
+          </a:fontRef>
+        </p:style>
+        <p:txBody>
+          <a:bodyPr lIns="89630" tIns="89630" rIns="33615" bIns="33615" rtlCol="0" anchor="b" anchorCtr="0"/>
+          <a:lstStyle/>
+          <a:p>
+            <a:pPr marL="0" marR="0" lvl="0" indent="0" algn="ctr" defTabSz="913964" rtl="0" eaLnBrk="1" fontAlgn="auto" latinLnBrk="0" hangingPunct="1">
+              <a:lnSpc>
+                <a:spcPct val="100000"/>
+              </a:lnSpc>
+              <a:spcBef>
+                <a:spcPts val="0"/>
+              </a:spcBef>
+              <a:spcAft>
+                <a:spcPts val="0"/>
+              </a:spcAft>
+              <a:buClrTx/>
+              <a:buSzTx/>
+              <a:buFontTx/>
+              <a:buNone/>
+              <a:tabLst/>
+              <a:defRPr/>
+            </a:pPr>
+            <a:r>
+              <a:rPr kumimoji="0" lang="en-US" sz="784" b="0" i="0" u="none" strike="noStrike" kern="1200" cap="none" spc="0" normalizeH="0" baseline="0" noProof="0" dirty="0">
+                <a:ln>
+                  <a:noFill/>
+                </a:ln>
+                <a:gradFill>
+                  <a:gsLst>
+                    <a:gs pos="0">
+                      <a:srgbClr val="FFFFFF"/>
+                    </a:gs>
+                    <a:gs pos="100000">
+                      <a:srgbClr val="FFFFFF"/>
+                    </a:gs>
+                  </a:gsLst>
+                  <a:lin ang="5400000" scaled="0"/>
+                </a:gradFill>
+                <a:effectLst/>
+                <a:uLnTx/>
+                <a:uFillTx/>
+                <a:latin typeface="Segoe UI Semilight"/>
+                <a:ea typeface="Segoe UI" pitchFamily="34" charset="0"/>
+                <a:cs typeface="Segoe UI" pitchFamily="34" charset="0"/>
+              </a:rPr>
+              <a:t> </a:t>
+            </a:r>
+          </a:p>
+        </p:txBody>
+      </p:sp>
+      <p:sp>
+        <p:nvSpPr>
+          <p:cNvPr id="123" name="Rectangle 122"/>
+          <p:cNvSpPr/>
+          <p:nvPr/>
+        </p:nvSpPr>
+        <p:spPr bwMode="auto">
+          <a:xfrm>
+            <a:off x="9824403" y="2550077"/>
+            <a:ext cx="1761622" cy="132947"/>
+          </a:xfrm>
+          <a:prstGeom prst="rect">
+            <a:avLst/>
+          </a:prstGeom>
+          <a:solidFill>
+            <a:schemeClr val="tx2"/>
+          </a:solidFill>
+          <a:ln>
+            <a:noFill/>
+            <a:headEnd type="none" w="med" len="med"/>
+            <a:tailEnd type="none" w="med" len="med"/>
+          </a:ln>
+          <a:effectLst/>
+        </p:spPr>
+        <p:style>
+          <a:lnRef idx="1">
+            <a:schemeClr val="accent2"/>
+          </a:lnRef>
+          <a:fillRef idx="3">
+            <a:schemeClr val="accent2"/>
+          </a:fillRef>
+          <a:effectRef idx="2">
+            <a:schemeClr val="accent2"/>
+          </a:effectRef>
+          <a:fontRef idx="minor">
+            <a:schemeClr val="lt1"/>
+          </a:fontRef>
+        </p:style>
+        <p:txBody>
+          <a:bodyPr lIns="89630" tIns="89630" rIns="33615" bIns="33615" rtlCol="0" anchor="b" anchorCtr="0"/>
+          <a:lstStyle/>
+          <a:p>
+            <a:pPr marL="0" marR="0" lvl="0" indent="0" algn="ctr" defTabSz="913964" rtl="0" eaLnBrk="1" fontAlgn="auto" latinLnBrk="0" hangingPunct="1">
+              <a:lnSpc>
+                <a:spcPct val="100000"/>
+              </a:lnSpc>
+              <a:spcBef>
+                <a:spcPts val="0"/>
+              </a:spcBef>
+              <a:spcAft>
+                <a:spcPts val="0"/>
+              </a:spcAft>
+              <a:buClrTx/>
+              <a:buSzTx/>
+              <a:buFontTx/>
+              <a:buNone/>
+              <a:tabLst/>
+              <a:defRPr/>
+            </a:pPr>
+            <a:r>
+              <a:rPr kumimoji="0" lang="en-US" sz="784" b="0" i="0" u="none" strike="noStrike" kern="1200" cap="none" spc="0" normalizeH="0" baseline="0" noProof="0" dirty="0">
+                <a:ln>
+                  <a:noFill/>
+                </a:ln>
+                <a:gradFill>
+                  <a:gsLst>
+                    <a:gs pos="0">
+                      <a:srgbClr val="FFFFFF"/>
+                    </a:gs>
+                    <a:gs pos="100000">
+                      <a:srgbClr val="FFFFFF"/>
+                    </a:gs>
+                  </a:gsLst>
+                  <a:lin ang="5400000" scaled="0"/>
+                </a:gradFill>
+                <a:effectLst/>
+                <a:uLnTx/>
+                <a:uFillTx/>
+                <a:latin typeface="Segoe UI Semilight"/>
+                <a:ea typeface="Segoe UI" pitchFamily="34" charset="0"/>
+                <a:cs typeface="Segoe UI" pitchFamily="34" charset="0"/>
+              </a:rPr>
+              <a:t> </a:t>
+            </a:r>
+          </a:p>
+        </p:txBody>
+      </p:sp>
+      <p:sp>
+        <p:nvSpPr>
+          <p:cNvPr id="121" name="Rectangle 120"/>
+          <p:cNvSpPr/>
+          <p:nvPr/>
+        </p:nvSpPr>
+        <p:spPr bwMode="auto">
+          <a:xfrm>
+            <a:off x="8049095" y="2550077"/>
+            <a:ext cx="1754115" cy="132947"/>
+          </a:xfrm>
+          <a:prstGeom prst="rect">
+            <a:avLst/>
+          </a:prstGeom>
+          <a:solidFill>
+            <a:srgbClr val="018172"/>
+          </a:solidFill>
+          <a:ln>
+            <a:noFill/>
+            <a:headEnd type="none" w="med" len="med"/>
+            <a:tailEnd type="none" w="med" len="med"/>
+          </a:ln>
+          <a:effectLst/>
+        </p:spPr>
+        <p:style>
+          <a:lnRef idx="1">
+            <a:schemeClr val="accent2"/>
+          </a:lnRef>
+          <a:fillRef idx="3">
+            <a:schemeClr val="accent2"/>
+          </a:fillRef>
+          <a:effectRef idx="2">
+            <a:schemeClr val="accent2"/>
+          </a:effectRef>
+          <a:fontRef idx="minor">
+            <a:schemeClr val="lt1"/>
+          </a:fontRef>
+        </p:style>
+        <p:txBody>
+          <a:bodyPr lIns="89630" tIns="89630" rIns="33615" bIns="33615" rtlCol="0" anchor="b" anchorCtr="0"/>
+          <a:lstStyle/>
+          <a:p>
+            <a:pPr marL="0" marR="0" lvl="0" indent="0" algn="ctr" defTabSz="913964" rtl="0" eaLnBrk="1" fontAlgn="auto" latinLnBrk="0" hangingPunct="1">
+              <a:lnSpc>
+                <a:spcPct val="100000"/>
+              </a:lnSpc>
+              <a:spcBef>
+                <a:spcPts val="0"/>
+              </a:spcBef>
+              <a:spcAft>
+                <a:spcPts val="0"/>
+              </a:spcAft>
+              <a:buClrTx/>
+              <a:buSzTx/>
+              <a:buFontTx/>
+              <a:buNone/>
+              <a:tabLst/>
+              <a:defRPr/>
+            </a:pPr>
+            <a:r>
+              <a:rPr kumimoji="0" lang="en-US" sz="784" b="0" i="0" u="none" strike="noStrike" kern="1200" cap="none" spc="0" normalizeH="0" baseline="0" noProof="0" dirty="0">
+                <a:ln>
+                  <a:noFill/>
+                </a:ln>
+                <a:gradFill>
+                  <a:gsLst>
+                    <a:gs pos="0">
+                      <a:srgbClr val="FFFFFF"/>
+                    </a:gs>
+                    <a:gs pos="100000">
+                      <a:srgbClr val="FFFFFF"/>
+                    </a:gs>
+                  </a:gsLst>
+                  <a:lin ang="5400000" scaled="0"/>
+                </a:gradFill>
+                <a:effectLst/>
+                <a:uLnTx/>
+                <a:uFillTx/>
+                <a:latin typeface="Segoe UI Semilight"/>
+                <a:ea typeface="Segoe UI" pitchFamily="34" charset="0"/>
+                <a:cs typeface="Segoe UI" pitchFamily="34" charset="0"/>
+              </a:rPr>
+              <a:t> </a:t>
+            </a:r>
+          </a:p>
+        </p:txBody>
+      </p:sp>
+      <p:sp>
+        <p:nvSpPr>
+          <p:cNvPr id="119" name="Rectangle 118"/>
+          <p:cNvSpPr/>
+          <p:nvPr/>
+        </p:nvSpPr>
+        <p:spPr bwMode="auto">
+          <a:xfrm>
+            <a:off x="6264888" y="3248713"/>
+            <a:ext cx="5321137" cy="1418362"/>
+          </a:xfrm>
+          <a:prstGeom prst="rect">
+            <a:avLst/>
+          </a:prstGeom>
+          <a:solidFill>
+            <a:srgbClr val="737373"/>
+          </a:solidFill>
+          <a:ln>
+            <a:noFill/>
+            <a:headEnd type="none" w="med" len="med"/>
+            <a:tailEnd type="none" w="med" len="med"/>
+          </a:ln>
+          <a:effectLst/>
+        </p:spPr>
+        <p:style>
+          <a:lnRef idx="1">
+            <a:schemeClr val="accent2"/>
+          </a:lnRef>
+          <a:fillRef idx="3">
+            <a:schemeClr val="accent2"/>
+          </a:fillRef>
+          <a:effectRef idx="2">
+            <a:schemeClr val="accent2"/>
+          </a:effectRef>
+          <a:fontRef idx="minor">
+            <a:schemeClr val="lt1"/>
+          </a:fontRef>
+        </p:style>
+        <p:txBody>
+          <a:bodyPr lIns="89630" tIns="89630" rIns="33615" bIns="33615" rtlCol="0" anchor="b" anchorCtr="0"/>
+          <a:lstStyle/>
+          <a:p>
+            <a:pPr marL="0" marR="0" lvl="0" indent="0" algn="ctr" defTabSz="913964" rtl="0" eaLnBrk="1" fontAlgn="auto" latinLnBrk="0" hangingPunct="1">
+              <a:lnSpc>
+                <a:spcPct val="100000"/>
+              </a:lnSpc>
+              <a:spcBef>
+                <a:spcPts val="0"/>
+              </a:spcBef>
+              <a:spcAft>
+                <a:spcPts val="0"/>
+              </a:spcAft>
+              <a:buClrTx/>
+              <a:buSzTx/>
+              <a:buFontTx/>
+              <a:buNone/>
+              <a:tabLst/>
+              <a:defRPr/>
+            </a:pPr>
+            <a:r>
+              <a:rPr kumimoji="0" lang="en-US" sz="784" b="0" i="0" u="none" strike="noStrike" kern="1200" cap="none" spc="0" normalizeH="0" baseline="0" noProof="0" dirty="0">
+                <a:ln>
+                  <a:noFill/>
+                </a:ln>
+                <a:gradFill>
+                  <a:gsLst>
+                    <a:gs pos="0">
+                      <a:srgbClr val="FFFFFF"/>
+                    </a:gs>
+                    <a:gs pos="100000">
+                      <a:srgbClr val="FFFFFF"/>
+                    </a:gs>
+                  </a:gsLst>
+                  <a:lin ang="5400000" scaled="0"/>
+                </a:gradFill>
+                <a:effectLst/>
+                <a:uLnTx/>
+                <a:uFillTx/>
+                <a:latin typeface="Segoe UI Semilight"/>
+                <a:ea typeface="Segoe UI" pitchFamily="34" charset="0"/>
+                <a:cs typeface="Segoe UI" pitchFamily="34" charset="0"/>
+              </a:rPr>
+              <a:t> </a:t>
+            </a:r>
+          </a:p>
+        </p:txBody>
+      </p:sp>
+      <p:sp>
+        <p:nvSpPr>
+          <p:cNvPr id="120" name="TextBox 119"/>
+          <p:cNvSpPr txBox="1"/>
+          <p:nvPr/>
+        </p:nvSpPr>
+        <p:spPr>
+          <a:xfrm>
+            <a:off x="6245378" y="3537543"/>
+            <a:ext cx="5364237" cy="797396"/>
+          </a:xfrm>
+          <a:prstGeom prst="rect">
+            <a:avLst/>
+          </a:prstGeom>
+          <a:noFill/>
+        </p:spPr>
+        <p:txBody>
+          <a:bodyPr wrap="square" lIns="179260" tIns="143407" rIns="179260" bIns="143407" rtlCol="0">
+            <a:spAutoFit/>
+          </a:bodyPr>
+          <a:lstStyle/>
+          <a:p>
+            <a:pPr marL="0" marR="0" lvl="0" indent="0" algn="ctr" defTabSz="914028" rtl="0" eaLnBrk="1" fontAlgn="auto" latinLnBrk="0" hangingPunct="1">
+              <a:lnSpc>
+                <a:spcPct val="100000"/>
+              </a:lnSpc>
+              <a:spcBef>
+                <a:spcPts val="0"/>
+              </a:spcBef>
+              <a:spcAft>
+                <a:spcPts val="0"/>
+              </a:spcAft>
+              <a:buClrTx/>
+              <a:buSzTx/>
+              <a:buFontTx/>
+              <a:buNone/>
+              <a:tabLst/>
+              <a:defRPr/>
+            </a:pPr>
+            <a:r>
+              <a:rPr kumimoji="0" lang="en-US" sz="3300" b="0" i="0" u="none" strike="noStrike" kern="1200" cap="none" spc="0" normalizeH="0" baseline="0" noProof="0" dirty="0">
+                <a:ln>
+                  <a:noFill/>
+                </a:ln>
+                <a:gradFill>
+                  <a:gsLst>
+                    <a:gs pos="1250">
+                      <a:srgbClr val="FFFFFF"/>
+                    </a:gs>
+                    <a:gs pos="100000">
+                      <a:srgbClr val="FFFFFF"/>
+                    </a:gs>
+                  </a:gsLst>
+                  <a:lin ang="5400000" scaled="0"/>
+                </a:gradFill>
+                <a:effectLst/>
+                <a:uLnTx/>
+                <a:uFillTx/>
+                <a:latin typeface="Segoe UI Semibold" panose="020B0702040204020203" pitchFamily="34" charset="0"/>
+                <a:ea typeface="+mn-ea"/>
+                <a:cs typeface="+mn-cs"/>
+              </a:rPr>
+              <a:t>Shared C# Logic</a:t>
+            </a:r>
+          </a:p>
+        </p:txBody>
+      </p:sp>
+      <p:sp>
+        <p:nvSpPr>
+          <p:cNvPr id="117" name="Oval 116"/>
+          <p:cNvSpPr/>
+          <p:nvPr/>
+        </p:nvSpPr>
+        <p:spPr bwMode="auto">
+          <a:xfrm>
+            <a:off x="6817872" y="1741693"/>
+            <a:ext cx="654953" cy="654953"/>
+          </a:xfrm>
+          <a:prstGeom prst="ellipse">
+            <a:avLst/>
+          </a:prstGeom>
+          <a:solidFill>
+            <a:srgbClr val="693F9A"/>
+          </a:solidFill>
+          <a:ln>
+            <a:noFill/>
+            <a:headEnd type="none" w="med" len="med"/>
+            <a:tailEnd type="none" w="med" len="med"/>
+          </a:ln>
+          <a:effectLst/>
+        </p:spPr>
+        <p:style>
+          <a:lnRef idx="1">
+            <a:schemeClr val="accent2"/>
+          </a:lnRef>
+          <a:fillRef idx="3">
+            <a:schemeClr val="accent2"/>
+          </a:fillRef>
+          <a:effectRef idx="2">
+            <a:schemeClr val="accent2"/>
+          </a:effectRef>
+          <a:fontRef idx="minor">
+            <a:schemeClr val="lt1"/>
+          </a:fontRef>
+        </p:style>
+        <p:txBody>
+          <a:bodyPr lIns="89630" tIns="89630" rIns="33615" bIns="33615" rtlCol="0" anchor="b" anchorCtr="0"/>
+          <a:lstStyle/>
+          <a:p>
+            <a:pPr marL="0" marR="0" lvl="0" indent="0" algn="ctr" defTabSz="913964" rtl="0" eaLnBrk="1" fontAlgn="auto" latinLnBrk="0" hangingPunct="1">
+              <a:lnSpc>
+                <a:spcPct val="100000"/>
+              </a:lnSpc>
+              <a:spcBef>
+                <a:spcPts val="0"/>
+              </a:spcBef>
+              <a:spcAft>
+                <a:spcPts val="0"/>
+              </a:spcAft>
+              <a:buClrTx/>
+              <a:buSzTx/>
+              <a:buFontTx/>
+              <a:buNone/>
+              <a:tabLst/>
+              <a:defRPr/>
+            </a:pPr>
+            <a:endParaRPr kumimoji="0" lang="en-US" sz="784" b="0" i="0" u="none" strike="noStrike" kern="1200" cap="none" spc="0" normalizeH="0" baseline="0" noProof="0" dirty="0">
+              <a:ln>
+                <a:noFill/>
+              </a:ln>
+              <a:gradFill>
+                <a:gsLst>
+                  <a:gs pos="0">
+                    <a:srgbClr val="FFFFFF"/>
+                  </a:gs>
+                  <a:gs pos="100000">
+                    <a:srgbClr val="FFFFFF"/>
+                  </a:gs>
+                </a:gsLst>
+                <a:lin ang="5400000" scaled="0"/>
+              </a:gradFill>
+              <a:effectLst/>
+              <a:uLnTx/>
+              <a:uFillTx/>
+              <a:latin typeface="Segoe UI Semilight"/>
+              <a:ea typeface="Segoe UI" pitchFamily="34" charset="0"/>
+              <a:cs typeface="Segoe UI" pitchFamily="34" charset="0"/>
+            </a:endParaRPr>
+          </a:p>
+        </p:txBody>
+      </p:sp>
+      <p:sp>
+        <p:nvSpPr>
+          <p:cNvPr id="115" name="Oval 114"/>
+          <p:cNvSpPr/>
+          <p:nvPr/>
+        </p:nvSpPr>
+        <p:spPr bwMode="auto">
+          <a:xfrm>
+            <a:off x="8605866" y="1739240"/>
+            <a:ext cx="654953" cy="654953"/>
+          </a:xfrm>
+          <a:prstGeom prst="ellipse">
+            <a:avLst/>
+          </a:prstGeom>
+          <a:solidFill>
+            <a:srgbClr val="018172"/>
+          </a:solidFill>
+          <a:ln>
+            <a:noFill/>
+            <a:headEnd type="none" w="med" len="med"/>
+            <a:tailEnd type="none" w="med" len="med"/>
+          </a:ln>
+          <a:effectLst/>
+        </p:spPr>
+        <p:style>
+          <a:lnRef idx="1">
+            <a:schemeClr val="accent2"/>
+          </a:lnRef>
+          <a:fillRef idx="3">
+            <a:schemeClr val="accent2"/>
+          </a:fillRef>
+          <a:effectRef idx="2">
+            <a:schemeClr val="accent2"/>
+          </a:effectRef>
+          <a:fontRef idx="minor">
+            <a:schemeClr val="lt1"/>
+          </a:fontRef>
+        </p:style>
+        <p:txBody>
+          <a:bodyPr lIns="89630" tIns="89630" rIns="33615" bIns="33615" rtlCol="0" anchor="b" anchorCtr="0"/>
+          <a:lstStyle/>
+          <a:p>
+            <a:pPr marL="0" marR="0" lvl="0" indent="0" algn="ctr" defTabSz="913964" rtl="0" eaLnBrk="1" fontAlgn="auto" latinLnBrk="0" hangingPunct="1">
+              <a:lnSpc>
+                <a:spcPct val="100000"/>
+              </a:lnSpc>
+              <a:spcBef>
+                <a:spcPts val="0"/>
+              </a:spcBef>
+              <a:spcAft>
+                <a:spcPts val="0"/>
+              </a:spcAft>
+              <a:buClrTx/>
+              <a:buSzTx/>
+              <a:buFontTx/>
+              <a:buNone/>
+              <a:tabLst/>
+              <a:defRPr/>
+            </a:pPr>
+            <a:endParaRPr kumimoji="0" lang="en-US" sz="784" b="0" i="0" u="none" strike="noStrike" kern="1200" cap="none" spc="0" normalizeH="0" baseline="0" noProof="0" dirty="0">
+              <a:ln>
+                <a:noFill/>
+              </a:ln>
+              <a:gradFill>
+                <a:gsLst>
+                  <a:gs pos="0">
+                    <a:srgbClr val="FFFFFF"/>
+                  </a:gs>
+                  <a:gs pos="100000">
+                    <a:srgbClr val="FFFFFF"/>
+                  </a:gs>
+                </a:gsLst>
+                <a:lin ang="5400000" scaled="0"/>
+              </a:gradFill>
+              <a:effectLst/>
+              <a:uLnTx/>
+              <a:uFillTx/>
+              <a:latin typeface="Segoe UI Semilight"/>
+              <a:ea typeface="Segoe UI" pitchFamily="34" charset="0"/>
+              <a:cs typeface="Segoe UI" pitchFamily="34" charset="0"/>
+            </a:endParaRPr>
+          </a:p>
+        </p:txBody>
+      </p:sp>
+      <p:pic>
+        <p:nvPicPr>
+          <p:cNvPr id="116" name="Picture 115"/>
+          <p:cNvPicPr>
+            <a:picLocks noChangeAspect="1"/>
+          </p:cNvPicPr>
+          <p:nvPr/>
+        </p:nvPicPr>
+        <p:blipFill>
+          <a:blip r:embed="rId3"/>
+          <a:stretch>
+            <a:fillRect/>
+          </a:stretch>
+        </p:blipFill>
+        <p:spPr>
+          <a:xfrm>
+            <a:off x="8793141" y="1892034"/>
+            <a:ext cx="280402" cy="337273"/>
+          </a:xfrm>
+          <a:prstGeom prst="rect">
+            <a:avLst/>
+          </a:prstGeom>
+          <a:solidFill>
+            <a:srgbClr val="018172"/>
+          </a:solidFill>
+        </p:spPr>
+      </p:pic>
+      <p:sp>
+        <p:nvSpPr>
+          <p:cNvPr id="113" name="Oval 112"/>
+          <p:cNvSpPr/>
+          <p:nvPr/>
+        </p:nvSpPr>
+        <p:spPr bwMode="auto">
+          <a:xfrm>
+            <a:off x="10388682" y="1749596"/>
+            <a:ext cx="654953" cy="654953"/>
+          </a:xfrm>
+          <a:prstGeom prst="ellipse">
+            <a:avLst/>
+          </a:prstGeom>
+          <a:solidFill>
+            <a:schemeClr val="tx2"/>
+          </a:solidFill>
+          <a:ln>
+            <a:noFill/>
+            <a:headEnd type="none" w="med" len="med"/>
+            <a:tailEnd type="none" w="med" len="med"/>
+          </a:ln>
+          <a:effectLst/>
+        </p:spPr>
+        <p:style>
+          <a:lnRef idx="1">
+            <a:schemeClr val="accent2"/>
+          </a:lnRef>
+          <a:fillRef idx="3">
+            <a:schemeClr val="accent2"/>
+          </a:fillRef>
+          <a:effectRef idx="2">
+            <a:schemeClr val="accent2"/>
+          </a:effectRef>
+          <a:fontRef idx="minor">
+            <a:schemeClr val="lt1"/>
+          </a:fontRef>
+        </p:style>
+        <p:txBody>
+          <a:bodyPr lIns="89630" tIns="89630" rIns="33615" bIns="33615" rtlCol="0" anchor="b" anchorCtr="0"/>
+          <a:lstStyle/>
+          <a:p>
+            <a:pPr marL="0" marR="0" lvl="0" indent="0" algn="ctr" defTabSz="913964" rtl="0" eaLnBrk="1" fontAlgn="auto" latinLnBrk="0" hangingPunct="1">
+              <a:lnSpc>
+                <a:spcPct val="100000"/>
+              </a:lnSpc>
+              <a:spcBef>
+                <a:spcPts val="0"/>
+              </a:spcBef>
+              <a:spcAft>
+                <a:spcPts val="0"/>
+              </a:spcAft>
+              <a:buClrTx/>
+              <a:buSzTx/>
+              <a:buFontTx/>
+              <a:buNone/>
+              <a:tabLst/>
+              <a:defRPr/>
+            </a:pPr>
+            <a:endParaRPr kumimoji="0" lang="en-US" sz="784" b="0" i="0" u="none" strike="noStrike" kern="1200" cap="none" spc="0" normalizeH="0" baseline="0" noProof="0" dirty="0">
+              <a:ln>
+                <a:noFill/>
+              </a:ln>
+              <a:gradFill>
+                <a:gsLst>
+                  <a:gs pos="0">
+                    <a:srgbClr val="FFFFFF"/>
+                  </a:gs>
+                  <a:gs pos="100000">
+                    <a:srgbClr val="FFFFFF"/>
+                  </a:gs>
+                </a:gsLst>
+                <a:lin ang="5400000" scaled="0"/>
+              </a:gradFill>
+              <a:effectLst/>
+              <a:uLnTx/>
+              <a:uFillTx/>
+              <a:latin typeface="Segoe UI Semilight"/>
+              <a:ea typeface="Segoe UI" pitchFamily="34" charset="0"/>
+              <a:cs typeface="Segoe UI" pitchFamily="34" charset="0"/>
+            </a:endParaRPr>
+          </a:p>
+        </p:txBody>
+      </p:sp>
+      <p:pic>
+        <p:nvPicPr>
+          <p:cNvPr id="114" name="Picture 113"/>
+          <p:cNvPicPr>
+            <a:picLocks noChangeAspect="1"/>
+          </p:cNvPicPr>
+          <p:nvPr/>
+        </p:nvPicPr>
+        <p:blipFill>
+          <a:blip r:embed="rId4"/>
+          <a:stretch>
+            <a:fillRect/>
+          </a:stretch>
+        </p:blipFill>
+        <p:spPr>
+          <a:xfrm>
+            <a:off x="10570481" y="1942609"/>
+            <a:ext cx="273668" cy="273588"/>
+          </a:xfrm>
+          <a:prstGeom prst="rect">
+            <a:avLst/>
+          </a:prstGeom>
+          <a:solidFill>
+            <a:schemeClr val="tx2"/>
+          </a:solidFill>
+        </p:spPr>
+      </p:pic>
+      <p:sp>
+        <p:nvSpPr>
+          <p:cNvPr id="12" name="Rectangle 11"/>
           <p:cNvSpPr/>
           <p:nvPr/>
         </p:nvSpPr>
         <p:spPr>
           <a:xfrm>
-            <a:off x="5818909" y="3834938"/>
-            <a:ext cx="4784470" cy="437804"/>
+            <a:off x="6264888" y="2716301"/>
+            <a:ext cx="5321137" cy="504841"/>
           </a:xfrm>
           <a:prstGeom prst="rect">
             <a:avLst/>
           </a:prstGeom>
-          <a:noFill/>
-          <a:ln w="38100">
-            <a:solidFill>
-              <a:srgbClr val="FF0000"/>
-            </a:solidFill>
+          <a:solidFill>
+            <a:schemeClr val="tx2">
+              <a:lumMod val="60000"/>
+              <a:lumOff val="40000"/>
+            </a:schemeClr>
+          </a:solidFill>
+          <a:ln>
+            <a:noFill/>
           </a:ln>
         </p:spPr>
         <p:style>
@@ -33487,257 +35507,325 @@
           <a:bodyPr rtlCol="0" anchor="ctr"/>
           <a:lstStyle/>
           <a:p>
-            <a:pPr algn="ctr"/>
-            <a:endParaRPr lang="ko-KR" altLang="en-US" dirty="0"/>
+            <a:pPr marL="0" marR="0" lvl="0" indent="0" algn="ctr" defTabSz="914028" rtl="0" eaLnBrk="1" fontAlgn="auto" latinLnBrk="0" hangingPunct="1">
+              <a:lnSpc>
+                <a:spcPct val="100000"/>
+              </a:lnSpc>
+              <a:spcBef>
+                <a:spcPts val="0"/>
+              </a:spcBef>
+              <a:spcAft>
+                <a:spcPts val="0"/>
+              </a:spcAft>
+              <a:buClrTx/>
+              <a:buSzTx/>
+              <a:buFontTx/>
+              <a:buNone/>
+              <a:tabLst/>
+              <a:defRPr/>
+            </a:pPr>
+            <a:r>
+              <a:rPr kumimoji="0" lang="en-US" sz="2200" b="0" i="0" u="none" strike="noStrike" kern="1200" cap="none" spc="0" normalizeH="0" baseline="0" noProof="0" dirty="0" err="1">
+                <a:ln>
+                  <a:noFill/>
+                </a:ln>
+                <a:gradFill>
+                  <a:gsLst>
+                    <a:gs pos="1250">
+                      <a:srgbClr val="FFFFFF"/>
+                    </a:gs>
+                    <a:gs pos="100000">
+                      <a:srgbClr val="FFFFFF"/>
+                    </a:gs>
+                  </a:gsLst>
+                  <a:lin ang="5400000" scaled="0"/>
+                </a:gradFill>
+                <a:effectLst/>
+                <a:uLnTx/>
+                <a:uFillTx/>
+                <a:latin typeface="Segoe UI Semibold" panose="020B0702040204020203" pitchFamily="34" charset="0"/>
+                <a:ea typeface="+mn-ea"/>
+                <a:cs typeface="+mn-cs"/>
+              </a:rPr>
+              <a:t>Xamarin.Forms</a:t>
+            </a:r>
+            <a:endParaRPr kumimoji="0" lang="en-US" sz="2200" b="0" i="0" u="none" strike="noStrike" kern="1200" cap="none" spc="0" normalizeH="0" baseline="0" noProof="0" dirty="0">
+              <a:ln>
+                <a:noFill/>
+              </a:ln>
+              <a:gradFill>
+                <a:gsLst>
+                  <a:gs pos="1250">
+                    <a:srgbClr val="FFFFFF"/>
+                  </a:gs>
+                  <a:gs pos="100000">
+                    <a:srgbClr val="FFFFFF"/>
+                  </a:gs>
+                </a:gsLst>
+                <a:lin ang="5400000" scaled="0"/>
+              </a:gradFill>
+              <a:effectLst/>
+              <a:uLnTx/>
+              <a:uFillTx/>
+              <a:latin typeface="Segoe UI Semibold" panose="020B0702040204020203" pitchFamily="34" charset="0"/>
+              <a:ea typeface="+mn-ea"/>
+              <a:cs typeface="+mn-cs"/>
+            </a:endParaRPr>
           </a:p>
         </p:txBody>
       </p:sp>
       <p:sp>
         <p:nvSpPr>
-          <p:cNvPr id="9" name="Thought Bubble: Cloud 8">
+          <p:cNvPr id="34" name="Title 16">
             <a:extLst>
               <a:ext uri="{FF2B5EF4-FFF2-40B4-BE49-F238E27FC236}">
-                <a16:creationId xmlns:a16="http://schemas.microsoft.com/office/drawing/2014/main" id="{0F45F442-8158-408C-B112-DFDE7E4D4B03}"/>
+                <a16:creationId xmlns:a16="http://schemas.microsoft.com/office/drawing/2014/main" id="{36747035-A2A4-4CC6-A0E3-7ECAFE073B34}"/>
               </a:ext>
             </a:extLst>
           </p:cNvPr>
-          <p:cNvSpPr/>
-          <p:nvPr/>
+          <p:cNvSpPr>
+            <a:spLocks noGrp="1"/>
+          </p:cNvSpPr>
+          <p:nvPr>
+            <p:ph type="title"/>
+          </p:nvPr>
         </p:nvSpPr>
         <p:spPr>
           <a:xfrm>
-            <a:off x="8616057" y="2413594"/>
-            <a:ext cx="2413412" cy="1264521"/>
+            <a:off x="269241" y="289957"/>
+            <a:ext cx="11655840" cy="899537"/>
           </a:xfrm>
-          <a:prstGeom prst="cloudCallout">
-            <a:avLst/>
-          </a:prstGeom>
         </p:spPr>
-        <p:style>
-          <a:lnRef idx="3">
-            <a:schemeClr val="lt1"/>
-          </a:lnRef>
-          <a:fillRef idx="1">
-            <a:schemeClr val="accent6"/>
-          </a:fillRef>
-          <a:effectRef idx="1">
-            <a:schemeClr val="accent6"/>
-          </a:effectRef>
-          <a:fontRef idx="minor">
-            <a:schemeClr val="lt1"/>
-          </a:fontRef>
-        </p:style>
         <p:txBody>
-          <a:bodyPr rtlCol="0" anchor="ctr"/>
+          <a:bodyPr/>
           <a:lstStyle/>
           <a:p>
-            <a:pPr algn="ctr"/>
             <a:r>
-              <a:rPr lang="ko-KR" altLang="en-US" dirty="0"/>
-              <a:t>공유할 수 있는게 더 많아졌군</a:t>
+              <a:rPr lang="en-US" dirty="0">
+                <a:latin typeface="청소년서체" panose="02020603020101020101" pitchFamily="18" charset="-127"/>
+                <a:ea typeface="청소년서체" panose="02020603020101020101" pitchFamily="18" charset="-127"/>
+              </a:rPr>
+              <a:t>Xamarin </a:t>
             </a:r>
             <a:r>
-              <a:rPr lang="en-US" altLang="ko-KR" dirty="0"/>
-              <a:t>!</a:t>
+              <a:rPr lang="ko-KR" altLang="en-US" dirty="0">
+                <a:latin typeface="청소년서체" panose="02020603020101020101" pitchFamily="18" charset="-127"/>
+                <a:ea typeface="청소년서체" panose="02020603020101020101" pitchFamily="18" charset="-127"/>
+              </a:rPr>
+              <a:t>개발 방법 </a:t>
             </a:r>
-            <a:endParaRPr lang="ko-KR" altLang="en-US" dirty="0"/>
+            <a:endParaRPr lang="en-US" dirty="0">
+              <a:latin typeface="청소년서체" panose="02020603020101020101" pitchFamily="18" charset="-127"/>
+              <a:ea typeface="청소년서체" panose="02020603020101020101" pitchFamily="18" charset="-127"/>
+            </a:endParaRPr>
           </a:p>
         </p:txBody>
       </p:sp>
+      <p:pic>
+        <p:nvPicPr>
+          <p:cNvPr id="35" name="Picture 6" descr="http://www.clker.com/cliparts/0/9/R/7/v/Y/white-apple-logo-on-black-background-md.png">
+            <a:extLst>
+              <a:ext uri="{FF2B5EF4-FFF2-40B4-BE49-F238E27FC236}">
+                <a16:creationId xmlns:a16="http://schemas.microsoft.com/office/drawing/2014/main" id="{161D0976-77E4-4580-B47E-FADBC9D97874}"/>
+              </a:ext>
+            </a:extLst>
+          </p:cNvPr>
+          <p:cNvPicPr>
+            <a:picLocks noChangeAspect="1" noChangeArrowheads="1"/>
+          </p:cNvPicPr>
+          <p:nvPr/>
+        </p:nvPicPr>
+        <p:blipFill>
+          <a:blip r:embed="rId5">
+            <a:extLst>
+              <a:ext uri="{28A0092B-C50C-407E-A947-70E740481C1C}">
+                <a14:useLocalDpi xmlns:a14="http://schemas.microsoft.com/office/drawing/2010/main" val="0"/>
+              </a:ext>
+            </a:extLst>
+          </a:blip>
+          <a:srcRect/>
+          <a:stretch>
+            <a:fillRect/>
+          </a:stretch>
+        </p:blipFill>
+        <p:spPr bwMode="auto">
+          <a:xfrm>
+            <a:off x="1283705" y="1840578"/>
+            <a:ext cx="316024" cy="387552"/>
+          </a:xfrm>
+          <a:prstGeom prst="rect">
+            <a:avLst/>
+          </a:prstGeom>
+          <a:noFill/>
+          <a:extLst>
+            <a:ext uri="{909E8E84-426E-40DD-AFC4-6F175D3DCCD1}">
+              <a14:hiddenFill xmlns:a14="http://schemas.microsoft.com/office/drawing/2010/main">
+                <a:solidFill>
+                  <a:srgbClr val="FFFFFF"/>
+                </a:solidFill>
+              </a14:hiddenFill>
+            </a:ext>
+          </a:extLst>
+        </p:spPr>
+      </p:pic>
+      <p:pic>
+        <p:nvPicPr>
+          <p:cNvPr id="36" name="Picture 6" descr="http://www.clker.com/cliparts/0/9/R/7/v/Y/white-apple-logo-on-black-background-md.png">
+            <a:extLst>
+              <a:ext uri="{FF2B5EF4-FFF2-40B4-BE49-F238E27FC236}">
+                <a16:creationId xmlns:a16="http://schemas.microsoft.com/office/drawing/2014/main" id="{F1E35616-7264-481B-8B22-BF195414F2C1}"/>
+              </a:ext>
+            </a:extLst>
+          </p:cNvPr>
+          <p:cNvPicPr>
+            <a:picLocks noChangeAspect="1" noChangeArrowheads="1"/>
+          </p:cNvPicPr>
+          <p:nvPr/>
+        </p:nvPicPr>
+        <p:blipFill>
+          <a:blip r:embed="rId5">
+            <a:extLst>
+              <a:ext uri="{28A0092B-C50C-407E-A947-70E740481C1C}">
+                <a14:useLocalDpi xmlns:a14="http://schemas.microsoft.com/office/drawing/2010/main" val="0"/>
+              </a:ext>
+            </a:extLst>
+          </a:blip>
+          <a:srcRect/>
+          <a:stretch>
+            <a:fillRect/>
+          </a:stretch>
+        </p:blipFill>
+        <p:spPr bwMode="auto">
+          <a:xfrm>
+            <a:off x="6985791" y="1838225"/>
+            <a:ext cx="316024" cy="387552"/>
+          </a:xfrm>
+          <a:prstGeom prst="rect">
+            <a:avLst/>
+          </a:prstGeom>
+          <a:noFill/>
+          <a:extLst>
+            <a:ext uri="{909E8E84-426E-40DD-AFC4-6F175D3DCCD1}">
+              <a14:hiddenFill xmlns:a14="http://schemas.microsoft.com/office/drawing/2010/main">
+                <a:solidFill>
+                  <a:srgbClr val="FFFFFF"/>
+                </a:solidFill>
+              </a14:hiddenFill>
+            </a:ext>
+          </a:extLst>
+        </p:spPr>
+      </p:pic>
     </p:spTree>
     <p:extLst>
       <p:ext uri="{BB962C8B-B14F-4D97-AF65-F5344CB8AC3E}">
-        <p14:creationId xmlns:p14="http://schemas.microsoft.com/office/powerpoint/2010/main" val="4003710561"/>
+        <p14:creationId xmlns:p14="http://schemas.microsoft.com/office/powerpoint/2010/main" val="734256540"/>
       </p:ext>
     </p:extLst>
   </p:cSld>
   <p:clrMapOvr>
     <a:masterClrMapping/>
   </p:clrMapOvr>
+  <p:transition>
+    <p:fade/>
+  </p:transition>
+  <p:timing>
+    <p:tnLst>
+      <p:par>
+        <p:cTn id="1" dur="indefinite" restart="never" nodeType="tmRoot">
+          <p:childTnLst>
+            <p:seq concurrent="1" nextAc="seek">
+              <p:cTn id="2" dur="indefinite" nodeType="mainSeq">
+                <p:childTnLst>
+                  <p:par>
+                    <p:cTn id="3" fill="hold">
+                      <p:stCondLst>
+                        <p:cond delay="indefinite"/>
+                      </p:stCondLst>
+                      <p:childTnLst>
+                        <p:par>
+                          <p:cTn id="4" fill="hold">
+                            <p:stCondLst>
+                              <p:cond delay="0"/>
+                            </p:stCondLst>
+                            <p:childTnLst>
+                              <p:par>
+                                <p:cTn id="5" presetID="10" presetClass="entr" presetSubtype="0" fill="hold" grpId="0" nodeType="clickEffect">
+                                  <p:stCondLst>
+                                    <p:cond delay="0"/>
+                                  </p:stCondLst>
+                                  <p:childTnLst>
+                                    <p:set>
+                                      <p:cBhvr>
+                                        <p:cTn id="6" dur="1" fill="hold">
+                                          <p:stCondLst>
+                                            <p:cond delay="0"/>
+                                          </p:stCondLst>
+                                        </p:cTn>
+                                        <p:tgtEl>
+                                          <p:spTgt spid="4">
+                                            <p:txEl>
+                                              <p:pRg st="0" end="0"/>
+                                            </p:txEl>
+                                          </p:spTgt>
+                                        </p:tgtEl>
+                                        <p:attrNameLst>
+                                          <p:attrName>style.visibility</p:attrName>
+                                        </p:attrNameLst>
+                                      </p:cBhvr>
+                                      <p:to>
+                                        <p:strVal val="visible"/>
+                                      </p:to>
+                                    </p:set>
+                                    <p:animEffect transition="in" filter="fade">
+                                      <p:cBhvr>
+                                        <p:cTn id="7" dur="500"/>
+                                        <p:tgtEl>
+                                          <p:spTgt spid="4">
+                                            <p:txEl>
+                                              <p:pRg st="0" end="0"/>
+                                            </p:txEl>
+                                          </p:spTgt>
+                                        </p:tgtEl>
+                                      </p:cBhvr>
+                                    </p:animEffect>
+                                  </p:childTnLst>
+                                </p:cTn>
+                              </p:par>
+                            </p:childTnLst>
+                          </p:cTn>
+                        </p:par>
+                      </p:childTnLst>
+                    </p:cTn>
+                  </p:par>
+                </p:childTnLst>
+              </p:cTn>
+              <p:prevCondLst>
+                <p:cond evt="onPrev" delay="0">
+                  <p:tgtEl>
+                    <p:sldTgt/>
+                  </p:tgtEl>
+                </p:cond>
+              </p:prevCondLst>
+              <p:nextCondLst>
+                <p:cond evt="onNext" delay="0">
+                  <p:tgtEl>
+                    <p:sldTgt/>
+                  </p:tgtEl>
+                </p:cond>
+              </p:nextCondLst>
+            </p:seq>
+          </p:childTnLst>
+        </p:cTn>
+      </p:par>
+    </p:tnLst>
+    <p:bldLst>
+      <p:bldP spid="4" grpId="0" build="p"/>
+    </p:bldLst>
+  </p:timing>
 </p:sld>
 </file>
 
 <file path=ppt/slides/slide20.xml><?xml version="1.0" encoding="utf-8"?>
-<p:sld xmlns:a="http://schemas.openxmlformats.org/drawingml/2006/main" xmlns:r="http://schemas.openxmlformats.org/officeDocument/2006/relationships" xmlns:p="http://schemas.openxmlformats.org/presentationml/2006/main">
-  <p:cSld>
-    <p:spTree>
-      <p:nvGrpSpPr>
-        <p:cNvPr id="1" name=""/>
-        <p:cNvGrpSpPr/>
-        <p:nvPr/>
-      </p:nvGrpSpPr>
-      <p:grpSpPr>
-        <a:xfrm>
-          <a:off x="0" y="0"/>
-          <a:ext cx="0" cy="0"/>
-          <a:chOff x="0" y="0"/>
-          <a:chExt cx="0" cy="0"/>
-        </a:xfrm>
-      </p:grpSpPr>
-      <p:pic>
-        <p:nvPicPr>
-          <p:cNvPr id="2" name="Picture 1">
-            <a:extLst>
-              <a:ext uri="{FF2B5EF4-FFF2-40B4-BE49-F238E27FC236}">
-                <a16:creationId xmlns:a16="http://schemas.microsoft.com/office/drawing/2014/main" id="{F5FBB7EE-62CD-4ADB-94BA-8E8253DDF277}"/>
-              </a:ext>
-            </a:extLst>
-          </p:cNvPr>
-          <p:cNvPicPr>
-            <a:picLocks noChangeAspect="1"/>
-          </p:cNvPicPr>
-          <p:nvPr/>
-        </p:nvPicPr>
-        <p:blipFill>
-          <a:blip r:embed="rId2"/>
-          <a:stretch>
-            <a:fillRect/>
-          </a:stretch>
-        </p:blipFill>
-        <p:spPr>
-          <a:xfrm>
-            <a:off x="56722" y="0"/>
-            <a:ext cx="12078556" cy="6858000"/>
-          </a:xfrm>
-          <a:prstGeom prst="rect">
-            <a:avLst/>
-          </a:prstGeom>
-        </p:spPr>
-      </p:pic>
-    </p:spTree>
-    <p:extLst>
-      <p:ext uri="{BB962C8B-B14F-4D97-AF65-F5344CB8AC3E}">
-        <p14:creationId xmlns:p14="http://schemas.microsoft.com/office/powerpoint/2010/main" val="3913535954"/>
-      </p:ext>
-    </p:extLst>
-  </p:cSld>
-  <p:clrMapOvr>
-    <a:masterClrMapping/>
-  </p:clrMapOvr>
-</p:sld>
-</file>
-
-<file path=ppt/slides/slide21.xml><?xml version="1.0" encoding="utf-8"?>
-<p:sld xmlns:a="http://schemas.openxmlformats.org/drawingml/2006/main" xmlns:r="http://schemas.openxmlformats.org/officeDocument/2006/relationships" xmlns:p="http://schemas.openxmlformats.org/presentationml/2006/main">
-  <p:cSld>
-    <p:spTree>
-      <p:nvGrpSpPr>
-        <p:cNvPr id="1" name=""/>
-        <p:cNvGrpSpPr/>
-        <p:nvPr/>
-      </p:nvGrpSpPr>
-      <p:grpSpPr>
-        <a:xfrm>
-          <a:off x="0" y="0"/>
-          <a:ext cx="0" cy="0"/>
-          <a:chOff x="0" y="0"/>
-          <a:chExt cx="0" cy="0"/>
-        </a:xfrm>
-      </p:grpSpPr>
-      <p:pic>
-        <p:nvPicPr>
-          <p:cNvPr id="2" name="Picture 1">
-            <a:extLst>
-              <a:ext uri="{FF2B5EF4-FFF2-40B4-BE49-F238E27FC236}">
-                <a16:creationId xmlns:a16="http://schemas.microsoft.com/office/drawing/2014/main" id="{924B91F1-33DF-4E77-B0A0-D3B9CDF529CD}"/>
-              </a:ext>
-            </a:extLst>
-          </p:cNvPr>
-          <p:cNvPicPr>
-            <a:picLocks noChangeAspect="1"/>
-          </p:cNvPicPr>
-          <p:nvPr/>
-        </p:nvPicPr>
-        <p:blipFill>
-          <a:blip r:embed="rId2"/>
-          <a:stretch>
-            <a:fillRect/>
-          </a:stretch>
-        </p:blipFill>
-        <p:spPr>
-          <a:xfrm>
-            <a:off x="31276" y="0"/>
-            <a:ext cx="12129448" cy="6858000"/>
-          </a:xfrm>
-          <a:prstGeom prst="rect">
-            <a:avLst/>
-          </a:prstGeom>
-        </p:spPr>
-      </p:pic>
-    </p:spTree>
-    <p:extLst>
-      <p:ext uri="{BB962C8B-B14F-4D97-AF65-F5344CB8AC3E}">
-        <p14:creationId xmlns:p14="http://schemas.microsoft.com/office/powerpoint/2010/main" val="3131249853"/>
-      </p:ext>
-    </p:extLst>
-  </p:cSld>
-  <p:clrMapOvr>
-    <a:masterClrMapping/>
-  </p:clrMapOvr>
-</p:sld>
-</file>
-
-<file path=ppt/slides/slide22.xml><?xml version="1.0" encoding="utf-8"?>
-<p:sld xmlns:a="http://schemas.openxmlformats.org/drawingml/2006/main" xmlns:r="http://schemas.openxmlformats.org/officeDocument/2006/relationships" xmlns:p="http://schemas.openxmlformats.org/presentationml/2006/main">
-  <p:cSld>
-    <p:spTree>
-      <p:nvGrpSpPr>
-        <p:cNvPr id="1" name=""/>
-        <p:cNvGrpSpPr/>
-        <p:nvPr/>
-      </p:nvGrpSpPr>
-      <p:grpSpPr>
-        <a:xfrm>
-          <a:off x="0" y="0"/>
-          <a:ext cx="0" cy="0"/>
-          <a:chOff x="0" y="0"/>
-          <a:chExt cx="0" cy="0"/>
-        </a:xfrm>
-      </p:grpSpPr>
-      <p:pic>
-        <p:nvPicPr>
-          <p:cNvPr id="2" name="Picture 1">
-            <a:extLst>
-              <a:ext uri="{FF2B5EF4-FFF2-40B4-BE49-F238E27FC236}">
-                <a16:creationId xmlns:a16="http://schemas.microsoft.com/office/drawing/2014/main" id="{44B3AF2E-7697-440F-A43E-E28C804D01D8}"/>
-              </a:ext>
-            </a:extLst>
-          </p:cNvPr>
-          <p:cNvPicPr>
-            <a:picLocks noChangeAspect="1"/>
-          </p:cNvPicPr>
-          <p:nvPr/>
-        </p:nvPicPr>
-        <p:blipFill>
-          <a:blip r:embed="rId2"/>
-          <a:stretch>
-            <a:fillRect/>
-          </a:stretch>
-        </p:blipFill>
-        <p:spPr>
-          <a:xfrm>
-            <a:off x="0" y="52804"/>
-            <a:ext cx="12192000" cy="6752392"/>
-          </a:xfrm>
-          <a:prstGeom prst="rect">
-            <a:avLst/>
-          </a:prstGeom>
-        </p:spPr>
-      </p:pic>
-    </p:spTree>
-    <p:extLst>
-      <p:ext uri="{BB962C8B-B14F-4D97-AF65-F5344CB8AC3E}">
-        <p14:creationId xmlns:p14="http://schemas.microsoft.com/office/powerpoint/2010/main" val="2918492311"/>
-      </p:ext>
-    </p:extLst>
-  </p:cSld>
-  <p:clrMapOvr>
-    <a:masterClrMapping/>
-  </p:clrMapOvr>
-</p:sld>
-</file>
-
-<file path=ppt/slides/slide23.xml><?xml version="1.0" encoding="utf-8"?>
 <p:sld xmlns:a="http://schemas.openxmlformats.org/drawingml/2006/main" xmlns:r="http://schemas.openxmlformats.org/officeDocument/2006/relationships" xmlns:p="http://schemas.openxmlformats.org/presentationml/2006/main">
   <p:cSld>
     <p:spTree>
@@ -33905,7 +35993,7 @@
 </p:sld>
 </file>
 
-<file path=ppt/slides/slide24.xml><?xml version="1.0" encoding="utf-8"?>
+<file path=ppt/slides/slide21.xml><?xml version="1.0" encoding="utf-8"?>
 <p:sld xmlns:a="http://schemas.openxmlformats.org/drawingml/2006/main" xmlns:r="http://schemas.openxmlformats.org/officeDocument/2006/relationships" xmlns:p="http://schemas.openxmlformats.org/presentationml/2006/main">
   <p:cSld>
     <p:spTree>
@@ -34259,7 +36347,7 @@
 </p:sld>
 </file>
 
-<file path=ppt/slides/slide25.xml><?xml version="1.0" encoding="utf-8"?>
+<file path=ppt/slides/slide22.xml><?xml version="1.0" encoding="utf-8"?>
 <p:sld xmlns:a="http://schemas.openxmlformats.org/drawingml/2006/main" xmlns:r="http://schemas.openxmlformats.org/officeDocument/2006/relationships" xmlns:p="http://schemas.openxmlformats.org/presentationml/2006/main">
   <p:cSld>
     <p:spTree>
@@ -34329,7 +36417,7 @@
         </p:blipFill>
         <p:spPr>
           <a:xfrm>
-            <a:off x="706581" y="1915319"/>
+            <a:off x="838200" y="1599313"/>
             <a:ext cx="6858000" cy="2952750"/>
           </a:xfrm>
           <a:prstGeom prst="rect">
@@ -34350,7 +36438,7 @@
 </p:sld>
 </file>
 
-<file path=ppt/slides/slide26.xml><?xml version="1.0" encoding="utf-8"?>
+<file path=ppt/slides/slide23.xml><?xml version="1.0" encoding="utf-8"?>
 <p:sld xmlns:a="http://schemas.openxmlformats.org/drawingml/2006/main" xmlns:r="http://schemas.openxmlformats.org/officeDocument/2006/relationships" xmlns:p="http://schemas.openxmlformats.org/presentationml/2006/main">
   <p:cSld>
     <p:spTree>
@@ -34420,7 +36508,7 @@
         </p:blipFill>
         <p:spPr>
           <a:xfrm>
-            <a:off x="1857375" y="2267744"/>
+            <a:off x="838200" y="1636899"/>
             <a:ext cx="8477250" cy="3467100"/>
           </a:xfrm>
           <a:prstGeom prst="rect">
@@ -34441,7 +36529,7 @@
 </p:sld>
 </file>
 
-<file path=ppt/slides/slide27.xml><?xml version="1.0" encoding="utf-8"?>
+<file path=ppt/slides/slide24.xml><?xml version="1.0" encoding="utf-8"?>
 <p:sld xmlns:a="http://schemas.openxmlformats.org/drawingml/2006/main" xmlns:r="http://schemas.openxmlformats.org/officeDocument/2006/relationships" xmlns:p="http://schemas.openxmlformats.org/presentationml/2006/main">
   <p:cSld>
     <p:spTree>
@@ -34511,7 +36599,7 @@
         </p:blipFill>
         <p:spPr>
           <a:xfrm>
-            <a:off x="1113126" y="1910990"/>
+            <a:off x="838200" y="1588260"/>
             <a:ext cx="8829675" cy="3543300"/>
           </a:xfrm>
           <a:prstGeom prst="rect">
@@ -34532,7 +36620,7 @@
 </p:sld>
 </file>
 
-<file path=ppt/slides/slide28.xml><?xml version="1.0" encoding="utf-8"?>
+<file path=ppt/slides/slide25.xml><?xml version="1.0" encoding="utf-8"?>
 <p:sld xmlns:a="http://schemas.openxmlformats.org/drawingml/2006/main" xmlns:r="http://schemas.openxmlformats.org/officeDocument/2006/relationships" xmlns:p="http://schemas.openxmlformats.org/presentationml/2006/main">
   <p:cSld>
     <p:spTree>
@@ -34602,7 +36690,7 @@
         </p:blipFill>
         <p:spPr>
           <a:xfrm>
-            <a:off x="698789" y="2107983"/>
+            <a:off x="838200" y="1690688"/>
             <a:ext cx="9658350" cy="3495675"/>
           </a:xfrm>
           <a:prstGeom prst="rect">
@@ -34623,7 +36711,7 @@
 </p:sld>
 </file>
 
-<file path=ppt/slides/slide29.xml><?xml version="1.0" encoding="utf-8"?>
+<file path=ppt/slides/slide26.xml><?xml version="1.0" encoding="utf-8"?>
 <p:sld xmlns:a="http://schemas.openxmlformats.org/drawingml/2006/main" xmlns:r="http://schemas.openxmlformats.org/officeDocument/2006/relationships" xmlns:p="http://schemas.openxmlformats.org/presentationml/2006/main">
   <p:cSld>
     <p:bg>
@@ -34683,7 +36771,7 @@
                   <a:schemeClr val="bg1"/>
                 </a:solidFill>
               </a:rPr>
-              <a:t>120 – Lab2</a:t>
+              <a:t>120 – Lab3</a:t>
             </a:r>
             <a:endParaRPr lang="ko-KR" altLang="en-US" dirty="0">
               <a:solidFill>
@@ -34715,34 +36803,13 @@
           <a:lstStyle/>
           <a:p>
             <a:r>
-              <a:rPr lang="en-US" altLang="ko-KR" dirty="0" err="1">
+              <a:rPr lang="ko-KR" altLang="en-US" dirty="0">
                 <a:solidFill>
                   <a:schemeClr val="bg1"/>
                 </a:solidFill>
               </a:rPr>
-              <a:t>StackLayout</a:t>
+              <a:t>전화걸기 기능 구현하기 </a:t>
             </a:r>
-            <a:r>
-              <a:rPr lang="en-US" altLang="ko-KR" dirty="0">
-                <a:solidFill>
-                  <a:schemeClr val="bg1"/>
-                </a:solidFill>
-              </a:rPr>
-              <a:t> vs </a:t>
-            </a:r>
-            <a:r>
-              <a:rPr lang="en-US" altLang="ko-KR" dirty="0" err="1">
-                <a:solidFill>
-                  <a:schemeClr val="bg1"/>
-                </a:solidFill>
-              </a:rPr>
-              <a:t>GridLayout</a:t>
-            </a:r>
-            <a:endParaRPr lang="ko-KR" altLang="en-US" dirty="0">
-              <a:solidFill>
-                <a:schemeClr val="bg1"/>
-              </a:solidFill>
-            </a:endParaRPr>
           </a:p>
         </p:txBody>
       </p:sp>
@@ -34756,6 +36823,39 @@
   <p:clrMapOvr>
     <a:masterClrMapping/>
   </p:clrMapOvr>
+</p:sld>
+</file>
+
+<file path=ppt/slides/slide27.xml><?xml version="1.0" encoding="utf-8"?>
+<p:sld xmlns:a="http://schemas.openxmlformats.org/drawingml/2006/main" xmlns:r="http://schemas.openxmlformats.org/officeDocument/2006/relationships" xmlns:p="http://schemas.openxmlformats.org/presentationml/2006/main">
+  <p:cSld>
+    <p:spTree>
+      <p:nvGrpSpPr>
+        <p:cNvPr id="1" name=""/>
+        <p:cNvGrpSpPr/>
+        <p:nvPr/>
+      </p:nvGrpSpPr>
+      <p:grpSpPr>
+        <a:xfrm>
+          <a:off x="0" y="0"/>
+          <a:ext cx="0" cy="0"/>
+          <a:chOff x="0" y="0"/>
+          <a:chExt cx="0" cy="0"/>
+        </a:xfrm>
+      </p:grpSpPr>
+    </p:spTree>
+    <p:extLst>
+      <p:ext uri="{BB962C8B-B14F-4D97-AF65-F5344CB8AC3E}">
+        <p14:creationId xmlns:p14="http://schemas.microsoft.com/office/powerpoint/2010/main" val="2509407002"/>
+      </p:ext>
+    </p:extLst>
+  </p:cSld>
+  <p:clrMapOvr>
+    <a:masterClrMapping/>
+  </p:clrMapOvr>
+  <p:transition>
+    <p:fade/>
+  </p:transition>
 </p:sld>
 </file>
 
@@ -34988,39 +37088,6 @@
   <p:clrMapOvr>
     <a:masterClrMapping/>
   </p:clrMapOvr>
-</p:sld>
-</file>
-
-<file path=ppt/slides/slide30.xml><?xml version="1.0" encoding="utf-8"?>
-<p:sld xmlns:a="http://schemas.openxmlformats.org/drawingml/2006/main" xmlns:r="http://schemas.openxmlformats.org/officeDocument/2006/relationships" xmlns:p="http://schemas.openxmlformats.org/presentationml/2006/main">
-  <p:cSld>
-    <p:spTree>
-      <p:nvGrpSpPr>
-        <p:cNvPr id="1" name=""/>
-        <p:cNvGrpSpPr/>
-        <p:nvPr/>
-      </p:nvGrpSpPr>
-      <p:grpSpPr>
-        <a:xfrm>
-          <a:off x="0" y="0"/>
-          <a:ext cx="0" cy="0"/>
-          <a:chOff x="0" y="0"/>
-          <a:chExt cx="0" cy="0"/>
-        </a:xfrm>
-      </p:grpSpPr>
-    </p:spTree>
-    <p:extLst>
-      <p:ext uri="{BB962C8B-B14F-4D97-AF65-F5344CB8AC3E}">
-        <p14:creationId xmlns:p14="http://schemas.microsoft.com/office/powerpoint/2010/main" val="2509407002"/>
-      </p:ext>
-    </p:extLst>
-  </p:cSld>
-  <p:clrMapOvr>
-    <a:masterClrMapping/>
-  </p:clrMapOvr>
-  <p:transition>
-    <p:fade/>
-  </p:transition>
 </p:sld>
 </file>
 
@@ -35389,7 +37456,7 @@
           <p:nvPr/>
         </p:nvPicPr>
         <p:blipFill>
-          <a:blip r:embed="rId2"/>
+          <a:blip r:embed="rId3"/>
           <a:stretch>
             <a:fillRect/>
           </a:stretch>
@@ -35428,137 +37495,6 @@
 </file>
 
 <file path=ppt/slides/slide6.xml><?xml version="1.0" encoding="utf-8"?>
-<p:sld xmlns:a="http://schemas.openxmlformats.org/drawingml/2006/main" xmlns:r="http://schemas.openxmlformats.org/officeDocument/2006/relationships" xmlns:p="http://schemas.openxmlformats.org/presentationml/2006/main">
-  <p:cSld>
-    <p:bg>
-      <p:bgPr>
-        <a:solidFill>
-          <a:srgbClr val="349FE7"/>
-        </a:solidFill>
-        <a:effectLst/>
-      </p:bgPr>
-    </p:bg>
-    <p:spTree>
-      <p:nvGrpSpPr>
-        <p:cNvPr id="1" name=""/>
-        <p:cNvGrpSpPr/>
-        <p:nvPr/>
-      </p:nvGrpSpPr>
-      <p:grpSpPr>
-        <a:xfrm>
-          <a:off x="0" y="0"/>
-          <a:ext cx="0" cy="0"/>
-          <a:chOff x="0" y="0"/>
-          <a:chExt cx="0" cy="0"/>
-        </a:xfrm>
-      </p:grpSpPr>
-      <p:sp>
-        <p:nvSpPr>
-          <p:cNvPr id="3" name="Title 2">
-            <a:extLst>
-              <a:ext uri="{FF2B5EF4-FFF2-40B4-BE49-F238E27FC236}">
-                <a16:creationId xmlns:a16="http://schemas.microsoft.com/office/drawing/2014/main" id="{E039260B-0DF6-4325-9D90-32DF1F8419A2}"/>
-              </a:ext>
-            </a:extLst>
-          </p:cNvPr>
-          <p:cNvSpPr>
-            <a:spLocks noGrp="1"/>
-          </p:cNvSpPr>
-          <p:nvPr>
-            <p:ph type="title"/>
-          </p:nvPr>
-        </p:nvSpPr>
-        <p:spPr/>
-        <p:txBody>
-          <a:bodyPr/>
-          <a:lstStyle/>
-          <a:p>
-            <a:r>
-              <a:rPr lang="en-US" altLang="ko-KR" dirty="0">
-                <a:solidFill>
-                  <a:schemeClr val="bg1"/>
-                </a:solidFill>
-              </a:rPr>
-              <a:t>Demo #3</a:t>
-            </a:r>
-            <a:endParaRPr lang="ko-KR" altLang="en-US" dirty="0">
-              <a:solidFill>
-                <a:schemeClr val="bg1"/>
-              </a:solidFill>
-            </a:endParaRPr>
-          </a:p>
-        </p:txBody>
-      </p:sp>
-      <p:sp>
-        <p:nvSpPr>
-          <p:cNvPr id="6" name="Text Placeholder 5">
-            <a:extLst>
-              <a:ext uri="{FF2B5EF4-FFF2-40B4-BE49-F238E27FC236}">
-                <a16:creationId xmlns:a16="http://schemas.microsoft.com/office/drawing/2014/main" id="{4538CE48-6EED-4A89-8809-CE48D975C22B}"/>
-              </a:ext>
-            </a:extLst>
-          </p:cNvPr>
-          <p:cNvSpPr>
-            <a:spLocks noGrp="1"/>
-          </p:cNvSpPr>
-          <p:nvPr>
-            <p:ph type="body" idx="1"/>
-          </p:nvPr>
-        </p:nvSpPr>
-        <p:spPr/>
-        <p:txBody>
-          <a:bodyPr/>
-          <a:lstStyle/>
-          <a:p>
-            <a:r>
-              <a:rPr lang="ko-KR" altLang="en-US" dirty="0">
-                <a:solidFill>
-                  <a:schemeClr val="bg1"/>
-                </a:solidFill>
-              </a:rPr>
-              <a:t>프로젝트 구조 및 </a:t>
-            </a:r>
-            <a:r>
-              <a:rPr lang="en-US" altLang="ko-KR" dirty="0" err="1">
-                <a:solidFill>
-                  <a:schemeClr val="bg1"/>
-                </a:solidFill>
-              </a:rPr>
-              <a:t>NuGet</a:t>
-            </a:r>
-            <a:r>
-              <a:rPr lang="en-US" altLang="ko-KR" dirty="0">
-                <a:solidFill>
-                  <a:schemeClr val="bg1"/>
-                </a:solidFill>
-              </a:rPr>
-              <a:t> Package Manger </a:t>
-            </a:r>
-            <a:r>
-              <a:rPr lang="ko-KR" altLang="en-US" dirty="0">
-                <a:solidFill>
-                  <a:schemeClr val="bg1"/>
-                </a:solidFill>
-              </a:rPr>
-              <a:t>살펴보기</a:t>
-            </a:r>
-          </a:p>
-        </p:txBody>
-      </p:sp>
-    </p:spTree>
-    <p:extLst>
-      <p:ext uri="{BB962C8B-B14F-4D97-AF65-F5344CB8AC3E}">
-        <p14:creationId xmlns:p14="http://schemas.microsoft.com/office/powerpoint/2010/main" val="1220329134"/>
-      </p:ext>
-    </p:extLst>
-  </p:cSld>
-  <p:clrMapOvr>
-    <a:masterClrMapping/>
-  </p:clrMapOvr>
-</p:sld>
-</file>
-
-<file path=ppt/slides/slide7.xml><?xml version="1.0" encoding="utf-8"?>
 <p:sld xmlns:a="http://schemas.openxmlformats.org/drawingml/2006/main" xmlns:r="http://schemas.openxmlformats.org/officeDocument/2006/relationships" xmlns:p="http://schemas.openxmlformats.org/presentationml/2006/main">
   <p:cSld>
     <p:spTree>
@@ -35901,7 +37837,7 @@
 </p:sld>
 </file>
 
-<file path=ppt/slides/slide8.xml><?xml version="1.0" encoding="utf-8"?>
+<file path=ppt/slides/slide7.xml><?xml version="1.0" encoding="utf-8"?>
 <p:sld xmlns:a="http://schemas.openxmlformats.org/drawingml/2006/main" xmlns:r="http://schemas.openxmlformats.org/officeDocument/2006/relationships" xmlns:p="http://schemas.openxmlformats.org/presentationml/2006/main">
   <p:cSld>
     <p:spTree>
@@ -36136,7 +38072,7 @@
 </p:sld>
 </file>
 
-<file path=ppt/slides/slide9.xml><?xml version="1.0" encoding="utf-8"?>
+<file path=ppt/slides/slide8.xml><?xml version="1.0" encoding="utf-8"?>
 <p:sld xmlns:a="http://schemas.openxmlformats.org/drawingml/2006/main" xmlns:r="http://schemas.openxmlformats.org/officeDocument/2006/relationships" xmlns:p="http://schemas.openxmlformats.org/presentationml/2006/main">
   <p:cSld>
     <p:spTree>
@@ -36740,6 +38676,137 @@
     <p:extLst>
       <p:ext uri="{BB962C8B-B14F-4D97-AF65-F5344CB8AC3E}">
         <p14:creationId xmlns:p14="http://schemas.microsoft.com/office/powerpoint/2010/main" val="270749699"/>
+      </p:ext>
+    </p:extLst>
+  </p:cSld>
+  <p:clrMapOvr>
+    <a:masterClrMapping/>
+  </p:clrMapOvr>
+</p:sld>
+</file>
+
+<file path=ppt/slides/slide9.xml><?xml version="1.0" encoding="utf-8"?>
+<p:sld xmlns:a="http://schemas.openxmlformats.org/drawingml/2006/main" xmlns:r="http://schemas.openxmlformats.org/officeDocument/2006/relationships" xmlns:p="http://schemas.openxmlformats.org/presentationml/2006/main">
+  <p:cSld>
+    <p:bg>
+      <p:bgPr>
+        <a:solidFill>
+          <a:srgbClr val="349FE7"/>
+        </a:solidFill>
+        <a:effectLst/>
+      </p:bgPr>
+    </p:bg>
+    <p:spTree>
+      <p:nvGrpSpPr>
+        <p:cNvPr id="1" name=""/>
+        <p:cNvGrpSpPr/>
+        <p:nvPr/>
+      </p:nvGrpSpPr>
+      <p:grpSpPr>
+        <a:xfrm>
+          <a:off x="0" y="0"/>
+          <a:ext cx="0" cy="0"/>
+          <a:chOff x="0" y="0"/>
+          <a:chExt cx="0" cy="0"/>
+        </a:xfrm>
+      </p:grpSpPr>
+      <p:sp>
+        <p:nvSpPr>
+          <p:cNvPr id="3" name="Title 2">
+            <a:extLst>
+              <a:ext uri="{FF2B5EF4-FFF2-40B4-BE49-F238E27FC236}">
+                <a16:creationId xmlns:a16="http://schemas.microsoft.com/office/drawing/2014/main" id="{E039260B-0DF6-4325-9D90-32DF1F8419A2}"/>
+              </a:ext>
+            </a:extLst>
+          </p:cNvPr>
+          <p:cNvSpPr>
+            <a:spLocks noGrp="1"/>
+          </p:cNvSpPr>
+          <p:nvPr>
+            <p:ph type="title"/>
+          </p:nvPr>
+        </p:nvSpPr>
+        <p:spPr/>
+        <p:txBody>
+          <a:bodyPr/>
+          <a:lstStyle/>
+          <a:p>
+            <a:r>
+              <a:rPr lang="en-US" altLang="ko-KR" dirty="0">
+                <a:solidFill>
+                  <a:schemeClr val="bg1"/>
+                </a:solidFill>
+              </a:rPr>
+              <a:t>Demo #3</a:t>
+            </a:r>
+            <a:endParaRPr lang="ko-KR" altLang="en-US" dirty="0">
+              <a:solidFill>
+                <a:schemeClr val="bg1"/>
+              </a:solidFill>
+            </a:endParaRPr>
+          </a:p>
+        </p:txBody>
+      </p:sp>
+      <p:sp>
+        <p:nvSpPr>
+          <p:cNvPr id="6" name="Text Placeholder 5">
+            <a:extLst>
+              <a:ext uri="{FF2B5EF4-FFF2-40B4-BE49-F238E27FC236}">
+                <a16:creationId xmlns:a16="http://schemas.microsoft.com/office/drawing/2014/main" id="{4538CE48-6EED-4A89-8809-CE48D975C22B}"/>
+              </a:ext>
+            </a:extLst>
+          </p:cNvPr>
+          <p:cNvSpPr>
+            <a:spLocks noGrp="1"/>
+          </p:cNvSpPr>
+          <p:nvPr>
+            <p:ph type="body" idx="1"/>
+          </p:nvPr>
+        </p:nvSpPr>
+        <p:spPr/>
+        <p:txBody>
+          <a:bodyPr/>
+          <a:lstStyle/>
+          <a:p>
+            <a:r>
+              <a:rPr lang="ko-KR" altLang="en-US" dirty="0">
+                <a:solidFill>
+                  <a:schemeClr val="bg1"/>
+                </a:solidFill>
+              </a:rPr>
+              <a:t>프로젝트 구조 및 </a:t>
+            </a:r>
+            <a:r>
+              <a:rPr lang="en-US" altLang="ko-KR" dirty="0" err="1">
+                <a:solidFill>
+                  <a:schemeClr val="bg1"/>
+                </a:solidFill>
+              </a:rPr>
+              <a:t>NuGet</a:t>
+            </a:r>
+            <a:r>
+              <a:rPr lang="en-US" altLang="ko-KR" dirty="0">
+                <a:solidFill>
+                  <a:schemeClr val="bg1"/>
+                </a:solidFill>
+              </a:rPr>
+              <a:t> Package Manger </a:t>
+            </a:r>
+            <a:r>
+              <a:rPr lang="ko-KR" altLang="en-US" dirty="0">
+                <a:solidFill>
+                  <a:schemeClr val="bg1"/>
+                </a:solidFill>
+              </a:rPr>
+              <a:t>살펴보기</a:t>
+            </a:r>
+          </a:p>
+        </p:txBody>
+      </p:sp>
+    </p:spTree>
+    <p:extLst>
+      <p:ext uri="{BB962C8B-B14F-4D97-AF65-F5344CB8AC3E}">
+        <p14:creationId xmlns:p14="http://schemas.microsoft.com/office/powerpoint/2010/main" val="1220329134"/>
       </p:ext>
     </p:extLst>
   </p:cSld>

--- a/120-Xamarin.Forms/[XAM120] Xamarin.Forms.pptx
+++ b/120-Xamarin.Forms/[XAM120] Xamarin.Forms.pptx
@@ -228,7 +228,7 @@
           <a:p>
             <a:fld id="{DEEA3CE9-A34F-4524-B7F8-A67B315DCB6B}" type="datetimeFigureOut">
               <a:rPr lang="ko-KR" altLang="en-US" smtClean="0"/>
-              <a:t>2017-03-26</a:t>
+              <a:t>2017-03-27</a:t>
             </a:fld>
             <a:endParaRPr lang="ko-KR" altLang="en-US"/>
           </a:p>
@@ -1360,7 +1360,7 @@
                 <a:tabLst/>
                 <a:defRPr/>
               </a:pPr>
-              <a:t>3/26/2017 7:08 PM</a:t>
+              <a:t>3/27/2017 4:35 PM</a:t>
             </a:fld>
             <a:endParaRPr kumimoji="0" lang="en-US" sz="1200" b="0" i="0" u="none" strike="noStrike" kern="1200" cap="none" spc="0" normalizeH="0" baseline="0" noProof="0" dirty="0">
               <a:ln>
@@ -2522,7 +2522,7 @@
           <a:p>
             <a:fld id="{1654ACF3-E943-4A23-A21B-2BBF8F7FF799}" type="datetimeFigureOut">
               <a:rPr lang="ko-KR" altLang="en-US" smtClean="0"/>
-              <a:t>2017-03-26</a:t>
+              <a:t>2017-03-27</a:t>
             </a:fld>
             <a:endParaRPr lang="ko-KR" altLang="en-US"/>
           </a:p>
@@ -2722,7 +2722,7 @@
           <a:p>
             <a:fld id="{1654ACF3-E943-4A23-A21B-2BBF8F7FF799}" type="datetimeFigureOut">
               <a:rPr lang="ko-KR" altLang="en-US" smtClean="0"/>
-              <a:t>2017-03-26</a:t>
+              <a:t>2017-03-27</a:t>
             </a:fld>
             <a:endParaRPr lang="ko-KR" altLang="en-US"/>
           </a:p>
@@ -2932,7 +2932,7 @@
           <a:p>
             <a:fld id="{1654ACF3-E943-4A23-A21B-2BBF8F7FF799}" type="datetimeFigureOut">
               <a:rPr lang="ko-KR" altLang="en-US" smtClean="0"/>
-              <a:t>2017-03-26</a:t>
+              <a:t>2017-03-27</a:t>
             </a:fld>
             <a:endParaRPr lang="ko-KR" altLang="en-US"/>
           </a:p>
@@ -27393,7 +27393,7 @@
           <a:p>
             <a:fld id="{1654ACF3-E943-4A23-A21B-2BBF8F7FF799}" type="datetimeFigureOut">
               <a:rPr lang="ko-KR" altLang="en-US" smtClean="0"/>
-              <a:t>2017-03-26</a:t>
+              <a:t>2017-03-27</a:t>
             </a:fld>
             <a:endParaRPr lang="ko-KR" altLang="en-US"/>
           </a:p>
@@ -29027,7 +29027,7 @@
           <a:p>
             <a:fld id="{1654ACF3-E943-4A23-A21B-2BBF8F7FF799}" type="datetimeFigureOut">
               <a:rPr lang="ko-KR" altLang="en-US" smtClean="0"/>
-              <a:t>2017-03-26</a:t>
+              <a:t>2017-03-27</a:t>
             </a:fld>
             <a:endParaRPr lang="ko-KR" altLang="en-US"/>
           </a:p>
@@ -29295,7 +29295,7 @@
           <a:p>
             <a:fld id="{1654ACF3-E943-4A23-A21B-2BBF8F7FF799}" type="datetimeFigureOut">
               <a:rPr lang="ko-KR" altLang="en-US" smtClean="0"/>
-              <a:t>2017-03-26</a:t>
+              <a:t>2017-03-27</a:t>
             </a:fld>
             <a:endParaRPr lang="ko-KR" altLang="en-US"/>
           </a:p>
@@ -29710,7 +29710,7 @@
           <a:p>
             <a:fld id="{1654ACF3-E943-4A23-A21B-2BBF8F7FF799}" type="datetimeFigureOut">
               <a:rPr lang="ko-KR" altLang="en-US" smtClean="0"/>
-              <a:t>2017-03-26</a:t>
+              <a:t>2017-03-27</a:t>
             </a:fld>
             <a:endParaRPr lang="ko-KR" altLang="en-US"/>
           </a:p>
@@ -29852,7 +29852,7 @@
           <a:p>
             <a:fld id="{1654ACF3-E943-4A23-A21B-2BBF8F7FF799}" type="datetimeFigureOut">
               <a:rPr lang="ko-KR" altLang="en-US" smtClean="0"/>
-              <a:t>2017-03-26</a:t>
+              <a:t>2017-03-27</a:t>
             </a:fld>
             <a:endParaRPr lang="ko-KR" altLang="en-US"/>
           </a:p>
@@ -29965,7 +29965,7 @@
           <a:p>
             <a:fld id="{1654ACF3-E943-4A23-A21B-2BBF8F7FF799}" type="datetimeFigureOut">
               <a:rPr lang="ko-KR" altLang="en-US" smtClean="0"/>
-              <a:t>2017-03-26</a:t>
+              <a:t>2017-03-27</a:t>
             </a:fld>
             <a:endParaRPr lang="ko-KR" altLang="en-US"/>
           </a:p>
@@ -30278,7 +30278,7 @@
           <a:p>
             <a:fld id="{1654ACF3-E943-4A23-A21B-2BBF8F7FF799}" type="datetimeFigureOut">
               <a:rPr lang="ko-KR" altLang="en-US" smtClean="0"/>
-              <a:t>2017-03-26</a:t>
+              <a:t>2017-03-27</a:t>
             </a:fld>
             <a:endParaRPr lang="ko-KR" altLang="en-US"/>
           </a:p>
@@ -30567,7 +30567,7 @@
           <a:p>
             <a:fld id="{1654ACF3-E943-4A23-A21B-2BBF8F7FF799}" type="datetimeFigureOut">
               <a:rPr lang="ko-KR" altLang="en-US" smtClean="0"/>
-              <a:t>2017-03-26</a:t>
+              <a:t>2017-03-27</a:t>
             </a:fld>
             <a:endParaRPr lang="ko-KR" altLang="en-US"/>
           </a:p>
@@ -30810,7 +30810,7 @@
           <a:p>
             <a:fld id="{1654ACF3-E943-4A23-A21B-2BBF8F7FF799}" type="datetimeFigureOut">
               <a:rPr lang="ko-KR" altLang="en-US" smtClean="0"/>
-              <a:t>2017-03-26</a:t>
+              <a:t>2017-03-27</a:t>
             </a:fld>
             <a:endParaRPr lang="ko-KR" altLang="en-US"/>
           </a:p>

--- a/120-Xamarin.Forms/[XAM120] Xamarin.Forms.pptx
+++ b/120-Xamarin.Forms/[XAM120] Xamarin.Forms.pptx
@@ -6,7 +6,7 @@
     <p:sldMasterId id="2147483660" r:id="rId2"/>
   </p:sldMasterIdLst>
   <p:notesMasterIdLst>
-    <p:notesMasterId r:id="rId30"/>
+    <p:notesMasterId r:id="rId31"/>
   </p:notesMasterIdLst>
   <p:sldIdLst>
     <p:sldId id="295" r:id="rId3"/>
@@ -24,18 +24,19 @@
     <p:sldId id="301" r:id="rId15"/>
     <p:sldId id="305" r:id="rId16"/>
     <p:sldId id="309" r:id="rId17"/>
-    <p:sldId id="276" r:id="rId18"/>
-    <p:sldId id="310" r:id="rId19"/>
-    <p:sldId id="322" r:id="rId20"/>
-    <p:sldId id="306" r:id="rId21"/>
-    <p:sldId id="311" r:id="rId22"/>
-    <p:sldId id="312" r:id="rId23"/>
-    <p:sldId id="313" r:id="rId24"/>
-    <p:sldId id="314" r:id="rId25"/>
-    <p:sldId id="315" r:id="rId26"/>
-    <p:sldId id="316" r:id="rId27"/>
-    <p:sldId id="318" r:id="rId28"/>
-    <p:sldId id="317" r:id="rId29"/>
+    <p:sldId id="323" r:id="rId18"/>
+    <p:sldId id="324" r:id="rId19"/>
+    <p:sldId id="325" r:id="rId20"/>
+    <p:sldId id="322" r:id="rId21"/>
+    <p:sldId id="306" r:id="rId22"/>
+    <p:sldId id="311" r:id="rId23"/>
+    <p:sldId id="312" r:id="rId24"/>
+    <p:sldId id="313" r:id="rId25"/>
+    <p:sldId id="314" r:id="rId26"/>
+    <p:sldId id="315" r:id="rId27"/>
+    <p:sldId id="316" r:id="rId28"/>
+    <p:sldId id="318" r:id="rId29"/>
+    <p:sldId id="317" r:id="rId30"/>
   </p:sldIdLst>
   <p:sldSz cx="12192000" cy="6858000"/>
   <p:notesSz cx="6858000" cy="9144000"/>
@@ -684,6 +685,177 @@
           <a:bodyPr/>
           <a:lstStyle/>
           <a:p>
+            <a:r>
+              <a:rPr lang="ko-KR" altLang="en-US" dirty="0"/>
+              <a:t>솔루션</a:t>
+            </a:r>
+            <a:r>
+              <a:rPr lang="en-US" altLang="ko-KR" dirty="0"/>
+              <a:t>, </a:t>
+            </a:r>
+            <a:r>
+              <a:rPr lang="ko-KR" altLang="en-US" dirty="0"/>
+              <a:t>윈도우 </a:t>
+            </a:r>
+            <a:r>
+              <a:rPr lang="en-US" altLang="ko-KR" dirty="0"/>
+              <a:t>iOS, </a:t>
+            </a:r>
+            <a:r>
+              <a:rPr lang="ko-KR" altLang="en-US" dirty="0"/>
+              <a:t>안드로이드</a:t>
+            </a:r>
+            <a:r>
+              <a:rPr lang="en-US" altLang="ko-KR" dirty="0"/>
+              <a:t>, </a:t>
+            </a:r>
+            <a:r>
+              <a:rPr lang="ko-KR" altLang="en-US" dirty="0"/>
+              <a:t>누겟패키지 다 포함하여 보여주기</a:t>
+            </a:r>
+          </a:p>
+        </p:txBody>
+      </p:sp>
+      <p:sp>
+        <p:nvSpPr>
+          <p:cNvPr id="4" name="Slide Number Placeholder 3"/>
+          <p:cNvSpPr>
+            <a:spLocks noGrp="1"/>
+          </p:cNvSpPr>
+          <p:nvPr>
+            <p:ph type="sldNum" sz="quarter" idx="10"/>
+          </p:nvPr>
+        </p:nvSpPr>
+        <p:spPr/>
+        <p:txBody>
+          <a:bodyPr/>
+          <a:lstStyle/>
+          <a:p>
+            <a:pPr marL="0" marR="0" lvl="0" indent="0" algn="r" defTabSz="914400" rtl="0" eaLnBrk="1" fontAlgn="auto" latinLnBrk="1" hangingPunct="1">
+              <a:lnSpc>
+                <a:spcPct val="100000"/>
+              </a:lnSpc>
+              <a:spcBef>
+                <a:spcPts val="0"/>
+              </a:spcBef>
+              <a:spcAft>
+                <a:spcPts val="0"/>
+              </a:spcAft>
+              <a:buClrTx/>
+              <a:buSzTx/>
+              <a:buFontTx/>
+              <a:buNone/>
+              <a:tabLst/>
+              <a:defRPr/>
+            </a:pPr>
+            <a:fld id="{0DACA005-7098-44E7-9D9B-6670FD9D69A5}" type="slidenum">
+              <a:rPr kumimoji="0" lang="ko-KR" altLang="en-US" sz="1200" b="0" i="0" u="none" strike="noStrike" kern="1200" cap="none" spc="0" normalizeH="0" baseline="0" noProof="0" smtClean="0">
+                <a:ln>
+                  <a:noFill/>
+                </a:ln>
+                <a:solidFill>
+                  <a:prstClr val="black"/>
+                </a:solidFill>
+                <a:effectLst/>
+                <a:uLnTx/>
+                <a:uFillTx/>
+                <a:latin typeface="맑은 고딕" panose="020F0502020204030204"/>
+                <a:ea typeface="맑은 고딕" panose="020B0503020000020004" pitchFamily="50" charset="-127"/>
+                <a:cs typeface="+mn-cs"/>
+              </a:rPr>
+              <a:pPr marL="0" marR="0" lvl="0" indent="0" algn="r" defTabSz="914400" rtl="0" eaLnBrk="1" fontAlgn="auto" latinLnBrk="1" hangingPunct="1">
+                <a:lnSpc>
+                  <a:spcPct val="100000"/>
+                </a:lnSpc>
+                <a:spcBef>
+                  <a:spcPts val="0"/>
+                </a:spcBef>
+                <a:spcAft>
+                  <a:spcPts val="0"/>
+                </a:spcAft>
+                <a:buClrTx/>
+                <a:buSzTx/>
+                <a:buFontTx/>
+                <a:buNone/>
+                <a:tabLst/>
+                <a:defRPr/>
+              </a:pPr>
+              <a:t>17</a:t>
+            </a:fld>
+            <a:endParaRPr kumimoji="0" lang="ko-KR" altLang="en-US" sz="1200" b="0" i="0" u="none" strike="noStrike" kern="1200" cap="none" spc="0" normalizeH="0" baseline="0" noProof="0">
+              <a:ln>
+                <a:noFill/>
+              </a:ln>
+              <a:solidFill>
+                <a:prstClr val="black"/>
+              </a:solidFill>
+              <a:effectLst/>
+              <a:uLnTx/>
+              <a:uFillTx/>
+              <a:latin typeface="맑은 고딕" panose="020F0502020204030204"/>
+              <a:ea typeface="맑은 고딕" panose="020B0503020000020004" pitchFamily="50" charset="-127"/>
+              <a:cs typeface="+mn-cs"/>
+            </a:endParaRPr>
+          </a:p>
+        </p:txBody>
+      </p:sp>
+    </p:spTree>
+    <p:extLst>
+      <p:ext uri="{BB962C8B-B14F-4D97-AF65-F5344CB8AC3E}">
+        <p14:creationId xmlns:p14="http://schemas.microsoft.com/office/powerpoint/2010/main" val="2640680586"/>
+      </p:ext>
+    </p:extLst>
+  </p:cSld>
+  <p:clrMapOvr>
+    <a:masterClrMapping/>
+  </p:clrMapOvr>
+</p:notes>
+</file>
+
+<file path=ppt/notesSlides/notesSlide11.xml><?xml version="1.0" encoding="utf-8"?>
+<p:notes xmlns:a="http://schemas.openxmlformats.org/drawingml/2006/main" xmlns:r="http://schemas.openxmlformats.org/officeDocument/2006/relationships" xmlns:p="http://schemas.openxmlformats.org/presentationml/2006/main">
+  <p:cSld>
+    <p:spTree>
+      <p:nvGrpSpPr>
+        <p:cNvPr id="1" name=""/>
+        <p:cNvGrpSpPr/>
+        <p:nvPr/>
+      </p:nvGrpSpPr>
+      <p:grpSpPr>
+        <a:xfrm>
+          <a:off x="0" y="0"/>
+          <a:ext cx="0" cy="0"/>
+          <a:chOff x="0" y="0"/>
+          <a:chExt cx="0" cy="0"/>
+        </a:xfrm>
+      </p:grpSpPr>
+      <p:sp>
+        <p:nvSpPr>
+          <p:cNvPr id="2" name="Slide Image Placeholder 1"/>
+          <p:cNvSpPr>
+            <a:spLocks noGrp="1" noRot="1" noChangeAspect="1"/>
+          </p:cNvSpPr>
+          <p:nvPr>
+            <p:ph type="sldImg"/>
+          </p:nvPr>
+        </p:nvSpPr>
+        <p:spPr/>
+      </p:sp>
+      <p:sp>
+        <p:nvSpPr>
+          <p:cNvPr id="3" name="Notes Placeholder 2"/>
+          <p:cNvSpPr>
+            <a:spLocks noGrp="1"/>
+          </p:cNvSpPr>
+          <p:nvPr>
+            <p:ph type="body" idx="1"/>
+          </p:nvPr>
+        </p:nvSpPr>
+        <p:spPr/>
+        <p:txBody>
+          <a:bodyPr/>
+          <a:lstStyle/>
+          <a:p>
             <a:pPr marL="228600" indent="-228600">
               <a:buAutoNum type="arabicPeriod"/>
             </a:pPr>
@@ -755,7 +927,7 @@
                 <a:tabLst/>
                 <a:defRPr/>
               </a:pPr>
-              <a:t>18</a:t>
+              <a:t>19</a:t>
             </a:fld>
             <a:endParaRPr kumimoji="0" lang="ko-KR" altLang="en-US" sz="1200" b="0" i="0" u="none" strike="noStrike" kern="1200" cap="none" spc="0" normalizeH="0" baseline="0" noProof="0">
               <a:ln>
@@ -787,7 +959,7 @@
 </p:notes>
 </file>
 
-<file path=ppt/notesSlides/notesSlide11.xml><?xml version="1.0" encoding="utf-8"?>
+<file path=ppt/notesSlides/notesSlide12.xml><?xml version="1.0" encoding="utf-8"?>
 <p:notes xmlns:a="http://schemas.openxmlformats.org/drawingml/2006/main" xmlns:r="http://schemas.openxmlformats.org/officeDocument/2006/relationships" xmlns:p="http://schemas.openxmlformats.org/presentationml/2006/main">
   <p:cSld>
     <p:spTree>
@@ -860,7 +1032,7 @@
           <a:p>
             <a:fld id="{25881C45-759B-44A5-8C84-441FD31AAD5E}" type="slidenum">
               <a:rPr lang="ko-KR" altLang="en-US" smtClean="0"/>
-              <a:t>20</a:t>
+              <a:t>21</a:t>
             </a:fld>
             <a:endParaRPr lang="ko-KR" altLang="en-US"/>
           </a:p>
@@ -879,7 +1051,7 @@
 </p:notes>
 </file>
 
-<file path=ppt/notesSlides/notesSlide12.xml><?xml version="1.0" encoding="utf-8"?>
+<file path=ppt/notesSlides/notesSlide13.xml><?xml version="1.0" encoding="utf-8"?>
 <p:notes xmlns:a="http://schemas.openxmlformats.org/drawingml/2006/main" xmlns:r="http://schemas.openxmlformats.org/officeDocument/2006/relationships" xmlns:p="http://schemas.openxmlformats.org/presentationml/2006/main">
   <p:cSld>
     <p:spTree>
@@ -991,7 +1163,7 @@
                 <a:tabLst/>
                 <a:defRPr/>
               </a:pPr>
-              <a:t>26</a:t>
+              <a:t>27</a:t>
             </a:fld>
             <a:endParaRPr kumimoji="0" lang="ko-KR" altLang="en-US" sz="1200" b="0" i="0" u="none" strike="noStrike" kern="1200" cap="none" spc="0" normalizeH="0" baseline="0" noProof="0">
               <a:ln>
@@ -1360,7 +1532,7 @@
                 <a:tabLst/>
                 <a:defRPr/>
               </a:pPr>
-              <a:t>3/27/2017 4:35 PM</a:t>
+              <a:t>3/27/2017 10:29 PM</a:t>
             </a:fld>
             <a:endParaRPr kumimoji="0" lang="en-US" sz="1200" b="0" i="0" u="none" strike="noStrike" kern="1200" cap="none" spc="0" normalizeH="0" baseline="0" noProof="0" dirty="0">
               <a:ln>
@@ -2158,10 +2330,6 @@
           <a:bodyPr/>
           <a:lstStyle/>
           <a:p>
-            <a:r>
-              <a:rPr lang="en-US" altLang="ko-KR" dirty="0"/>
-              <a:t>app9</a:t>
-            </a:r>
             <a:endParaRPr lang="ko-KR" altLang="en-US" dirty="0"/>
           </a:p>
         </p:txBody>
@@ -2183,7 +2351,7 @@
           <a:p>
             <a:fld id="{25881C45-759B-44A5-8C84-441FD31AAD5E}" type="slidenum">
               <a:rPr lang="ko-KR" altLang="en-US" smtClean="0"/>
-              <a:t>16</a:t>
+              <a:t>11</a:t>
             </a:fld>
             <a:endParaRPr lang="ko-KR" altLang="en-US"/>
           </a:p>
@@ -2192,7 +2360,7 @@
     </p:spTree>
     <p:extLst>
       <p:ext uri="{BB962C8B-B14F-4D97-AF65-F5344CB8AC3E}">
-        <p14:creationId xmlns:p14="http://schemas.microsoft.com/office/powerpoint/2010/main" val="466922797"/>
+        <p14:creationId xmlns:p14="http://schemas.microsoft.com/office/powerpoint/2010/main" val="2867928623"/>
       </p:ext>
     </p:extLst>
   </p:cSld>
@@ -2247,33 +2415,10 @@
           <a:lstStyle/>
           <a:p>
             <a:r>
-              <a:rPr lang="ko-KR" altLang="en-US" dirty="0"/>
-              <a:t>솔루션</a:t>
+              <a:rPr lang="en-US" altLang="ko-KR" dirty="0"/>
+              <a:t>app9</a:t>
             </a:r>
-            <a:r>
-              <a:rPr lang="en-US" altLang="ko-KR" dirty="0"/>
-              <a:t>, </a:t>
-            </a:r>
-            <a:r>
-              <a:rPr lang="ko-KR" altLang="en-US" dirty="0"/>
-              <a:t>윈도우 </a:t>
-            </a:r>
-            <a:r>
-              <a:rPr lang="en-US" altLang="ko-KR" dirty="0"/>
-              <a:t>iOS, </a:t>
-            </a:r>
-            <a:r>
-              <a:rPr lang="ko-KR" altLang="en-US" dirty="0"/>
-              <a:t>안드로이드</a:t>
-            </a:r>
-            <a:r>
-              <a:rPr lang="en-US" altLang="ko-KR" dirty="0"/>
-              <a:t>, </a:t>
-            </a:r>
-            <a:r>
-              <a:rPr lang="ko-KR" altLang="en-US" dirty="0"/>
-              <a:t>누겟패키지 다 포함하여 보여주기</a:t>
-            </a:r>
+            <a:endParaRPr lang="ko-KR" altLang="en-US" dirty="0"/>
           </a:p>
         </p:txBody>
       </p:sp>
@@ -2309,7 +2454,7 @@
               <a:tabLst/>
               <a:defRPr/>
             </a:pPr>
-            <a:fld id="{0DACA005-7098-44E7-9D9B-6670FD9D69A5}" type="slidenum">
+            <a:fld id="{25881C45-759B-44A5-8C84-441FD31AAD5E}" type="slidenum">
               <a:rPr kumimoji="0" lang="ko-KR" altLang="en-US" sz="1200" b="0" i="0" u="none" strike="noStrike" kern="1200" cap="none" spc="0" normalizeH="0" baseline="0" noProof="0" smtClean="0">
                 <a:ln>
                   <a:noFill/>
@@ -2341,7 +2486,7 @@
                 <a:tabLst/>
                 <a:defRPr/>
               </a:pPr>
-              <a:t>17</a:t>
+              <a:t>16</a:t>
             </a:fld>
             <a:endParaRPr kumimoji="0" lang="ko-KR" altLang="en-US" sz="1200" b="0" i="0" u="none" strike="noStrike" kern="1200" cap="none" spc="0" normalizeH="0" baseline="0" noProof="0">
               <a:ln>
@@ -2363,7 +2508,7 @@
     </p:spTree>
     <p:extLst>
       <p:ext uri="{BB962C8B-B14F-4D97-AF65-F5344CB8AC3E}">
-        <p14:creationId xmlns:p14="http://schemas.microsoft.com/office/powerpoint/2010/main" val="4070005529"/>
+        <p14:creationId xmlns:p14="http://schemas.microsoft.com/office/powerpoint/2010/main" val="1272759799"/>
       </p:ext>
     </p:extLst>
   </p:cSld>
@@ -32236,7 +32381,7 @@
           <p:nvPr/>
         </p:nvPicPr>
         <p:blipFill>
-          <a:blip r:embed="rId2"/>
+          <a:blip r:embed="rId3"/>
           <a:stretch>
             <a:fillRect/>
           </a:stretch>
@@ -33158,8 +33303,37 @@
           <a:bodyPr rtlCol="0" anchor="ctr"/>
           <a:lstStyle/>
           <a:p>
-            <a:pPr algn="ctr"/>
-            <a:endParaRPr lang="ko-KR" altLang="en-US"/>
+            <a:pPr marL="0" marR="0" lvl="0" indent="0" algn="ctr" defTabSz="914400" rtl="0" eaLnBrk="1" fontAlgn="auto" latinLnBrk="1" hangingPunct="1">
+              <a:lnSpc>
+                <a:spcPct val="100000"/>
+              </a:lnSpc>
+              <a:spcBef>
+                <a:spcPts val="0"/>
+              </a:spcBef>
+              <a:spcAft>
+                <a:spcPts val="0"/>
+              </a:spcAft>
+              <a:buClrTx/>
+              <a:buSzTx/>
+              <a:buFontTx/>
+              <a:buNone/>
+              <a:tabLst/>
+              <a:defRPr/>
+            </a:pPr>
+            <a:endParaRPr kumimoji="0" lang="ko-KR" altLang="en-US" sz="1800" b="0" i="0" u="none" strike="noStrike" kern="1200" cap="none" spc="0" normalizeH="0" baseline="0" noProof="0">
+              <a:ln>
+                <a:noFill/>
+              </a:ln>
+              <a:solidFill>
+                <a:prstClr val="white"/>
+              </a:solidFill>
+              <a:effectLst/>
+              <a:uLnTx/>
+              <a:uFillTx/>
+              <a:latin typeface="청소년서체"/>
+              <a:ea typeface="청소년서체"/>
+              <a:cs typeface="+mn-cs"/>
+            </a:endParaRPr>
           </a:p>
         </p:txBody>
       </p:sp>
@@ -33221,55 +33395,121 @@
           </a:bodyPr>
           <a:lstStyle/>
           <a:p>
-            <a:pPr>
+            <a:pPr marL="0" marR="0" lvl="0" indent="0" algn="l" defTabSz="914400" rtl="0" eaLnBrk="1" fontAlgn="auto" latinLnBrk="1" hangingPunct="1">
               <a:lnSpc>
                 <a:spcPct val="150000"/>
               </a:lnSpc>
+              <a:spcBef>
+                <a:spcPts val="0"/>
+              </a:spcBef>
+              <a:spcAft>
+                <a:spcPts val="0"/>
+              </a:spcAft>
+              <a:buClrTx/>
+              <a:buSzTx/>
+              <a:buFontTx/>
+              <a:buNone/>
+              <a:tabLst/>
+              <a:defRPr/>
             </a:pPr>
             <a:r>
-              <a:rPr lang="en-US" altLang="ko-KR" sz="3200" dirty="0" err="1">
+              <a:rPr kumimoji="0" lang="en-US" altLang="ko-KR" sz="3200" b="0" i="0" u="none" strike="noStrike" kern="1200" cap="none" spc="0" normalizeH="0" baseline="0" noProof="0" dirty="0" err="1">
+                <a:ln>
+                  <a:noFill/>
+                </a:ln>
                 <a:solidFill>
-                  <a:schemeClr val="bg1"/>
+                  <a:prstClr val="white"/>
                 </a:solidFill>
+                <a:effectLst/>
+                <a:uLnTx/>
+                <a:uFillTx/>
+                <a:latin typeface="청소년서체"/>
+                <a:ea typeface="청소년서체"/>
+                <a:cs typeface="+mn-cs"/>
               </a:rPr>
               <a:t>GridLayout</a:t>
             </a:r>
             <a:r>
-              <a:rPr lang="ko-KR" altLang="en-US" sz="3200" dirty="0">
+              <a:rPr kumimoji="0" lang="ko-KR" altLang="en-US" sz="3200" b="0" i="0" u="none" strike="noStrike" kern="1200" cap="none" spc="0" normalizeH="0" baseline="0" noProof="0" dirty="0">
+                <a:ln>
+                  <a:noFill/>
+                </a:ln>
                 <a:solidFill>
-                  <a:schemeClr val="bg1"/>
+                  <a:prstClr val="white"/>
                 </a:solidFill>
+                <a:effectLst/>
+                <a:uLnTx/>
+                <a:uFillTx/>
+                <a:latin typeface="청소년서체"/>
+                <a:ea typeface="청소년서체"/>
+                <a:cs typeface="+mn-cs"/>
               </a:rPr>
               <a:t>과 </a:t>
             </a:r>
             <a:r>
-              <a:rPr lang="en-US" altLang="ko-KR" sz="3200" dirty="0" err="1">
+              <a:rPr kumimoji="0" lang="en-US" altLang="ko-KR" sz="3200" b="0" i="0" u="none" strike="noStrike" kern="1200" cap="none" spc="0" normalizeH="0" baseline="0" noProof="0" dirty="0" err="1">
+                <a:ln>
+                  <a:noFill/>
+                </a:ln>
                 <a:solidFill>
-                  <a:schemeClr val="bg1"/>
+                  <a:prstClr val="white"/>
                 </a:solidFill>
+                <a:effectLst/>
+                <a:uLnTx/>
+                <a:uFillTx/>
+                <a:latin typeface="청소년서체"/>
+                <a:ea typeface="청소년서체"/>
+                <a:cs typeface="+mn-cs"/>
               </a:rPr>
               <a:t>StackLayout</a:t>
             </a:r>
             <a:r>
-              <a:rPr lang="ko-KR" altLang="en-US" sz="3200" dirty="0">
+              <a:rPr kumimoji="0" lang="ko-KR" altLang="en-US" sz="3200" b="0" i="0" u="none" strike="noStrike" kern="1200" cap="none" spc="0" normalizeH="0" baseline="0" noProof="0" dirty="0">
+                <a:ln>
+                  <a:noFill/>
+                </a:ln>
                 <a:solidFill>
-                  <a:schemeClr val="bg1"/>
+                  <a:prstClr val="white"/>
                 </a:solidFill>
+                <a:effectLst/>
+                <a:uLnTx/>
+                <a:uFillTx/>
+                <a:latin typeface="청소년서체"/>
+                <a:ea typeface="청소년서체"/>
+                <a:cs typeface="+mn-cs"/>
               </a:rPr>
               <a:t>을 이용해보기</a:t>
             </a:r>
             <a:r>
-              <a:rPr lang="en-US" altLang="ko-KR" sz="3200" dirty="0">
+              <a:rPr kumimoji="0" lang="en-US" altLang="ko-KR" sz="3200" b="0" i="0" u="none" strike="noStrike" kern="1200" cap="none" spc="0" normalizeH="0" baseline="0" noProof="0" dirty="0">
+                <a:ln>
+                  <a:noFill/>
+                </a:ln>
                 <a:solidFill>
-                  <a:schemeClr val="bg1"/>
+                  <a:prstClr val="white"/>
                 </a:solidFill>
+                <a:effectLst/>
+                <a:uLnTx/>
+                <a:uFillTx/>
+                <a:latin typeface="청소년서체"/>
+                <a:ea typeface="청소년서체"/>
+                <a:cs typeface="+mn-cs"/>
               </a:rPr>
               <a:t>!</a:t>
             </a:r>
-            <a:endParaRPr lang="ko-KR" altLang="en-US" sz="3200" dirty="0">
+            <a:endParaRPr kumimoji="0" lang="ko-KR" altLang="en-US" sz="3200" b="0" i="0" u="none" strike="noStrike" kern="1200" cap="none" spc="0" normalizeH="0" baseline="0" noProof="0" dirty="0">
+              <a:ln>
+                <a:noFill/>
+              </a:ln>
               <a:solidFill>
-                <a:schemeClr val="bg1"/>
+                <a:prstClr val="white"/>
               </a:solidFill>
+              <a:effectLst/>
+              <a:uLnTx/>
+              <a:uFillTx/>
+              <a:latin typeface="청소년서체"/>
+              <a:ea typeface="청소년서체"/>
+              <a:cs typeface="+mn-cs"/>
             </a:endParaRPr>
           </a:p>
         </p:txBody>
@@ -33277,7 +33517,7 @@
     </p:spTree>
     <p:extLst>
       <p:ext uri="{BB962C8B-B14F-4D97-AF65-F5344CB8AC3E}">
-        <p14:creationId xmlns:p14="http://schemas.microsoft.com/office/powerpoint/2010/main" val="1429999198"/>
+        <p14:creationId xmlns:p14="http://schemas.microsoft.com/office/powerpoint/2010/main" val="2692693260"/>
       </p:ext>
     </p:extLst>
   </p:cSld>
@@ -33405,7 +33645,7 @@
     </p:spTree>
     <p:extLst>
       <p:ext uri="{BB962C8B-B14F-4D97-AF65-F5344CB8AC3E}">
-        <p14:creationId xmlns:p14="http://schemas.microsoft.com/office/powerpoint/2010/main" val="1083133257"/>
+        <p14:creationId xmlns:p14="http://schemas.microsoft.com/office/powerpoint/2010/main" val="2524396280"/>
       </p:ext>
     </p:extLst>
   </p:cSld>
@@ -33416,6 +33656,88 @@
 </file>
 
 <file path=ppt/slides/slide18.xml><?xml version="1.0" encoding="utf-8"?>
+<p:sld xmlns:a="http://schemas.openxmlformats.org/drawingml/2006/main" xmlns:r="http://schemas.openxmlformats.org/officeDocument/2006/relationships" xmlns:p="http://schemas.openxmlformats.org/presentationml/2006/main">
+  <p:cSld>
+    <p:spTree>
+      <p:nvGrpSpPr>
+        <p:cNvPr id="1" name=""/>
+        <p:cNvGrpSpPr/>
+        <p:nvPr/>
+      </p:nvGrpSpPr>
+      <p:grpSpPr>
+        <a:xfrm>
+          <a:off x="0" y="0"/>
+          <a:ext cx="0" cy="0"/>
+          <a:chOff x="0" y="0"/>
+          <a:chExt cx="0" cy="0"/>
+        </a:xfrm>
+      </p:grpSpPr>
+      <p:sp>
+        <p:nvSpPr>
+          <p:cNvPr id="4" name="Title 3">
+            <a:extLst>
+              <a:ext uri="{FF2B5EF4-FFF2-40B4-BE49-F238E27FC236}">
+                <a16:creationId xmlns:a16="http://schemas.microsoft.com/office/drawing/2014/main" id="{0D8DAFC3-C6ED-45A9-9CA6-074C68EC48B4}"/>
+              </a:ext>
+            </a:extLst>
+          </p:cNvPr>
+          <p:cNvSpPr>
+            <a:spLocks noGrp="1"/>
+          </p:cNvSpPr>
+          <p:nvPr>
+            <p:ph type="title"/>
+          </p:nvPr>
+        </p:nvSpPr>
+        <p:spPr/>
+        <p:txBody>
+          <a:bodyPr/>
+          <a:lstStyle/>
+          <a:p>
+            <a:r>
+              <a:rPr lang="en-US" altLang="ko-KR" dirty="0">
+                <a:latin typeface="청소년서체" panose="02020603020101020101" pitchFamily="18" charset="-127"/>
+                <a:ea typeface="청소년서체" panose="02020603020101020101" pitchFamily="18" charset="-127"/>
+              </a:rPr>
+              <a:t>Break</a:t>
+            </a:r>
+            <a:r>
+              <a:rPr lang="ko-KR" altLang="en-US" dirty="0">
+                <a:latin typeface="청소년서체" panose="02020603020101020101" pitchFamily="18" charset="-127"/>
+                <a:ea typeface="청소년서체" panose="02020603020101020101" pitchFamily="18" charset="-127"/>
+              </a:rPr>
+              <a:t> </a:t>
+            </a:r>
+            <a:r>
+              <a:rPr lang="en-US" altLang="ko-KR" dirty="0">
+                <a:latin typeface="청소년서체" panose="02020603020101020101" pitchFamily="18" charset="-127"/>
+                <a:ea typeface="청소년서체" panose="02020603020101020101" pitchFamily="18" charset="-127"/>
+              </a:rPr>
+              <a:t>Time</a:t>
+            </a:r>
+            <a:endParaRPr lang="ko-KR" altLang="en-US" dirty="0">
+              <a:latin typeface="청소년서체" panose="02020603020101020101" pitchFamily="18" charset="-127"/>
+              <a:ea typeface="청소년서체" panose="02020603020101020101" pitchFamily="18" charset="-127"/>
+            </a:endParaRPr>
+          </a:p>
+        </p:txBody>
+      </p:sp>
+    </p:spTree>
+    <p:extLst>
+      <p:ext uri="{BB962C8B-B14F-4D97-AF65-F5344CB8AC3E}">
+        <p14:creationId xmlns:p14="http://schemas.microsoft.com/office/powerpoint/2010/main" val="2311914778"/>
+      </p:ext>
+    </p:extLst>
+  </p:cSld>
+  <p:clrMapOvr>
+    <a:masterClrMapping/>
+  </p:clrMapOvr>
+  <p:transition>
+    <p:fade/>
+  </p:transition>
+</p:sld>
+</file>
+
+<file path=ppt/slides/slide19.xml><?xml version="1.0" encoding="utf-8"?>
 <p:sld xmlns:a="http://schemas.openxmlformats.org/drawingml/2006/main" xmlns:r="http://schemas.openxmlformats.org/officeDocument/2006/relationships" xmlns:p="http://schemas.openxmlformats.org/presentationml/2006/main">
   <p:cSld>
     <p:bg>
@@ -33537,130 +33859,6 @@
     <p:extLst>
       <p:ext uri="{BB962C8B-B14F-4D97-AF65-F5344CB8AC3E}">
         <p14:creationId xmlns:p14="http://schemas.microsoft.com/office/powerpoint/2010/main" val="1370872124"/>
-      </p:ext>
-    </p:extLst>
-  </p:cSld>
-  <p:clrMapOvr>
-    <a:masterClrMapping/>
-  </p:clrMapOvr>
-</p:sld>
-</file>
-
-<file path=ppt/slides/slide19.xml><?xml version="1.0" encoding="utf-8"?>
-<p:sld xmlns:a="http://schemas.openxmlformats.org/drawingml/2006/main" xmlns:r="http://schemas.openxmlformats.org/officeDocument/2006/relationships" xmlns:p="http://schemas.openxmlformats.org/presentationml/2006/main">
-  <p:cSld>
-    <p:spTree>
-      <p:nvGrpSpPr>
-        <p:cNvPr id="1" name=""/>
-        <p:cNvGrpSpPr/>
-        <p:nvPr/>
-      </p:nvGrpSpPr>
-      <p:grpSpPr>
-        <a:xfrm>
-          <a:off x="0" y="0"/>
-          <a:ext cx="0" cy="0"/>
-          <a:chOff x="0" y="0"/>
-          <a:chExt cx="0" cy="0"/>
-        </a:xfrm>
-      </p:grpSpPr>
-      <p:sp>
-        <p:nvSpPr>
-          <p:cNvPr id="4" name="Content Placeholder 3">
-            <a:extLst>
-              <a:ext uri="{FF2B5EF4-FFF2-40B4-BE49-F238E27FC236}">
-                <a16:creationId xmlns:a16="http://schemas.microsoft.com/office/drawing/2014/main" id="{CAADAED7-C25A-466A-A773-7660923F8291}"/>
-              </a:ext>
-            </a:extLst>
-          </p:cNvPr>
-          <p:cNvSpPr>
-            <a:spLocks noGrp="1"/>
-          </p:cNvSpPr>
-          <p:nvPr>
-            <p:ph idx="1"/>
-          </p:nvPr>
-        </p:nvSpPr>
-        <p:spPr/>
-        <p:txBody>
-          <a:bodyPr/>
-          <a:lstStyle/>
-          <a:p>
-            <a:r>
-              <a:rPr lang="ko-KR" altLang="en-US" dirty="0"/>
-              <a:t>버튼이 클릭되었을 때와 같은 상황에서는 아래의 코드처럼 </a:t>
-            </a:r>
-            <a:r>
-              <a:rPr lang="en-US" altLang="ko-KR" dirty="0"/>
-              <a:t>C#</a:t>
-            </a:r>
-            <a:r>
-              <a:rPr lang="ko-KR" altLang="en-US" dirty="0"/>
-              <a:t>에서 사용되는 이벤트 구문을 통해 처리합니다</a:t>
-            </a:r>
-          </a:p>
-        </p:txBody>
-      </p:sp>
-      <p:sp>
-        <p:nvSpPr>
-          <p:cNvPr id="3" name="Title 2">
-            <a:extLst>
-              <a:ext uri="{FF2B5EF4-FFF2-40B4-BE49-F238E27FC236}">
-                <a16:creationId xmlns:a16="http://schemas.microsoft.com/office/drawing/2014/main" id="{86C4BF55-2C8C-42BF-8DF0-1013BBB309F6}"/>
-              </a:ext>
-            </a:extLst>
-          </p:cNvPr>
-          <p:cNvSpPr>
-            <a:spLocks noGrp="1"/>
-          </p:cNvSpPr>
-          <p:nvPr>
-            <p:ph type="title"/>
-          </p:nvPr>
-        </p:nvSpPr>
-        <p:spPr/>
-        <p:txBody>
-          <a:bodyPr/>
-          <a:lstStyle/>
-          <a:p>
-            <a:r>
-              <a:rPr lang="ko-KR" altLang="en-US" dirty="0"/>
-              <a:t>이벤트 처리</a:t>
-            </a:r>
-          </a:p>
-        </p:txBody>
-      </p:sp>
-      <p:pic>
-        <p:nvPicPr>
-          <p:cNvPr id="2" name="Picture 1">
-            <a:extLst>
-              <a:ext uri="{FF2B5EF4-FFF2-40B4-BE49-F238E27FC236}">
-                <a16:creationId xmlns:a16="http://schemas.microsoft.com/office/drawing/2014/main" id="{59F02E4E-6A50-46F5-B673-24F268A64B2C}"/>
-              </a:ext>
-            </a:extLst>
-          </p:cNvPr>
-          <p:cNvPicPr>
-            <a:picLocks noChangeAspect="1"/>
-          </p:cNvPicPr>
-          <p:nvPr/>
-        </p:nvPicPr>
-        <p:blipFill>
-          <a:blip r:embed="rId2"/>
-          <a:stretch>
-            <a:fillRect/>
-          </a:stretch>
-        </p:blipFill>
-        <p:spPr>
-          <a:xfrm>
-            <a:off x="838200" y="3125998"/>
-            <a:ext cx="9810750" cy="3286125"/>
-          </a:xfrm>
-          <a:prstGeom prst="rect">
-            <a:avLst/>
-          </a:prstGeom>
-        </p:spPr>
-      </p:pic>
-    </p:spTree>
-    <p:extLst>
-      <p:ext uri="{BB962C8B-B14F-4D97-AF65-F5344CB8AC3E}">
-        <p14:creationId xmlns:p14="http://schemas.microsoft.com/office/powerpoint/2010/main" val="2066359063"/>
       </p:ext>
     </p:extLst>
   </p:cSld>
@@ -35844,6 +36042,130 @@
       </p:grpSpPr>
       <p:sp>
         <p:nvSpPr>
+          <p:cNvPr id="4" name="Content Placeholder 3">
+            <a:extLst>
+              <a:ext uri="{FF2B5EF4-FFF2-40B4-BE49-F238E27FC236}">
+                <a16:creationId xmlns:a16="http://schemas.microsoft.com/office/drawing/2014/main" id="{CAADAED7-C25A-466A-A773-7660923F8291}"/>
+              </a:ext>
+            </a:extLst>
+          </p:cNvPr>
+          <p:cNvSpPr>
+            <a:spLocks noGrp="1"/>
+          </p:cNvSpPr>
+          <p:nvPr>
+            <p:ph idx="1"/>
+          </p:nvPr>
+        </p:nvSpPr>
+        <p:spPr/>
+        <p:txBody>
+          <a:bodyPr/>
+          <a:lstStyle/>
+          <a:p>
+            <a:r>
+              <a:rPr lang="ko-KR" altLang="en-US" dirty="0"/>
+              <a:t>버튼이 클릭되었을 때와 같은 상황에서는 아래의 코드처럼 </a:t>
+            </a:r>
+            <a:r>
+              <a:rPr lang="en-US" altLang="ko-KR" dirty="0"/>
+              <a:t>C#</a:t>
+            </a:r>
+            <a:r>
+              <a:rPr lang="ko-KR" altLang="en-US" dirty="0"/>
+              <a:t>에서 사용되는 이벤트 구문을 통해 처리합니다</a:t>
+            </a:r>
+          </a:p>
+        </p:txBody>
+      </p:sp>
+      <p:sp>
+        <p:nvSpPr>
+          <p:cNvPr id="3" name="Title 2">
+            <a:extLst>
+              <a:ext uri="{FF2B5EF4-FFF2-40B4-BE49-F238E27FC236}">
+                <a16:creationId xmlns:a16="http://schemas.microsoft.com/office/drawing/2014/main" id="{86C4BF55-2C8C-42BF-8DF0-1013BBB309F6}"/>
+              </a:ext>
+            </a:extLst>
+          </p:cNvPr>
+          <p:cNvSpPr>
+            <a:spLocks noGrp="1"/>
+          </p:cNvSpPr>
+          <p:nvPr>
+            <p:ph type="title"/>
+          </p:nvPr>
+        </p:nvSpPr>
+        <p:spPr/>
+        <p:txBody>
+          <a:bodyPr/>
+          <a:lstStyle/>
+          <a:p>
+            <a:r>
+              <a:rPr lang="ko-KR" altLang="en-US" dirty="0"/>
+              <a:t>이벤트 처리</a:t>
+            </a:r>
+          </a:p>
+        </p:txBody>
+      </p:sp>
+      <p:pic>
+        <p:nvPicPr>
+          <p:cNvPr id="2" name="Picture 1">
+            <a:extLst>
+              <a:ext uri="{FF2B5EF4-FFF2-40B4-BE49-F238E27FC236}">
+                <a16:creationId xmlns:a16="http://schemas.microsoft.com/office/drawing/2014/main" id="{59F02E4E-6A50-46F5-B673-24F268A64B2C}"/>
+              </a:ext>
+            </a:extLst>
+          </p:cNvPr>
+          <p:cNvPicPr>
+            <a:picLocks noChangeAspect="1"/>
+          </p:cNvPicPr>
+          <p:nvPr/>
+        </p:nvPicPr>
+        <p:blipFill>
+          <a:blip r:embed="rId2"/>
+          <a:stretch>
+            <a:fillRect/>
+          </a:stretch>
+        </p:blipFill>
+        <p:spPr>
+          <a:xfrm>
+            <a:off x="838200" y="3125998"/>
+            <a:ext cx="9810750" cy="3286125"/>
+          </a:xfrm>
+          <a:prstGeom prst="rect">
+            <a:avLst/>
+          </a:prstGeom>
+        </p:spPr>
+      </p:pic>
+    </p:spTree>
+    <p:extLst>
+      <p:ext uri="{BB962C8B-B14F-4D97-AF65-F5344CB8AC3E}">
+        <p14:creationId xmlns:p14="http://schemas.microsoft.com/office/powerpoint/2010/main" val="2066359063"/>
+      </p:ext>
+    </p:extLst>
+  </p:cSld>
+  <p:clrMapOvr>
+    <a:masterClrMapping/>
+  </p:clrMapOvr>
+</p:sld>
+</file>
+
+<file path=ppt/slides/slide21.xml><?xml version="1.0" encoding="utf-8"?>
+<p:sld xmlns:a="http://schemas.openxmlformats.org/drawingml/2006/main" xmlns:r="http://schemas.openxmlformats.org/officeDocument/2006/relationships" xmlns:p="http://schemas.openxmlformats.org/presentationml/2006/main">
+  <p:cSld>
+    <p:spTree>
+      <p:nvGrpSpPr>
+        <p:cNvPr id="1" name=""/>
+        <p:cNvGrpSpPr/>
+        <p:nvPr/>
+      </p:nvGrpSpPr>
+      <p:grpSpPr>
+        <a:xfrm>
+          <a:off x="0" y="0"/>
+          <a:ext cx="0" cy="0"/>
+          <a:chOff x="0" y="0"/>
+          <a:chExt cx="0" cy="0"/>
+        </a:xfrm>
+      </p:grpSpPr>
+      <p:sp>
+        <p:nvSpPr>
           <p:cNvPr id="2" name="Title 1">
             <a:extLst>
               <a:ext uri="{FF2B5EF4-FFF2-40B4-BE49-F238E27FC236}">
@@ -35993,7 +36315,7 @@
 </p:sld>
 </file>
 
-<file path=ppt/slides/slide21.xml><?xml version="1.0" encoding="utf-8"?>
+<file path=ppt/slides/slide22.xml><?xml version="1.0" encoding="utf-8"?>
 <p:sld xmlns:a="http://schemas.openxmlformats.org/drawingml/2006/main" xmlns:r="http://schemas.openxmlformats.org/officeDocument/2006/relationships" xmlns:p="http://schemas.openxmlformats.org/presentationml/2006/main">
   <p:cSld>
     <p:spTree>
@@ -36347,7 +36669,7 @@
 </p:sld>
 </file>
 
-<file path=ppt/slides/slide22.xml><?xml version="1.0" encoding="utf-8"?>
+<file path=ppt/slides/slide23.xml><?xml version="1.0" encoding="utf-8"?>
 <p:sld xmlns:a="http://schemas.openxmlformats.org/drawingml/2006/main" xmlns:r="http://schemas.openxmlformats.org/officeDocument/2006/relationships" xmlns:p="http://schemas.openxmlformats.org/presentationml/2006/main">
   <p:cSld>
     <p:spTree>
@@ -36438,7 +36760,7 @@
 </p:sld>
 </file>
 
-<file path=ppt/slides/slide23.xml><?xml version="1.0" encoding="utf-8"?>
+<file path=ppt/slides/slide24.xml><?xml version="1.0" encoding="utf-8"?>
 <p:sld xmlns:a="http://schemas.openxmlformats.org/drawingml/2006/main" xmlns:r="http://schemas.openxmlformats.org/officeDocument/2006/relationships" xmlns:p="http://schemas.openxmlformats.org/presentationml/2006/main">
   <p:cSld>
     <p:spTree>
@@ -36529,7 +36851,7 @@
 </p:sld>
 </file>
 
-<file path=ppt/slides/slide24.xml><?xml version="1.0" encoding="utf-8"?>
+<file path=ppt/slides/slide25.xml><?xml version="1.0" encoding="utf-8"?>
 <p:sld xmlns:a="http://schemas.openxmlformats.org/drawingml/2006/main" xmlns:r="http://schemas.openxmlformats.org/officeDocument/2006/relationships" xmlns:p="http://schemas.openxmlformats.org/presentationml/2006/main">
   <p:cSld>
     <p:spTree>
@@ -36620,7 +36942,7 @@
 </p:sld>
 </file>
 
-<file path=ppt/slides/slide25.xml><?xml version="1.0" encoding="utf-8"?>
+<file path=ppt/slides/slide26.xml><?xml version="1.0" encoding="utf-8"?>
 <p:sld xmlns:a="http://schemas.openxmlformats.org/drawingml/2006/main" xmlns:r="http://schemas.openxmlformats.org/officeDocument/2006/relationships" xmlns:p="http://schemas.openxmlformats.org/presentationml/2006/main">
   <p:cSld>
     <p:spTree>
@@ -36711,7 +37033,7 @@
 </p:sld>
 </file>
 
-<file path=ppt/slides/slide26.xml><?xml version="1.0" encoding="utf-8"?>
+<file path=ppt/slides/slide27.xml><?xml version="1.0" encoding="utf-8"?>
 <p:sld xmlns:a="http://schemas.openxmlformats.org/drawingml/2006/main" xmlns:r="http://schemas.openxmlformats.org/officeDocument/2006/relationships" xmlns:p="http://schemas.openxmlformats.org/presentationml/2006/main">
   <p:cSld>
     <p:bg>
@@ -36826,7 +37148,7 @@
 </p:sld>
 </file>
 
-<file path=ppt/slides/slide27.xml><?xml version="1.0" encoding="utf-8"?>
+<file path=ppt/slides/slide28.xml><?xml version="1.0" encoding="utf-8"?>
 <p:sld xmlns:a="http://schemas.openxmlformats.org/drawingml/2006/main" xmlns:r="http://schemas.openxmlformats.org/officeDocument/2006/relationships" xmlns:p="http://schemas.openxmlformats.org/presentationml/2006/main">
   <p:cSld>
     <p:spTree>

--- a/120-Xamarin.Forms/[XAM120] Xamarin.Forms.pptx
+++ b/120-Xamarin.Forms/[XAM120] Xamarin.Forms.pptx
@@ -27,14 +27,14 @@
     <p:sldId id="323" r:id="rId18"/>
     <p:sldId id="324" r:id="rId19"/>
     <p:sldId id="325" r:id="rId20"/>
-    <p:sldId id="322" r:id="rId21"/>
-    <p:sldId id="306" r:id="rId22"/>
-    <p:sldId id="311" r:id="rId23"/>
-    <p:sldId id="312" r:id="rId24"/>
-    <p:sldId id="313" r:id="rId25"/>
-    <p:sldId id="314" r:id="rId26"/>
-    <p:sldId id="315" r:id="rId27"/>
-    <p:sldId id="316" r:id="rId28"/>
+    <p:sldId id="306" r:id="rId21"/>
+    <p:sldId id="311" r:id="rId22"/>
+    <p:sldId id="312" r:id="rId23"/>
+    <p:sldId id="313" r:id="rId24"/>
+    <p:sldId id="314" r:id="rId25"/>
+    <p:sldId id="315" r:id="rId26"/>
+    <p:sldId id="316" r:id="rId27"/>
+    <p:sldId id="322" r:id="rId28"/>
     <p:sldId id="318" r:id="rId29"/>
     <p:sldId id="317" r:id="rId30"/>
   </p:sldIdLst>
@@ -229,7 +229,7 @@
           <a:p>
             <a:fld id="{DEEA3CE9-A34F-4524-B7F8-A67B315DCB6B}" type="datetimeFigureOut">
               <a:rPr lang="ko-KR" altLang="en-US" smtClean="0"/>
-              <a:t>2017-03-27</a:t>
+              <a:t>2017-03-28</a:t>
             </a:fld>
             <a:endParaRPr lang="ko-KR" altLang="en-US"/>
           </a:p>
@@ -856,6 +856,98 @@
           <a:bodyPr/>
           <a:lstStyle/>
           <a:p>
+            <a:r>
+              <a:rPr lang="en-US" altLang="ko-KR" dirty="0" err="1"/>
+              <a:t>Xam</a:t>
+            </a:r>
+            <a:r>
+              <a:rPr lang="en-US" altLang="ko-KR" dirty="0"/>
+              <a:t> 110, 300</a:t>
+            </a:r>
+            <a:endParaRPr lang="ko-KR" altLang="en-US" dirty="0"/>
+          </a:p>
+        </p:txBody>
+      </p:sp>
+      <p:sp>
+        <p:nvSpPr>
+          <p:cNvPr id="4" name="Slide Number Placeholder 3"/>
+          <p:cNvSpPr>
+            <a:spLocks noGrp="1"/>
+          </p:cNvSpPr>
+          <p:nvPr>
+            <p:ph type="sldNum" sz="quarter" idx="10"/>
+          </p:nvPr>
+        </p:nvSpPr>
+        <p:spPr/>
+        <p:txBody>
+          <a:bodyPr/>
+          <a:lstStyle/>
+          <a:p>
+            <a:fld id="{25881C45-759B-44A5-8C84-441FD31AAD5E}" type="slidenum">
+              <a:rPr lang="ko-KR" altLang="en-US" smtClean="0"/>
+              <a:t>20</a:t>
+            </a:fld>
+            <a:endParaRPr lang="ko-KR" altLang="en-US"/>
+          </a:p>
+        </p:txBody>
+      </p:sp>
+    </p:spTree>
+    <p:extLst>
+      <p:ext uri="{BB962C8B-B14F-4D97-AF65-F5344CB8AC3E}">
+        <p14:creationId xmlns:p14="http://schemas.microsoft.com/office/powerpoint/2010/main" val="1389566325"/>
+      </p:ext>
+    </p:extLst>
+  </p:cSld>
+  <p:clrMapOvr>
+    <a:masterClrMapping/>
+  </p:clrMapOvr>
+</p:notes>
+</file>
+
+<file path=ppt/notesSlides/notesSlide12.xml><?xml version="1.0" encoding="utf-8"?>
+<p:notes xmlns:a="http://schemas.openxmlformats.org/drawingml/2006/main" xmlns:r="http://schemas.openxmlformats.org/officeDocument/2006/relationships" xmlns:p="http://schemas.openxmlformats.org/presentationml/2006/main">
+  <p:cSld>
+    <p:spTree>
+      <p:nvGrpSpPr>
+        <p:cNvPr id="1" name=""/>
+        <p:cNvGrpSpPr/>
+        <p:nvPr/>
+      </p:nvGrpSpPr>
+      <p:grpSpPr>
+        <a:xfrm>
+          <a:off x="0" y="0"/>
+          <a:ext cx="0" cy="0"/>
+          <a:chOff x="0" y="0"/>
+          <a:chExt cx="0" cy="0"/>
+        </a:xfrm>
+      </p:grpSpPr>
+      <p:sp>
+        <p:nvSpPr>
+          <p:cNvPr id="2" name="Slide Image Placeholder 1"/>
+          <p:cNvSpPr>
+            <a:spLocks noGrp="1" noRot="1" noChangeAspect="1"/>
+          </p:cNvSpPr>
+          <p:nvPr>
+            <p:ph type="sldImg"/>
+          </p:nvPr>
+        </p:nvSpPr>
+        <p:spPr/>
+      </p:sp>
+      <p:sp>
+        <p:nvSpPr>
+          <p:cNvPr id="3" name="Notes Placeholder 2"/>
+          <p:cNvSpPr>
+            <a:spLocks noGrp="1"/>
+          </p:cNvSpPr>
+          <p:nvPr>
+            <p:ph type="body" idx="1"/>
+          </p:nvPr>
+        </p:nvSpPr>
+        <p:spPr/>
+        <p:txBody>
+          <a:bodyPr/>
+          <a:lstStyle/>
+          <a:p>
             <a:pPr marL="228600" indent="-228600">
               <a:buAutoNum type="arabicPeriod"/>
             </a:pPr>
@@ -927,7 +1019,7 @@
                 <a:tabLst/>
                 <a:defRPr/>
               </a:pPr>
-              <a:t>19</a:t>
+              <a:t>26</a:t>
             </a:fld>
             <a:endParaRPr kumimoji="0" lang="ko-KR" altLang="en-US" sz="1200" b="0" i="0" u="none" strike="noStrike" kern="1200" cap="none" spc="0" normalizeH="0" baseline="0" noProof="0">
               <a:ln>
@@ -950,98 +1042,6 @@
     <p:extLst>
       <p:ext uri="{BB962C8B-B14F-4D97-AF65-F5344CB8AC3E}">
         <p14:creationId xmlns:p14="http://schemas.microsoft.com/office/powerpoint/2010/main" val="1401055936"/>
-      </p:ext>
-    </p:extLst>
-  </p:cSld>
-  <p:clrMapOvr>
-    <a:masterClrMapping/>
-  </p:clrMapOvr>
-</p:notes>
-</file>
-
-<file path=ppt/notesSlides/notesSlide12.xml><?xml version="1.0" encoding="utf-8"?>
-<p:notes xmlns:a="http://schemas.openxmlformats.org/drawingml/2006/main" xmlns:r="http://schemas.openxmlformats.org/officeDocument/2006/relationships" xmlns:p="http://schemas.openxmlformats.org/presentationml/2006/main">
-  <p:cSld>
-    <p:spTree>
-      <p:nvGrpSpPr>
-        <p:cNvPr id="1" name=""/>
-        <p:cNvGrpSpPr/>
-        <p:nvPr/>
-      </p:nvGrpSpPr>
-      <p:grpSpPr>
-        <a:xfrm>
-          <a:off x="0" y="0"/>
-          <a:ext cx="0" cy="0"/>
-          <a:chOff x="0" y="0"/>
-          <a:chExt cx="0" cy="0"/>
-        </a:xfrm>
-      </p:grpSpPr>
-      <p:sp>
-        <p:nvSpPr>
-          <p:cNvPr id="2" name="Slide Image Placeholder 1"/>
-          <p:cNvSpPr>
-            <a:spLocks noGrp="1" noRot="1" noChangeAspect="1"/>
-          </p:cNvSpPr>
-          <p:nvPr>
-            <p:ph type="sldImg"/>
-          </p:nvPr>
-        </p:nvSpPr>
-        <p:spPr/>
-      </p:sp>
-      <p:sp>
-        <p:nvSpPr>
-          <p:cNvPr id="3" name="Notes Placeholder 2"/>
-          <p:cNvSpPr>
-            <a:spLocks noGrp="1"/>
-          </p:cNvSpPr>
-          <p:nvPr>
-            <p:ph type="body" idx="1"/>
-          </p:nvPr>
-        </p:nvSpPr>
-        <p:spPr/>
-        <p:txBody>
-          <a:bodyPr/>
-          <a:lstStyle/>
-          <a:p>
-            <a:r>
-              <a:rPr lang="en-US" altLang="ko-KR" dirty="0" err="1"/>
-              <a:t>Xam</a:t>
-            </a:r>
-            <a:r>
-              <a:rPr lang="en-US" altLang="ko-KR" dirty="0"/>
-              <a:t> 110, 300</a:t>
-            </a:r>
-            <a:endParaRPr lang="ko-KR" altLang="en-US" dirty="0"/>
-          </a:p>
-        </p:txBody>
-      </p:sp>
-      <p:sp>
-        <p:nvSpPr>
-          <p:cNvPr id="4" name="Slide Number Placeholder 3"/>
-          <p:cNvSpPr>
-            <a:spLocks noGrp="1"/>
-          </p:cNvSpPr>
-          <p:nvPr>
-            <p:ph type="sldNum" sz="quarter" idx="10"/>
-          </p:nvPr>
-        </p:nvSpPr>
-        <p:spPr/>
-        <p:txBody>
-          <a:bodyPr/>
-          <a:lstStyle/>
-          <a:p>
-            <a:fld id="{25881C45-759B-44A5-8C84-441FD31AAD5E}" type="slidenum">
-              <a:rPr lang="ko-KR" altLang="en-US" smtClean="0"/>
-              <a:t>21</a:t>
-            </a:fld>
-            <a:endParaRPr lang="ko-KR" altLang="en-US"/>
-          </a:p>
-        </p:txBody>
-      </p:sp>
-    </p:spTree>
-    <p:extLst>
-      <p:ext uri="{BB962C8B-B14F-4D97-AF65-F5344CB8AC3E}">
-        <p14:creationId xmlns:p14="http://schemas.microsoft.com/office/powerpoint/2010/main" val="1389566325"/>
       </p:ext>
     </p:extLst>
   </p:cSld>
@@ -1532,7 +1532,7 @@
                 <a:tabLst/>
                 <a:defRPr/>
               </a:pPr>
-              <a:t>3/27/2017 10:29 PM</a:t>
+              <a:t>3/28/2017 12:41 PM</a:t>
             </a:fld>
             <a:endParaRPr kumimoji="0" lang="en-US" sz="1200" b="0" i="0" u="none" strike="noStrike" kern="1200" cap="none" spc="0" normalizeH="0" baseline="0" noProof="0" dirty="0">
               <a:ln>
@@ -2667,7 +2667,7 @@
           <a:p>
             <a:fld id="{1654ACF3-E943-4A23-A21B-2BBF8F7FF799}" type="datetimeFigureOut">
               <a:rPr lang="ko-KR" altLang="en-US" smtClean="0"/>
-              <a:t>2017-03-27</a:t>
+              <a:t>2017-03-28</a:t>
             </a:fld>
             <a:endParaRPr lang="ko-KR" altLang="en-US"/>
           </a:p>
@@ -2867,7 +2867,7 @@
           <a:p>
             <a:fld id="{1654ACF3-E943-4A23-A21B-2BBF8F7FF799}" type="datetimeFigureOut">
               <a:rPr lang="ko-KR" altLang="en-US" smtClean="0"/>
-              <a:t>2017-03-27</a:t>
+              <a:t>2017-03-28</a:t>
             </a:fld>
             <a:endParaRPr lang="ko-KR" altLang="en-US"/>
           </a:p>
@@ -3077,7 +3077,7 @@
           <a:p>
             <a:fld id="{1654ACF3-E943-4A23-A21B-2BBF8F7FF799}" type="datetimeFigureOut">
               <a:rPr lang="ko-KR" altLang="en-US" smtClean="0"/>
-              <a:t>2017-03-27</a:t>
+              <a:t>2017-03-28</a:t>
             </a:fld>
             <a:endParaRPr lang="ko-KR" altLang="en-US"/>
           </a:p>
@@ -27538,7 +27538,7 @@
           <a:p>
             <a:fld id="{1654ACF3-E943-4A23-A21B-2BBF8F7FF799}" type="datetimeFigureOut">
               <a:rPr lang="ko-KR" altLang="en-US" smtClean="0"/>
-              <a:t>2017-03-27</a:t>
+              <a:t>2017-03-28</a:t>
             </a:fld>
             <a:endParaRPr lang="ko-KR" altLang="en-US"/>
           </a:p>
@@ -29172,7 +29172,7 @@
           <a:p>
             <a:fld id="{1654ACF3-E943-4A23-A21B-2BBF8F7FF799}" type="datetimeFigureOut">
               <a:rPr lang="ko-KR" altLang="en-US" smtClean="0"/>
-              <a:t>2017-03-27</a:t>
+              <a:t>2017-03-28</a:t>
             </a:fld>
             <a:endParaRPr lang="ko-KR" altLang="en-US"/>
           </a:p>
@@ -29440,7 +29440,7 @@
           <a:p>
             <a:fld id="{1654ACF3-E943-4A23-A21B-2BBF8F7FF799}" type="datetimeFigureOut">
               <a:rPr lang="ko-KR" altLang="en-US" smtClean="0"/>
-              <a:t>2017-03-27</a:t>
+              <a:t>2017-03-28</a:t>
             </a:fld>
             <a:endParaRPr lang="ko-KR" altLang="en-US"/>
           </a:p>
@@ -29855,7 +29855,7 @@
           <a:p>
             <a:fld id="{1654ACF3-E943-4A23-A21B-2BBF8F7FF799}" type="datetimeFigureOut">
               <a:rPr lang="ko-KR" altLang="en-US" smtClean="0"/>
-              <a:t>2017-03-27</a:t>
+              <a:t>2017-03-28</a:t>
             </a:fld>
             <a:endParaRPr lang="ko-KR" altLang="en-US"/>
           </a:p>
@@ -29997,7 +29997,7 @@
           <a:p>
             <a:fld id="{1654ACF3-E943-4A23-A21B-2BBF8F7FF799}" type="datetimeFigureOut">
               <a:rPr lang="ko-KR" altLang="en-US" smtClean="0"/>
-              <a:t>2017-03-27</a:t>
+              <a:t>2017-03-28</a:t>
             </a:fld>
             <a:endParaRPr lang="ko-KR" altLang="en-US"/>
           </a:p>
@@ -30110,7 +30110,7 @@
           <a:p>
             <a:fld id="{1654ACF3-E943-4A23-A21B-2BBF8F7FF799}" type="datetimeFigureOut">
               <a:rPr lang="ko-KR" altLang="en-US" smtClean="0"/>
-              <a:t>2017-03-27</a:t>
+              <a:t>2017-03-28</a:t>
             </a:fld>
             <a:endParaRPr lang="ko-KR" altLang="en-US"/>
           </a:p>
@@ -30423,7 +30423,7 @@
           <a:p>
             <a:fld id="{1654ACF3-E943-4A23-A21B-2BBF8F7FF799}" type="datetimeFigureOut">
               <a:rPr lang="ko-KR" altLang="en-US" smtClean="0"/>
-              <a:t>2017-03-27</a:t>
+              <a:t>2017-03-28</a:t>
             </a:fld>
             <a:endParaRPr lang="ko-KR" altLang="en-US"/>
           </a:p>
@@ -30712,7 +30712,7 @@
           <a:p>
             <a:fld id="{1654ACF3-E943-4A23-A21B-2BBF8F7FF799}" type="datetimeFigureOut">
               <a:rPr lang="ko-KR" altLang="en-US" smtClean="0"/>
-              <a:t>2017-03-27</a:t>
+              <a:t>2017-03-28</a:t>
             </a:fld>
             <a:endParaRPr lang="ko-KR" altLang="en-US"/>
           </a:p>
@@ -30955,7 +30955,7 @@
           <a:p>
             <a:fld id="{1654ACF3-E943-4A23-A21B-2BBF8F7FF799}" type="datetimeFigureOut">
               <a:rPr lang="ko-KR" altLang="en-US" smtClean="0"/>
-              <a:t>2017-03-27</a:t>
+              <a:t>2017-03-28</a:t>
             </a:fld>
             <a:endParaRPr lang="ko-KR" altLang="en-US"/>
           </a:p>
@@ -33740,14 +33740,6 @@
 <file path=ppt/slides/slide19.xml><?xml version="1.0" encoding="utf-8"?>
 <p:sld xmlns:a="http://schemas.openxmlformats.org/drawingml/2006/main" xmlns:r="http://schemas.openxmlformats.org/officeDocument/2006/relationships" xmlns:p="http://schemas.openxmlformats.org/presentationml/2006/main">
   <p:cSld>
-    <p:bg>
-      <p:bgPr>
-        <a:solidFill>
-          <a:srgbClr val="349FE7"/>
-        </a:solidFill>
-        <a:effectLst/>
-      </p:bgPr>
-    </p:bg>
     <p:spTree>
       <p:nvGrpSpPr>
         <p:cNvPr id="1" name=""/>
@@ -33764,10 +33756,46 @@
       </p:grpSpPr>
       <p:sp>
         <p:nvSpPr>
+          <p:cNvPr id="4" name="Content Placeholder 3">
+            <a:extLst>
+              <a:ext uri="{FF2B5EF4-FFF2-40B4-BE49-F238E27FC236}">
+                <a16:creationId xmlns:a16="http://schemas.microsoft.com/office/drawing/2014/main" id="{CAADAED7-C25A-466A-A773-7660923F8291}"/>
+              </a:ext>
+            </a:extLst>
+          </p:cNvPr>
+          <p:cNvSpPr>
+            <a:spLocks noGrp="1"/>
+          </p:cNvSpPr>
+          <p:nvPr>
+            <p:ph idx="1"/>
+          </p:nvPr>
+        </p:nvSpPr>
+        <p:spPr/>
+        <p:txBody>
+          <a:bodyPr/>
+          <a:lstStyle/>
+          <a:p>
+            <a:r>
+              <a:rPr lang="ko-KR" altLang="en-US" dirty="0"/>
+              <a:t>버튼이 클릭되었을 때와 같은 상황에서는 아래의 코드처럼 </a:t>
+            </a:r>
+            <a:r>
+              <a:rPr lang="en-US" altLang="ko-KR" dirty="0"/>
+              <a:t>C#</a:t>
+            </a:r>
+            <a:r>
+              <a:rPr lang="ko-KR" altLang="en-US" dirty="0"/>
+              <a:t>에서 사용되는 이벤트 구문을 통해 처리합니다</a:t>
+            </a:r>
+          </a:p>
+        </p:txBody>
+      </p:sp>
+      <p:sp>
+        <p:nvSpPr>
           <p:cNvPr id="3" name="Title 2">
             <a:extLst>
               <a:ext uri="{FF2B5EF4-FFF2-40B4-BE49-F238E27FC236}">
-                <a16:creationId xmlns:a16="http://schemas.microsoft.com/office/drawing/2014/main" id="{E039260B-0DF6-4325-9D90-32DF1F8419A2}"/>
+                <a16:creationId xmlns:a16="http://schemas.microsoft.com/office/drawing/2014/main" id="{86C4BF55-2C8C-42BF-8DF0-1013BBB309F6}"/>
               </a:ext>
             </a:extLst>
           </p:cNvPr>
@@ -33784,81 +33812,46 @@
           <a:lstStyle/>
           <a:p>
             <a:r>
-              <a:rPr lang="ko-KR" altLang="en-US" dirty="0">
-                <a:solidFill>
-                  <a:schemeClr val="bg1"/>
-                </a:solidFill>
-              </a:rPr>
-              <a:t>실습</a:t>
-            </a:r>
-            <a:r>
-              <a:rPr lang="en-US" altLang="ko-KR" dirty="0">
-                <a:solidFill>
-                  <a:schemeClr val="bg1"/>
-                </a:solidFill>
-              </a:rPr>
-              <a:t> 120 – Lab2</a:t>
-            </a:r>
-            <a:endParaRPr lang="ko-KR" altLang="en-US" dirty="0">
-              <a:solidFill>
-                <a:schemeClr val="bg1"/>
-              </a:solidFill>
-            </a:endParaRPr>
-          </a:p>
-        </p:txBody>
-      </p:sp>
-      <p:sp>
-        <p:nvSpPr>
-          <p:cNvPr id="6" name="Text Placeholder 5">
-            <a:extLst>
-              <a:ext uri="{FF2B5EF4-FFF2-40B4-BE49-F238E27FC236}">
-                <a16:creationId xmlns:a16="http://schemas.microsoft.com/office/drawing/2014/main" id="{4538CE48-6EED-4A89-8809-CE48D975C22B}"/>
-              </a:ext>
-            </a:extLst>
-          </p:cNvPr>
-          <p:cNvSpPr>
-            <a:spLocks noGrp="1"/>
-          </p:cNvSpPr>
-          <p:nvPr>
-            <p:ph type="body" idx="1"/>
-          </p:nvPr>
-        </p:nvSpPr>
-        <p:spPr/>
-        <p:txBody>
-          <a:bodyPr/>
-          <a:lstStyle/>
-          <a:p>
-            <a:r>
-              <a:rPr lang="ko-KR" altLang="en-US" dirty="0">
-                <a:solidFill>
-                  <a:schemeClr val="bg1"/>
-                </a:solidFill>
-              </a:rPr>
-              <a:t>전화걸기 </a:t>
-            </a:r>
-            <a:r>
-              <a:rPr lang="en-US" altLang="ko-KR" dirty="0">
-                <a:solidFill>
-                  <a:schemeClr val="bg1"/>
-                </a:solidFill>
-              </a:rPr>
-              <a:t>UI </a:t>
-            </a:r>
-            <a:r>
-              <a:rPr lang="ko-KR" altLang="en-US" dirty="0">
-                <a:solidFill>
-                  <a:schemeClr val="bg1"/>
-                </a:solidFill>
-              </a:rPr>
-              <a:t>만들기</a:t>
+              <a:rPr lang="ko-KR" altLang="en-US" dirty="0"/>
+              <a:t>이벤트 처리</a:t>
             </a:r>
           </a:p>
         </p:txBody>
       </p:sp>
+      <p:pic>
+        <p:nvPicPr>
+          <p:cNvPr id="2" name="Picture 1">
+            <a:extLst>
+              <a:ext uri="{FF2B5EF4-FFF2-40B4-BE49-F238E27FC236}">
+                <a16:creationId xmlns:a16="http://schemas.microsoft.com/office/drawing/2014/main" id="{59F02E4E-6A50-46F5-B673-24F268A64B2C}"/>
+              </a:ext>
+            </a:extLst>
+          </p:cNvPr>
+          <p:cNvPicPr>
+            <a:picLocks noChangeAspect="1"/>
+          </p:cNvPicPr>
+          <p:nvPr/>
+        </p:nvPicPr>
+        <p:blipFill>
+          <a:blip r:embed="rId2"/>
+          <a:stretch>
+            <a:fillRect/>
+          </a:stretch>
+        </p:blipFill>
+        <p:spPr>
+          <a:xfrm>
+            <a:off x="838200" y="3125998"/>
+            <a:ext cx="9810750" cy="3286125"/>
+          </a:xfrm>
+          <a:prstGeom prst="rect">
+            <a:avLst/>
+          </a:prstGeom>
+        </p:spPr>
+      </p:pic>
     </p:spTree>
     <p:extLst>
       <p:ext uri="{BB962C8B-B14F-4D97-AF65-F5344CB8AC3E}">
-        <p14:creationId xmlns:p14="http://schemas.microsoft.com/office/powerpoint/2010/main" val="1370872124"/>
+        <p14:creationId xmlns:p14="http://schemas.microsoft.com/office/powerpoint/2010/main" val="2066359063"/>
       </p:ext>
     </p:extLst>
   </p:cSld>
@@ -36042,130 +36035,6 @@
       </p:grpSpPr>
       <p:sp>
         <p:nvSpPr>
-          <p:cNvPr id="4" name="Content Placeholder 3">
-            <a:extLst>
-              <a:ext uri="{FF2B5EF4-FFF2-40B4-BE49-F238E27FC236}">
-                <a16:creationId xmlns:a16="http://schemas.microsoft.com/office/drawing/2014/main" id="{CAADAED7-C25A-466A-A773-7660923F8291}"/>
-              </a:ext>
-            </a:extLst>
-          </p:cNvPr>
-          <p:cNvSpPr>
-            <a:spLocks noGrp="1"/>
-          </p:cNvSpPr>
-          <p:nvPr>
-            <p:ph idx="1"/>
-          </p:nvPr>
-        </p:nvSpPr>
-        <p:spPr/>
-        <p:txBody>
-          <a:bodyPr/>
-          <a:lstStyle/>
-          <a:p>
-            <a:r>
-              <a:rPr lang="ko-KR" altLang="en-US" dirty="0"/>
-              <a:t>버튼이 클릭되었을 때와 같은 상황에서는 아래의 코드처럼 </a:t>
-            </a:r>
-            <a:r>
-              <a:rPr lang="en-US" altLang="ko-KR" dirty="0"/>
-              <a:t>C#</a:t>
-            </a:r>
-            <a:r>
-              <a:rPr lang="ko-KR" altLang="en-US" dirty="0"/>
-              <a:t>에서 사용되는 이벤트 구문을 통해 처리합니다</a:t>
-            </a:r>
-          </a:p>
-        </p:txBody>
-      </p:sp>
-      <p:sp>
-        <p:nvSpPr>
-          <p:cNvPr id="3" name="Title 2">
-            <a:extLst>
-              <a:ext uri="{FF2B5EF4-FFF2-40B4-BE49-F238E27FC236}">
-                <a16:creationId xmlns:a16="http://schemas.microsoft.com/office/drawing/2014/main" id="{86C4BF55-2C8C-42BF-8DF0-1013BBB309F6}"/>
-              </a:ext>
-            </a:extLst>
-          </p:cNvPr>
-          <p:cNvSpPr>
-            <a:spLocks noGrp="1"/>
-          </p:cNvSpPr>
-          <p:nvPr>
-            <p:ph type="title"/>
-          </p:nvPr>
-        </p:nvSpPr>
-        <p:spPr/>
-        <p:txBody>
-          <a:bodyPr/>
-          <a:lstStyle/>
-          <a:p>
-            <a:r>
-              <a:rPr lang="ko-KR" altLang="en-US" dirty="0"/>
-              <a:t>이벤트 처리</a:t>
-            </a:r>
-          </a:p>
-        </p:txBody>
-      </p:sp>
-      <p:pic>
-        <p:nvPicPr>
-          <p:cNvPr id="2" name="Picture 1">
-            <a:extLst>
-              <a:ext uri="{FF2B5EF4-FFF2-40B4-BE49-F238E27FC236}">
-                <a16:creationId xmlns:a16="http://schemas.microsoft.com/office/drawing/2014/main" id="{59F02E4E-6A50-46F5-B673-24F268A64B2C}"/>
-              </a:ext>
-            </a:extLst>
-          </p:cNvPr>
-          <p:cNvPicPr>
-            <a:picLocks noChangeAspect="1"/>
-          </p:cNvPicPr>
-          <p:nvPr/>
-        </p:nvPicPr>
-        <p:blipFill>
-          <a:blip r:embed="rId2"/>
-          <a:stretch>
-            <a:fillRect/>
-          </a:stretch>
-        </p:blipFill>
-        <p:spPr>
-          <a:xfrm>
-            <a:off x="838200" y="3125998"/>
-            <a:ext cx="9810750" cy="3286125"/>
-          </a:xfrm>
-          <a:prstGeom prst="rect">
-            <a:avLst/>
-          </a:prstGeom>
-        </p:spPr>
-      </p:pic>
-    </p:spTree>
-    <p:extLst>
-      <p:ext uri="{BB962C8B-B14F-4D97-AF65-F5344CB8AC3E}">
-        <p14:creationId xmlns:p14="http://schemas.microsoft.com/office/powerpoint/2010/main" val="2066359063"/>
-      </p:ext>
-    </p:extLst>
-  </p:cSld>
-  <p:clrMapOvr>
-    <a:masterClrMapping/>
-  </p:clrMapOvr>
-</p:sld>
-</file>
-
-<file path=ppt/slides/slide21.xml><?xml version="1.0" encoding="utf-8"?>
-<p:sld xmlns:a="http://schemas.openxmlformats.org/drawingml/2006/main" xmlns:r="http://schemas.openxmlformats.org/officeDocument/2006/relationships" xmlns:p="http://schemas.openxmlformats.org/presentationml/2006/main">
-  <p:cSld>
-    <p:spTree>
-      <p:nvGrpSpPr>
-        <p:cNvPr id="1" name=""/>
-        <p:cNvGrpSpPr/>
-        <p:nvPr/>
-      </p:nvGrpSpPr>
-      <p:grpSpPr>
-        <a:xfrm>
-          <a:off x="0" y="0"/>
-          <a:ext cx="0" cy="0"/>
-          <a:chOff x="0" y="0"/>
-          <a:chExt cx="0" cy="0"/>
-        </a:xfrm>
-      </p:grpSpPr>
-      <p:sp>
-        <p:nvSpPr>
           <p:cNvPr id="2" name="Title 1">
             <a:extLst>
               <a:ext uri="{FF2B5EF4-FFF2-40B4-BE49-F238E27FC236}">
@@ -36315,7 +36184,7 @@
 </p:sld>
 </file>
 
-<file path=ppt/slides/slide22.xml><?xml version="1.0" encoding="utf-8"?>
+<file path=ppt/slides/slide21.xml><?xml version="1.0" encoding="utf-8"?>
 <p:sld xmlns:a="http://schemas.openxmlformats.org/drawingml/2006/main" xmlns:r="http://schemas.openxmlformats.org/officeDocument/2006/relationships" xmlns:p="http://schemas.openxmlformats.org/presentationml/2006/main">
   <p:cSld>
     <p:spTree>
@@ -36669,7 +36538,7 @@
 </p:sld>
 </file>
 
-<file path=ppt/slides/slide23.xml><?xml version="1.0" encoding="utf-8"?>
+<file path=ppt/slides/slide22.xml><?xml version="1.0" encoding="utf-8"?>
 <p:sld xmlns:a="http://schemas.openxmlformats.org/drawingml/2006/main" xmlns:r="http://schemas.openxmlformats.org/officeDocument/2006/relationships" xmlns:p="http://schemas.openxmlformats.org/presentationml/2006/main">
   <p:cSld>
     <p:spTree>
@@ -36760,7 +36629,7 @@
 </p:sld>
 </file>
 
-<file path=ppt/slides/slide24.xml><?xml version="1.0" encoding="utf-8"?>
+<file path=ppt/slides/slide23.xml><?xml version="1.0" encoding="utf-8"?>
 <p:sld xmlns:a="http://schemas.openxmlformats.org/drawingml/2006/main" xmlns:r="http://schemas.openxmlformats.org/officeDocument/2006/relationships" xmlns:p="http://schemas.openxmlformats.org/presentationml/2006/main">
   <p:cSld>
     <p:spTree>
@@ -36851,7 +36720,7 @@
 </p:sld>
 </file>
 
-<file path=ppt/slides/slide25.xml><?xml version="1.0" encoding="utf-8"?>
+<file path=ppt/slides/slide24.xml><?xml version="1.0" encoding="utf-8"?>
 <p:sld xmlns:a="http://schemas.openxmlformats.org/drawingml/2006/main" xmlns:r="http://schemas.openxmlformats.org/officeDocument/2006/relationships" xmlns:p="http://schemas.openxmlformats.org/presentationml/2006/main">
   <p:cSld>
     <p:spTree>
@@ -36942,7 +36811,7 @@
 </p:sld>
 </file>
 
-<file path=ppt/slides/slide26.xml><?xml version="1.0" encoding="utf-8"?>
+<file path=ppt/slides/slide25.xml><?xml version="1.0" encoding="utf-8"?>
 <p:sld xmlns:a="http://schemas.openxmlformats.org/drawingml/2006/main" xmlns:r="http://schemas.openxmlformats.org/officeDocument/2006/relationships" xmlns:p="http://schemas.openxmlformats.org/presentationml/2006/main">
   <p:cSld>
     <p:spTree>
@@ -37024,6 +36893,137 @@
     <p:extLst>
       <p:ext uri="{BB962C8B-B14F-4D97-AF65-F5344CB8AC3E}">
         <p14:creationId xmlns:p14="http://schemas.microsoft.com/office/powerpoint/2010/main" val="2181733822"/>
+      </p:ext>
+    </p:extLst>
+  </p:cSld>
+  <p:clrMapOvr>
+    <a:masterClrMapping/>
+  </p:clrMapOvr>
+</p:sld>
+</file>
+
+<file path=ppt/slides/slide26.xml><?xml version="1.0" encoding="utf-8"?>
+<p:sld xmlns:a="http://schemas.openxmlformats.org/drawingml/2006/main" xmlns:r="http://schemas.openxmlformats.org/officeDocument/2006/relationships" xmlns:p="http://schemas.openxmlformats.org/presentationml/2006/main">
+  <p:cSld>
+    <p:bg>
+      <p:bgPr>
+        <a:solidFill>
+          <a:srgbClr val="349FE7"/>
+        </a:solidFill>
+        <a:effectLst/>
+      </p:bgPr>
+    </p:bg>
+    <p:spTree>
+      <p:nvGrpSpPr>
+        <p:cNvPr id="1" name=""/>
+        <p:cNvGrpSpPr/>
+        <p:nvPr/>
+      </p:nvGrpSpPr>
+      <p:grpSpPr>
+        <a:xfrm>
+          <a:off x="0" y="0"/>
+          <a:ext cx="0" cy="0"/>
+          <a:chOff x="0" y="0"/>
+          <a:chExt cx="0" cy="0"/>
+        </a:xfrm>
+      </p:grpSpPr>
+      <p:sp>
+        <p:nvSpPr>
+          <p:cNvPr id="3" name="Title 2">
+            <a:extLst>
+              <a:ext uri="{FF2B5EF4-FFF2-40B4-BE49-F238E27FC236}">
+                <a16:creationId xmlns:a16="http://schemas.microsoft.com/office/drawing/2014/main" id="{E039260B-0DF6-4325-9D90-32DF1F8419A2}"/>
+              </a:ext>
+            </a:extLst>
+          </p:cNvPr>
+          <p:cNvSpPr>
+            <a:spLocks noGrp="1"/>
+          </p:cNvSpPr>
+          <p:nvPr>
+            <p:ph type="title"/>
+          </p:nvPr>
+        </p:nvSpPr>
+        <p:spPr/>
+        <p:txBody>
+          <a:bodyPr/>
+          <a:lstStyle/>
+          <a:p>
+            <a:r>
+              <a:rPr lang="ko-KR" altLang="en-US" dirty="0">
+                <a:solidFill>
+                  <a:schemeClr val="bg1"/>
+                </a:solidFill>
+              </a:rPr>
+              <a:t>실습</a:t>
+            </a:r>
+            <a:r>
+              <a:rPr lang="en-US" altLang="ko-KR" dirty="0">
+                <a:solidFill>
+                  <a:schemeClr val="bg1"/>
+                </a:solidFill>
+              </a:rPr>
+              <a:t> 120 – Lab2</a:t>
+            </a:r>
+            <a:endParaRPr lang="ko-KR" altLang="en-US" dirty="0">
+              <a:solidFill>
+                <a:schemeClr val="bg1"/>
+              </a:solidFill>
+            </a:endParaRPr>
+          </a:p>
+        </p:txBody>
+      </p:sp>
+      <p:sp>
+        <p:nvSpPr>
+          <p:cNvPr id="6" name="Text Placeholder 5">
+            <a:extLst>
+              <a:ext uri="{FF2B5EF4-FFF2-40B4-BE49-F238E27FC236}">
+                <a16:creationId xmlns:a16="http://schemas.microsoft.com/office/drawing/2014/main" id="{4538CE48-6EED-4A89-8809-CE48D975C22B}"/>
+              </a:ext>
+            </a:extLst>
+          </p:cNvPr>
+          <p:cNvSpPr>
+            <a:spLocks noGrp="1"/>
+          </p:cNvSpPr>
+          <p:nvPr>
+            <p:ph type="body" idx="1"/>
+          </p:nvPr>
+        </p:nvSpPr>
+        <p:spPr/>
+        <p:txBody>
+          <a:bodyPr/>
+          <a:lstStyle/>
+          <a:p>
+            <a:r>
+              <a:rPr lang="ko-KR" altLang="en-US" dirty="0">
+                <a:solidFill>
+                  <a:schemeClr val="bg1"/>
+                </a:solidFill>
+              </a:rPr>
+              <a:t>전화걸기 </a:t>
+            </a:r>
+            <a:r>
+              <a:rPr lang="en-US" altLang="ko-KR" dirty="0">
+                <a:solidFill>
+                  <a:schemeClr val="bg1"/>
+                </a:solidFill>
+              </a:rPr>
+              <a:t>UI </a:t>
+            </a:r>
+            <a:r>
+              <a:rPr lang="ko-KR" altLang="en-US" dirty="0">
+                <a:solidFill>
+                  <a:schemeClr val="bg1"/>
+                </a:solidFill>
+              </a:rPr>
+              <a:t>만들기</a:t>
+            </a:r>
+          </a:p>
+        </p:txBody>
+      </p:sp>
+    </p:spTree>
+    <p:extLst>
+      <p:ext uri="{BB962C8B-B14F-4D97-AF65-F5344CB8AC3E}">
+        <p14:creationId xmlns:p14="http://schemas.microsoft.com/office/powerpoint/2010/main" val="1370872124"/>
       </p:ext>
     </p:extLst>
   </p:cSld>
